--- a/Document/ECRM-Presentation.pptx
+++ b/Document/ECRM-Presentation.pptx
@@ -6,15 +6,16 @@
   </p:sldMasterIdLst>
   <p:sldIdLst>
     <p:sldId id="256" r:id="rId2"/>
-    <p:sldId id="257" r:id="rId3"/>
-    <p:sldId id="258" r:id="rId4"/>
-    <p:sldId id="259" r:id="rId5"/>
-    <p:sldId id="260" r:id="rId6"/>
-    <p:sldId id="261" r:id="rId7"/>
-    <p:sldId id="262" r:id="rId8"/>
-    <p:sldId id="263" r:id="rId9"/>
-    <p:sldId id="264" r:id="rId10"/>
-    <p:sldId id="265" r:id="rId11"/>
+    <p:sldId id="266" r:id="rId3"/>
+    <p:sldId id="257" r:id="rId4"/>
+    <p:sldId id="258" r:id="rId5"/>
+    <p:sldId id="259" r:id="rId6"/>
+    <p:sldId id="260" r:id="rId7"/>
+    <p:sldId id="261" r:id="rId8"/>
+    <p:sldId id="262" r:id="rId9"/>
+    <p:sldId id="263" r:id="rId10"/>
+    <p:sldId id="264" r:id="rId11"/>
+    <p:sldId id="265" r:id="rId12"/>
   </p:sldIdLst>
   <p:sldSz cx="9144000" cy="6858000" type="screen4x3"/>
   <p:notesSz cx="6858000" cy="9144000"/>
@@ -1928,7 +1929,7 @@
           <a:p>
             <a:fld id="{EE8E0E55-2E6C-462F-86B2-7B5F2C521DC2}" type="datetimeFigureOut">
               <a:rPr lang="en-US" smtClean="0"/>
-              <a:t>8/8/2015</a:t>
+              <a:t>8/13/2015</a:t>
             </a:fld>
             <a:endParaRPr lang="en-US"/>
           </a:p>
@@ -2109,7 +2110,7 @@
           <a:p>
             <a:fld id="{EE8E0E55-2E6C-462F-86B2-7B5F2C521DC2}" type="datetimeFigureOut">
               <a:rPr lang="en-US" smtClean="0"/>
-              <a:t>8/8/2015</a:t>
+              <a:t>8/13/2015</a:t>
             </a:fld>
             <a:endParaRPr lang="en-US"/>
           </a:p>
@@ -2260,7 +2261,7 @@
           <a:p>
             <a:fld id="{EE8E0E55-2E6C-462F-86B2-7B5F2C521DC2}" type="datetimeFigureOut">
               <a:rPr lang="en-US" smtClean="0"/>
-              <a:t>8/8/2015</a:t>
+              <a:t>8/13/2015</a:t>
             </a:fld>
             <a:endParaRPr lang="en-US"/>
           </a:p>
@@ -4086,7 +4087,7 @@
           <a:p>
             <a:fld id="{EE8E0E55-2E6C-462F-86B2-7B5F2C521DC2}" type="datetimeFigureOut">
               <a:rPr lang="en-US" smtClean="0"/>
-              <a:t>8/8/2015</a:t>
+              <a:t>8/13/2015</a:t>
             </a:fld>
             <a:endParaRPr lang="en-US"/>
           </a:p>
@@ -5956,7 +5957,7 @@
           <a:p>
             <a:fld id="{EE8E0E55-2E6C-462F-86B2-7B5F2C521DC2}" type="datetimeFigureOut">
               <a:rPr lang="en-US" smtClean="0"/>
-              <a:t>8/8/2015</a:t>
+              <a:t>8/13/2015</a:t>
             </a:fld>
             <a:endParaRPr lang="en-US"/>
           </a:p>
@@ -6069,7 +6070,7 @@
           <a:p>
             <a:fld id="{EE8E0E55-2E6C-462F-86B2-7B5F2C521DC2}" type="datetimeFigureOut">
               <a:rPr lang="en-US" smtClean="0"/>
-              <a:t>8/8/2015</a:t>
+              <a:t>8/13/2015</a:t>
             </a:fld>
             <a:endParaRPr lang="en-US"/>
           </a:p>
@@ -6610,7 +6611,7 @@
           <a:p>
             <a:fld id="{EE8E0E55-2E6C-462F-86B2-7B5F2C521DC2}" type="datetimeFigureOut">
               <a:rPr lang="en-US" smtClean="0"/>
-              <a:t>8/8/2015</a:t>
+              <a:t>8/13/2015</a:t>
             </a:fld>
             <a:endParaRPr lang="en-US"/>
           </a:p>
@@ -6723,7 +6724,7 @@
           <a:p>
             <a:fld id="{EE8E0E55-2E6C-462F-86B2-7B5F2C521DC2}" type="datetimeFigureOut">
               <a:rPr lang="en-US" smtClean="0"/>
-              <a:t>8/8/2015</a:t>
+              <a:t>8/13/2015</a:t>
             </a:fld>
             <a:endParaRPr lang="en-US"/>
           </a:p>
@@ -8434,7 +8435,7 @@
           <a:p>
             <a:fld id="{EE8E0E55-2E6C-462F-86B2-7B5F2C521DC2}" type="datetimeFigureOut">
               <a:rPr lang="en-US" smtClean="0"/>
-              <a:t>8/8/2015</a:t>
+              <a:t>8/13/2015</a:t>
             </a:fld>
             <a:endParaRPr lang="en-US"/>
           </a:p>
@@ -8585,7 +8586,7 @@
           <a:p>
             <a:fld id="{EE8E0E55-2E6C-462F-86B2-7B5F2C521DC2}" type="datetimeFigureOut">
               <a:rPr lang="en-US" smtClean="0"/>
-              <a:t>8/8/2015</a:t>
+              <a:t>8/13/2015</a:t>
             </a:fld>
             <a:endParaRPr lang="en-US"/>
           </a:p>
@@ -12200,7 +12201,7 @@
           <a:p>
             <a:fld id="{EE8E0E55-2E6C-462F-86B2-7B5F2C521DC2}" type="datetimeFigureOut">
               <a:rPr lang="en-US" smtClean="0"/>
-              <a:t>8/8/2015</a:t>
+              <a:t>8/13/2015</a:t>
             </a:fld>
             <a:endParaRPr lang="en-US"/>
           </a:p>
@@ -14059,7 +14060,7 @@
           <a:p>
             <a:fld id="{EE8E0E55-2E6C-462F-86B2-7B5F2C521DC2}" type="datetimeFigureOut">
               <a:rPr lang="en-US" smtClean="0"/>
-              <a:t>8/8/2015</a:t>
+              <a:t>8/13/2015</a:t>
             </a:fld>
             <a:endParaRPr lang="en-US"/>
           </a:p>
@@ -14864,6 +14865,1011 @@
           <a:chExt cx="0" cy="0"/>
         </a:xfrm>
       </p:grpSpPr>
+      <p:pic>
+        <p:nvPicPr>
+          <p:cNvPr id="4" name="Picture 3" descr="C:\Users\QuangTV\Desktop\office.png"/>
+          <p:cNvPicPr>
+            <a:picLocks noChangeAspect="1" noChangeArrowheads="1"/>
+          </p:cNvPicPr>
+          <p:nvPr/>
+        </p:nvPicPr>
+        <p:blipFill>
+          <a:blip r:embed="rId2">
+            <a:extLst>
+              <a:ext uri="{28A0092B-C50C-407E-A947-70E740481C1C}">
+                <a14:useLocalDpi xmlns:a14="http://schemas.microsoft.com/office/drawing/2010/main" val="0"/>
+              </a:ext>
+            </a:extLst>
+          </a:blip>
+          <a:srcRect/>
+          <a:stretch>
+            <a:fillRect/>
+          </a:stretch>
+        </p:blipFill>
+        <p:spPr bwMode="auto">
+          <a:xfrm>
+            <a:off x="-76200" y="2286000"/>
+            <a:ext cx="2057400" cy="2027850"/>
+          </a:xfrm>
+          <a:prstGeom prst="rect">
+            <a:avLst/>
+          </a:prstGeom>
+          <a:noFill/>
+          <a:extLst>
+            <a:ext uri="{909E8E84-426E-40DD-AFC4-6F175D3DCCD1}">
+              <a14:hiddenFill xmlns:a14="http://schemas.microsoft.com/office/drawing/2010/main">
+                <a:solidFill>
+                  <a:srgbClr val="FFFFFF"/>
+                </a:solidFill>
+              </a14:hiddenFill>
+            </a:ext>
+          </a:extLst>
+        </p:spPr>
+      </p:pic>
+      <p:pic>
+        <p:nvPicPr>
+          <p:cNvPr id="6146" name="Picture 2" descr="C:\Users\QuangTV\Desktop\staff.png"/>
+          <p:cNvPicPr>
+            <a:picLocks noChangeAspect="1" noChangeArrowheads="1"/>
+          </p:cNvPicPr>
+          <p:nvPr/>
+        </p:nvPicPr>
+        <p:blipFill>
+          <a:blip r:embed="rId3" cstate="print">
+            <a:extLst>
+              <a:ext uri="{28A0092B-C50C-407E-A947-70E740481C1C}">
+                <a14:useLocalDpi xmlns:a14="http://schemas.microsoft.com/office/drawing/2010/main" val="0"/>
+              </a:ext>
+            </a:extLst>
+          </a:blip>
+          <a:srcRect/>
+          <a:stretch>
+            <a:fillRect/>
+          </a:stretch>
+        </p:blipFill>
+        <p:spPr bwMode="auto">
+          <a:xfrm>
+            <a:off x="3124200" y="1585425"/>
+            <a:ext cx="2054993" cy="3429000"/>
+          </a:xfrm>
+          <a:prstGeom prst="rect">
+            <a:avLst/>
+          </a:prstGeom>
+          <a:noFill/>
+          <a:extLst>
+            <a:ext uri="{909E8E84-426E-40DD-AFC4-6F175D3DCCD1}">
+              <a14:hiddenFill xmlns:a14="http://schemas.microsoft.com/office/drawing/2010/main">
+                <a:solidFill>
+                  <a:srgbClr val="FFFFFF"/>
+                </a:solidFill>
+              </a14:hiddenFill>
+            </a:ext>
+          </a:extLst>
+        </p:spPr>
+      </p:pic>
+      <p:pic>
+        <p:nvPicPr>
+          <p:cNvPr id="6147" name="Picture 3" descr="C:\Users\QuangTV\Desktop\cr.png"/>
+          <p:cNvPicPr>
+            <a:picLocks noChangeAspect="1" noChangeArrowheads="1"/>
+          </p:cNvPicPr>
+          <p:nvPr/>
+        </p:nvPicPr>
+        <p:blipFill>
+          <a:blip r:embed="rId4">
+            <a:extLst>
+              <a:ext uri="{28A0092B-C50C-407E-A947-70E740481C1C}">
+                <a14:useLocalDpi xmlns:a14="http://schemas.microsoft.com/office/drawing/2010/main" val="0"/>
+              </a:ext>
+            </a:extLst>
+          </a:blip>
+          <a:srcRect/>
+          <a:stretch>
+            <a:fillRect/>
+          </a:stretch>
+        </p:blipFill>
+        <p:spPr bwMode="auto">
+          <a:xfrm>
+            <a:off x="6477000" y="279569"/>
+            <a:ext cx="2197100" cy="2006431"/>
+          </a:xfrm>
+          <a:prstGeom prst="rect">
+            <a:avLst/>
+          </a:prstGeom>
+          <a:noFill/>
+          <a:extLst>
+            <a:ext uri="{909E8E84-426E-40DD-AFC4-6F175D3DCCD1}">
+              <a14:hiddenFill xmlns:a14="http://schemas.microsoft.com/office/drawing/2010/main">
+                <a:solidFill>
+                  <a:srgbClr val="FFFFFF"/>
+                </a:solidFill>
+              </a14:hiddenFill>
+            </a:ext>
+          </a:extLst>
+        </p:spPr>
+      </p:pic>
+      <p:cxnSp>
+        <p:nvCxnSpPr>
+          <p:cNvPr id="6" name="Straight Arrow Connector 5"/>
+          <p:cNvCxnSpPr>
+            <a:stCxn id="4" idx="3"/>
+            <a:endCxn id="6146" idx="1"/>
+          </p:cNvCxnSpPr>
+          <p:nvPr/>
+        </p:nvCxnSpPr>
+        <p:spPr>
+          <a:xfrm>
+            <a:off x="1981200" y="3299925"/>
+            <a:ext cx="1143000" cy="0"/>
+          </a:xfrm>
+          <a:prstGeom prst="straightConnector1">
+            <a:avLst/>
+          </a:prstGeom>
+          <a:ln>
+            <a:tailEnd type="arrow"/>
+          </a:ln>
+        </p:spPr>
+        <p:style>
+          <a:lnRef idx="1">
+            <a:schemeClr val="accent1"/>
+          </a:lnRef>
+          <a:fillRef idx="0">
+            <a:schemeClr val="accent1"/>
+          </a:fillRef>
+          <a:effectRef idx="0">
+            <a:schemeClr val="accent1"/>
+          </a:effectRef>
+          <a:fontRef idx="minor">
+            <a:schemeClr val="tx1"/>
+          </a:fontRef>
+        </p:style>
+      </p:cxnSp>
+      <p:cxnSp>
+        <p:nvCxnSpPr>
+          <p:cNvPr id="8" name="Straight Arrow Connector 7"/>
+          <p:cNvCxnSpPr>
+            <a:stCxn id="6146" idx="3"/>
+            <a:endCxn id="6147" idx="1"/>
+          </p:cNvCxnSpPr>
+          <p:nvPr/>
+        </p:nvCxnSpPr>
+        <p:spPr>
+          <a:xfrm flipV="1">
+            <a:off x="5179193" y="1282785"/>
+            <a:ext cx="1297807" cy="2017140"/>
+          </a:xfrm>
+          <a:prstGeom prst="straightConnector1">
+            <a:avLst/>
+          </a:prstGeom>
+          <a:ln>
+            <a:tailEnd type="arrow"/>
+          </a:ln>
+        </p:spPr>
+        <p:style>
+          <a:lnRef idx="1">
+            <a:schemeClr val="accent1"/>
+          </a:lnRef>
+          <a:fillRef idx="0">
+            <a:schemeClr val="accent1"/>
+          </a:fillRef>
+          <a:effectRef idx="0">
+            <a:schemeClr val="accent1"/>
+          </a:effectRef>
+          <a:fontRef idx="minor">
+            <a:schemeClr val="tx1"/>
+          </a:fontRef>
+        </p:style>
+      </p:cxnSp>
+      <p:pic>
+        <p:nvPicPr>
+          <p:cNvPr id="1026" name="Picture 2" descr="C:\Users\QuangTV\Desktop\resolve.png"/>
+          <p:cNvPicPr>
+            <a:picLocks noChangeAspect="1" noChangeArrowheads="1"/>
+          </p:cNvPicPr>
+          <p:nvPr/>
+        </p:nvPicPr>
+        <p:blipFill>
+          <a:blip r:embed="rId5">
+            <a:extLst>
+              <a:ext uri="{28A0092B-C50C-407E-A947-70E740481C1C}">
+                <a14:useLocalDpi xmlns:a14="http://schemas.microsoft.com/office/drawing/2010/main" val="0"/>
+              </a:ext>
+            </a:extLst>
+          </a:blip>
+          <a:srcRect/>
+          <a:stretch>
+            <a:fillRect/>
+          </a:stretch>
+        </p:blipFill>
+        <p:spPr bwMode="auto">
+          <a:xfrm>
+            <a:off x="6476999" y="3962400"/>
+            <a:ext cx="2669401" cy="2475603"/>
+          </a:xfrm>
+          <a:prstGeom prst="rect">
+            <a:avLst/>
+          </a:prstGeom>
+          <a:noFill/>
+          <a:extLst>
+            <a:ext uri="{909E8E84-426E-40DD-AFC4-6F175D3DCCD1}">
+              <a14:hiddenFill xmlns:a14="http://schemas.microsoft.com/office/drawing/2010/main">
+                <a:solidFill>
+                  <a:srgbClr val="FFFFFF"/>
+                </a:solidFill>
+              </a14:hiddenFill>
+            </a:ext>
+          </a:extLst>
+        </p:spPr>
+      </p:pic>
+      <p:cxnSp>
+        <p:nvCxnSpPr>
+          <p:cNvPr id="3" name="Straight Arrow Connector 2"/>
+          <p:cNvCxnSpPr>
+            <a:stCxn id="6146" idx="3"/>
+            <a:endCxn id="1026" idx="1"/>
+          </p:cNvCxnSpPr>
+          <p:nvPr/>
+        </p:nvCxnSpPr>
+        <p:spPr>
+          <a:xfrm>
+            <a:off x="5179193" y="3299925"/>
+            <a:ext cx="1297806" cy="1900277"/>
+          </a:xfrm>
+          <a:prstGeom prst="straightConnector1">
+            <a:avLst/>
+          </a:prstGeom>
+          <a:ln>
+            <a:tailEnd type="arrow"/>
+          </a:ln>
+        </p:spPr>
+        <p:style>
+          <a:lnRef idx="1">
+            <a:schemeClr val="accent1"/>
+          </a:lnRef>
+          <a:fillRef idx="0">
+            <a:schemeClr val="accent1"/>
+          </a:fillRef>
+          <a:effectRef idx="0">
+            <a:schemeClr val="accent1"/>
+          </a:effectRef>
+          <a:fontRef idx="minor">
+            <a:schemeClr val="tx1"/>
+          </a:fontRef>
+        </p:style>
+      </p:cxnSp>
+      <p:sp>
+        <p:nvSpPr>
+          <p:cNvPr id="10" name="TextBox 9"/>
+          <p:cNvSpPr txBox="1"/>
+          <p:nvPr/>
+        </p:nvSpPr>
+        <p:spPr>
+          <a:xfrm>
+            <a:off x="152400" y="260290"/>
+            <a:ext cx="1955215" cy="400110"/>
+          </a:xfrm>
+          <a:prstGeom prst="rect">
+            <a:avLst/>
+          </a:prstGeom>
+          <a:noFill/>
+        </p:spPr>
+        <p:txBody>
+          <a:bodyPr wrap="none" rtlCol="0">
+            <a:spAutoFit/>
+          </a:bodyPr>
+          <a:lstStyle/>
+          <a:p>
+            <a:r>
+              <a:rPr lang="en-US" sz="2000" b="1" dirty="0" smtClean="0">
+                <a:latin typeface="Cambria" pitchFamily="18" charset="0"/>
+              </a:rPr>
+              <a:t>Resolve Report</a:t>
+            </a:r>
+            <a:endParaRPr lang="en-US" sz="2000" b="1" dirty="0">
+              <a:latin typeface="Cambria" pitchFamily="18" charset="0"/>
+            </a:endParaRPr>
+          </a:p>
+        </p:txBody>
+      </p:sp>
+    </p:spTree>
+    <p:extLst>
+      <p:ext uri="{BB962C8B-B14F-4D97-AF65-F5344CB8AC3E}">
+        <p14:creationId xmlns:p14="http://schemas.microsoft.com/office/powerpoint/2010/main" val="3894426786"/>
+      </p:ext>
+    </p:extLst>
+  </p:cSld>
+  <p:clrMapOvr>
+    <a:masterClrMapping/>
+  </p:clrMapOvr>
+  <p:timing>
+    <p:tnLst>
+      <p:par>
+        <p:cTn id="1" dur="indefinite" restart="never" nodeType="tmRoot">
+          <p:childTnLst>
+            <p:seq concurrent="1" nextAc="seek">
+              <p:cTn id="2" dur="indefinite" nodeType="mainSeq">
+                <p:childTnLst>
+                  <p:par>
+                    <p:cTn id="3" fill="hold">
+                      <p:stCondLst>
+                        <p:cond delay="indefinite"/>
+                      </p:stCondLst>
+                      <p:childTnLst>
+                        <p:par>
+                          <p:cTn id="4" fill="hold">
+                            <p:stCondLst>
+                              <p:cond delay="0"/>
+                            </p:stCondLst>
+                            <p:childTnLst>
+                              <p:par>
+                                <p:cTn id="5" presetID="53" presetClass="entr" presetSubtype="16" fill="hold" nodeType="clickEffect">
+                                  <p:stCondLst>
+                                    <p:cond delay="0"/>
+                                  </p:stCondLst>
+                                  <p:childTnLst>
+                                    <p:set>
+                                      <p:cBhvr>
+                                        <p:cTn id="6" dur="1" fill="hold">
+                                          <p:stCondLst>
+                                            <p:cond delay="0"/>
+                                          </p:stCondLst>
+                                        </p:cTn>
+                                        <p:tgtEl>
+                                          <p:spTgt spid="4"/>
+                                        </p:tgtEl>
+                                        <p:attrNameLst>
+                                          <p:attrName>style.visibility</p:attrName>
+                                        </p:attrNameLst>
+                                      </p:cBhvr>
+                                      <p:to>
+                                        <p:strVal val="visible"/>
+                                      </p:to>
+                                    </p:set>
+                                    <p:anim calcmode="lin" valueType="num">
+                                      <p:cBhvr>
+                                        <p:cTn id="7" dur="500" fill="hold"/>
+                                        <p:tgtEl>
+                                          <p:spTgt spid="4"/>
+                                        </p:tgtEl>
+                                        <p:attrNameLst>
+                                          <p:attrName>ppt_w</p:attrName>
+                                        </p:attrNameLst>
+                                      </p:cBhvr>
+                                      <p:tavLst>
+                                        <p:tav tm="0">
+                                          <p:val>
+                                            <p:fltVal val="0"/>
+                                          </p:val>
+                                        </p:tav>
+                                        <p:tav tm="100000">
+                                          <p:val>
+                                            <p:strVal val="#ppt_w"/>
+                                          </p:val>
+                                        </p:tav>
+                                      </p:tavLst>
+                                    </p:anim>
+                                    <p:anim calcmode="lin" valueType="num">
+                                      <p:cBhvr>
+                                        <p:cTn id="8" dur="500" fill="hold"/>
+                                        <p:tgtEl>
+                                          <p:spTgt spid="4"/>
+                                        </p:tgtEl>
+                                        <p:attrNameLst>
+                                          <p:attrName>ppt_h</p:attrName>
+                                        </p:attrNameLst>
+                                      </p:cBhvr>
+                                      <p:tavLst>
+                                        <p:tav tm="0">
+                                          <p:val>
+                                            <p:fltVal val="0"/>
+                                          </p:val>
+                                        </p:tav>
+                                        <p:tav tm="100000">
+                                          <p:val>
+                                            <p:strVal val="#ppt_h"/>
+                                          </p:val>
+                                        </p:tav>
+                                      </p:tavLst>
+                                    </p:anim>
+                                    <p:animEffect transition="in" filter="fade">
+                                      <p:cBhvr>
+                                        <p:cTn id="9" dur="500"/>
+                                        <p:tgtEl>
+                                          <p:spTgt spid="4"/>
+                                        </p:tgtEl>
+                                      </p:cBhvr>
+                                    </p:animEffect>
+                                  </p:childTnLst>
+                                </p:cTn>
+                              </p:par>
+                            </p:childTnLst>
+                          </p:cTn>
+                        </p:par>
+                      </p:childTnLst>
+                    </p:cTn>
+                  </p:par>
+                  <p:par>
+                    <p:cTn id="10" fill="hold">
+                      <p:stCondLst>
+                        <p:cond delay="indefinite"/>
+                      </p:stCondLst>
+                      <p:childTnLst>
+                        <p:par>
+                          <p:cTn id="11" fill="hold">
+                            <p:stCondLst>
+                              <p:cond delay="0"/>
+                            </p:stCondLst>
+                            <p:childTnLst>
+                              <p:par>
+                                <p:cTn id="12" presetID="53" presetClass="entr" presetSubtype="16" fill="hold" nodeType="clickEffect">
+                                  <p:stCondLst>
+                                    <p:cond delay="0"/>
+                                  </p:stCondLst>
+                                  <p:childTnLst>
+                                    <p:set>
+                                      <p:cBhvr>
+                                        <p:cTn id="13" dur="1" fill="hold">
+                                          <p:stCondLst>
+                                            <p:cond delay="0"/>
+                                          </p:stCondLst>
+                                        </p:cTn>
+                                        <p:tgtEl>
+                                          <p:spTgt spid="6"/>
+                                        </p:tgtEl>
+                                        <p:attrNameLst>
+                                          <p:attrName>style.visibility</p:attrName>
+                                        </p:attrNameLst>
+                                      </p:cBhvr>
+                                      <p:to>
+                                        <p:strVal val="visible"/>
+                                      </p:to>
+                                    </p:set>
+                                    <p:anim calcmode="lin" valueType="num">
+                                      <p:cBhvr>
+                                        <p:cTn id="14" dur="500" fill="hold"/>
+                                        <p:tgtEl>
+                                          <p:spTgt spid="6"/>
+                                        </p:tgtEl>
+                                        <p:attrNameLst>
+                                          <p:attrName>ppt_w</p:attrName>
+                                        </p:attrNameLst>
+                                      </p:cBhvr>
+                                      <p:tavLst>
+                                        <p:tav tm="0">
+                                          <p:val>
+                                            <p:fltVal val="0"/>
+                                          </p:val>
+                                        </p:tav>
+                                        <p:tav tm="100000">
+                                          <p:val>
+                                            <p:strVal val="#ppt_w"/>
+                                          </p:val>
+                                        </p:tav>
+                                      </p:tavLst>
+                                    </p:anim>
+                                    <p:anim calcmode="lin" valueType="num">
+                                      <p:cBhvr>
+                                        <p:cTn id="15" dur="500" fill="hold"/>
+                                        <p:tgtEl>
+                                          <p:spTgt spid="6"/>
+                                        </p:tgtEl>
+                                        <p:attrNameLst>
+                                          <p:attrName>ppt_h</p:attrName>
+                                        </p:attrNameLst>
+                                      </p:cBhvr>
+                                      <p:tavLst>
+                                        <p:tav tm="0">
+                                          <p:val>
+                                            <p:fltVal val="0"/>
+                                          </p:val>
+                                        </p:tav>
+                                        <p:tav tm="100000">
+                                          <p:val>
+                                            <p:strVal val="#ppt_h"/>
+                                          </p:val>
+                                        </p:tav>
+                                      </p:tavLst>
+                                    </p:anim>
+                                    <p:animEffect transition="in" filter="fade">
+                                      <p:cBhvr>
+                                        <p:cTn id="16" dur="500"/>
+                                        <p:tgtEl>
+                                          <p:spTgt spid="6"/>
+                                        </p:tgtEl>
+                                      </p:cBhvr>
+                                    </p:animEffect>
+                                  </p:childTnLst>
+                                </p:cTn>
+                              </p:par>
+                              <p:par>
+                                <p:cTn id="17" presetID="53" presetClass="entr" presetSubtype="16" fill="hold" nodeType="withEffect">
+                                  <p:stCondLst>
+                                    <p:cond delay="0"/>
+                                  </p:stCondLst>
+                                  <p:childTnLst>
+                                    <p:set>
+                                      <p:cBhvr>
+                                        <p:cTn id="18" dur="1" fill="hold">
+                                          <p:stCondLst>
+                                            <p:cond delay="0"/>
+                                          </p:stCondLst>
+                                        </p:cTn>
+                                        <p:tgtEl>
+                                          <p:spTgt spid="6146"/>
+                                        </p:tgtEl>
+                                        <p:attrNameLst>
+                                          <p:attrName>style.visibility</p:attrName>
+                                        </p:attrNameLst>
+                                      </p:cBhvr>
+                                      <p:to>
+                                        <p:strVal val="visible"/>
+                                      </p:to>
+                                    </p:set>
+                                    <p:anim calcmode="lin" valueType="num">
+                                      <p:cBhvr>
+                                        <p:cTn id="19" dur="500" fill="hold"/>
+                                        <p:tgtEl>
+                                          <p:spTgt spid="6146"/>
+                                        </p:tgtEl>
+                                        <p:attrNameLst>
+                                          <p:attrName>ppt_w</p:attrName>
+                                        </p:attrNameLst>
+                                      </p:cBhvr>
+                                      <p:tavLst>
+                                        <p:tav tm="0">
+                                          <p:val>
+                                            <p:fltVal val="0"/>
+                                          </p:val>
+                                        </p:tav>
+                                        <p:tav tm="100000">
+                                          <p:val>
+                                            <p:strVal val="#ppt_w"/>
+                                          </p:val>
+                                        </p:tav>
+                                      </p:tavLst>
+                                    </p:anim>
+                                    <p:anim calcmode="lin" valueType="num">
+                                      <p:cBhvr>
+                                        <p:cTn id="20" dur="500" fill="hold"/>
+                                        <p:tgtEl>
+                                          <p:spTgt spid="6146"/>
+                                        </p:tgtEl>
+                                        <p:attrNameLst>
+                                          <p:attrName>ppt_h</p:attrName>
+                                        </p:attrNameLst>
+                                      </p:cBhvr>
+                                      <p:tavLst>
+                                        <p:tav tm="0">
+                                          <p:val>
+                                            <p:fltVal val="0"/>
+                                          </p:val>
+                                        </p:tav>
+                                        <p:tav tm="100000">
+                                          <p:val>
+                                            <p:strVal val="#ppt_h"/>
+                                          </p:val>
+                                        </p:tav>
+                                      </p:tavLst>
+                                    </p:anim>
+                                    <p:animEffect transition="in" filter="fade">
+                                      <p:cBhvr>
+                                        <p:cTn id="21" dur="500"/>
+                                        <p:tgtEl>
+                                          <p:spTgt spid="6146"/>
+                                        </p:tgtEl>
+                                      </p:cBhvr>
+                                    </p:animEffect>
+                                  </p:childTnLst>
+                                </p:cTn>
+                              </p:par>
+                            </p:childTnLst>
+                          </p:cTn>
+                        </p:par>
+                      </p:childTnLst>
+                    </p:cTn>
+                  </p:par>
+                  <p:par>
+                    <p:cTn id="22" fill="hold">
+                      <p:stCondLst>
+                        <p:cond delay="indefinite"/>
+                      </p:stCondLst>
+                      <p:childTnLst>
+                        <p:par>
+                          <p:cTn id="23" fill="hold">
+                            <p:stCondLst>
+                              <p:cond delay="0"/>
+                            </p:stCondLst>
+                            <p:childTnLst>
+                              <p:par>
+                                <p:cTn id="24" presetID="53" presetClass="entr" presetSubtype="16" fill="hold" nodeType="clickEffect">
+                                  <p:stCondLst>
+                                    <p:cond delay="0"/>
+                                  </p:stCondLst>
+                                  <p:childTnLst>
+                                    <p:set>
+                                      <p:cBhvr>
+                                        <p:cTn id="25" dur="1" fill="hold">
+                                          <p:stCondLst>
+                                            <p:cond delay="0"/>
+                                          </p:stCondLst>
+                                        </p:cTn>
+                                        <p:tgtEl>
+                                          <p:spTgt spid="8"/>
+                                        </p:tgtEl>
+                                        <p:attrNameLst>
+                                          <p:attrName>style.visibility</p:attrName>
+                                        </p:attrNameLst>
+                                      </p:cBhvr>
+                                      <p:to>
+                                        <p:strVal val="visible"/>
+                                      </p:to>
+                                    </p:set>
+                                    <p:anim calcmode="lin" valueType="num">
+                                      <p:cBhvr>
+                                        <p:cTn id="26" dur="500" fill="hold"/>
+                                        <p:tgtEl>
+                                          <p:spTgt spid="8"/>
+                                        </p:tgtEl>
+                                        <p:attrNameLst>
+                                          <p:attrName>ppt_w</p:attrName>
+                                        </p:attrNameLst>
+                                      </p:cBhvr>
+                                      <p:tavLst>
+                                        <p:tav tm="0">
+                                          <p:val>
+                                            <p:fltVal val="0"/>
+                                          </p:val>
+                                        </p:tav>
+                                        <p:tav tm="100000">
+                                          <p:val>
+                                            <p:strVal val="#ppt_w"/>
+                                          </p:val>
+                                        </p:tav>
+                                      </p:tavLst>
+                                    </p:anim>
+                                    <p:anim calcmode="lin" valueType="num">
+                                      <p:cBhvr>
+                                        <p:cTn id="27" dur="500" fill="hold"/>
+                                        <p:tgtEl>
+                                          <p:spTgt spid="8"/>
+                                        </p:tgtEl>
+                                        <p:attrNameLst>
+                                          <p:attrName>ppt_h</p:attrName>
+                                        </p:attrNameLst>
+                                      </p:cBhvr>
+                                      <p:tavLst>
+                                        <p:tav tm="0">
+                                          <p:val>
+                                            <p:fltVal val="0"/>
+                                          </p:val>
+                                        </p:tav>
+                                        <p:tav tm="100000">
+                                          <p:val>
+                                            <p:strVal val="#ppt_h"/>
+                                          </p:val>
+                                        </p:tav>
+                                      </p:tavLst>
+                                    </p:anim>
+                                    <p:animEffect transition="in" filter="fade">
+                                      <p:cBhvr>
+                                        <p:cTn id="28" dur="500"/>
+                                        <p:tgtEl>
+                                          <p:spTgt spid="8"/>
+                                        </p:tgtEl>
+                                      </p:cBhvr>
+                                    </p:animEffect>
+                                  </p:childTnLst>
+                                </p:cTn>
+                              </p:par>
+                              <p:par>
+                                <p:cTn id="29" presetID="53" presetClass="entr" presetSubtype="16" fill="hold" nodeType="withEffect">
+                                  <p:stCondLst>
+                                    <p:cond delay="0"/>
+                                  </p:stCondLst>
+                                  <p:childTnLst>
+                                    <p:set>
+                                      <p:cBhvr>
+                                        <p:cTn id="30" dur="1" fill="hold">
+                                          <p:stCondLst>
+                                            <p:cond delay="0"/>
+                                          </p:stCondLst>
+                                        </p:cTn>
+                                        <p:tgtEl>
+                                          <p:spTgt spid="6147"/>
+                                        </p:tgtEl>
+                                        <p:attrNameLst>
+                                          <p:attrName>style.visibility</p:attrName>
+                                        </p:attrNameLst>
+                                      </p:cBhvr>
+                                      <p:to>
+                                        <p:strVal val="visible"/>
+                                      </p:to>
+                                    </p:set>
+                                    <p:anim calcmode="lin" valueType="num">
+                                      <p:cBhvr>
+                                        <p:cTn id="31" dur="500" fill="hold"/>
+                                        <p:tgtEl>
+                                          <p:spTgt spid="6147"/>
+                                        </p:tgtEl>
+                                        <p:attrNameLst>
+                                          <p:attrName>ppt_w</p:attrName>
+                                        </p:attrNameLst>
+                                      </p:cBhvr>
+                                      <p:tavLst>
+                                        <p:tav tm="0">
+                                          <p:val>
+                                            <p:fltVal val="0"/>
+                                          </p:val>
+                                        </p:tav>
+                                        <p:tav tm="100000">
+                                          <p:val>
+                                            <p:strVal val="#ppt_w"/>
+                                          </p:val>
+                                        </p:tav>
+                                      </p:tavLst>
+                                    </p:anim>
+                                    <p:anim calcmode="lin" valueType="num">
+                                      <p:cBhvr>
+                                        <p:cTn id="32" dur="500" fill="hold"/>
+                                        <p:tgtEl>
+                                          <p:spTgt spid="6147"/>
+                                        </p:tgtEl>
+                                        <p:attrNameLst>
+                                          <p:attrName>ppt_h</p:attrName>
+                                        </p:attrNameLst>
+                                      </p:cBhvr>
+                                      <p:tavLst>
+                                        <p:tav tm="0">
+                                          <p:val>
+                                            <p:fltVal val="0"/>
+                                          </p:val>
+                                        </p:tav>
+                                        <p:tav tm="100000">
+                                          <p:val>
+                                            <p:strVal val="#ppt_h"/>
+                                          </p:val>
+                                        </p:tav>
+                                      </p:tavLst>
+                                    </p:anim>
+                                    <p:animEffect transition="in" filter="fade">
+                                      <p:cBhvr>
+                                        <p:cTn id="33" dur="500"/>
+                                        <p:tgtEl>
+                                          <p:spTgt spid="6147"/>
+                                        </p:tgtEl>
+                                      </p:cBhvr>
+                                    </p:animEffect>
+                                  </p:childTnLst>
+                                </p:cTn>
+                              </p:par>
+                            </p:childTnLst>
+                          </p:cTn>
+                        </p:par>
+                      </p:childTnLst>
+                    </p:cTn>
+                  </p:par>
+                  <p:par>
+                    <p:cTn id="34" fill="hold">
+                      <p:stCondLst>
+                        <p:cond delay="indefinite"/>
+                      </p:stCondLst>
+                      <p:childTnLst>
+                        <p:par>
+                          <p:cTn id="35" fill="hold">
+                            <p:stCondLst>
+                              <p:cond delay="0"/>
+                            </p:stCondLst>
+                            <p:childTnLst>
+                              <p:par>
+                                <p:cTn id="36" presetID="53" presetClass="entr" presetSubtype="16" fill="hold" nodeType="clickEffect">
+                                  <p:stCondLst>
+                                    <p:cond delay="0"/>
+                                  </p:stCondLst>
+                                  <p:childTnLst>
+                                    <p:set>
+                                      <p:cBhvr>
+                                        <p:cTn id="37" dur="1" fill="hold">
+                                          <p:stCondLst>
+                                            <p:cond delay="0"/>
+                                          </p:stCondLst>
+                                        </p:cTn>
+                                        <p:tgtEl>
+                                          <p:spTgt spid="3"/>
+                                        </p:tgtEl>
+                                        <p:attrNameLst>
+                                          <p:attrName>style.visibility</p:attrName>
+                                        </p:attrNameLst>
+                                      </p:cBhvr>
+                                      <p:to>
+                                        <p:strVal val="visible"/>
+                                      </p:to>
+                                    </p:set>
+                                    <p:anim calcmode="lin" valueType="num">
+                                      <p:cBhvr>
+                                        <p:cTn id="38" dur="500" fill="hold"/>
+                                        <p:tgtEl>
+                                          <p:spTgt spid="3"/>
+                                        </p:tgtEl>
+                                        <p:attrNameLst>
+                                          <p:attrName>ppt_w</p:attrName>
+                                        </p:attrNameLst>
+                                      </p:cBhvr>
+                                      <p:tavLst>
+                                        <p:tav tm="0">
+                                          <p:val>
+                                            <p:fltVal val="0"/>
+                                          </p:val>
+                                        </p:tav>
+                                        <p:tav tm="100000">
+                                          <p:val>
+                                            <p:strVal val="#ppt_w"/>
+                                          </p:val>
+                                        </p:tav>
+                                      </p:tavLst>
+                                    </p:anim>
+                                    <p:anim calcmode="lin" valueType="num">
+                                      <p:cBhvr>
+                                        <p:cTn id="39" dur="500" fill="hold"/>
+                                        <p:tgtEl>
+                                          <p:spTgt spid="3"/>
+                                        </p:tgtEl>
+                                        <p:attrNameLst>
+                                          <p:attrName>ppt_h</p:attrName>
+                                        </p:attrNameLst>
+                                      </p:cBhvr>
+                                      <p:tavLst>
+                                        <p:tav tm="0">
+                                          <p:val>
+                                            <p:fltVal val="0"/>
+                                          </p:val>
+                                        </p:tav>
+                                        <p:tav tm="100000">
+                                          <p:val>
+                                            <p:strVal val="#ppt_h"/>
+                                          </p:val>
+                                        </p:tav>
+                                      </p:tavLst>
+                                    </p:anim>
+                                    <p:animEffect transition="in" filter="fade">
+                                      <p:cBhvr>
+                                        <p:cTn id="40" dur="500"/>
+                                        <p:tgtEl>
+                                          <p:spTgt spid="3"/>
+                                        </p:tgtEl>
+                                      </p:cBhvr>
+                                    </p:animEffect>
+                                  </p:childTnLst>
+                                </p:cTn>
+                              </p:par>
+                              <p:par>
+                                <p:cTn id="41" presetID="53" presetClass="entr" presetSubtype="16" fill="hold" nodeType="withEffect">
+                                  <p:stCondLst>
+                                    <p:cond delay="0"/>
+                                  </p:stCondLst>
+                                  <p:childTnLst>
+                                    <p:set>
+                                      <p:cBhvr>
+                                        <p:cTn id="42" dur="1" fill="hold">
+                                          <p:stCondLst>
+                                            <p:cond delay="0"/>
+                                          </p:stCondLst>
+                                        </p:cTn>
+                                        <p:tgtEl>
+                                          <p:spTgt spid="1026"/>
+                                        </p:tgtEl>
+                                        <p:attrNameLst>
+                                          <p:attrName>style.visibility</p:attrName>
+                                        </p:attrNameLst>
+                                      </p:cBhvr>
+                                      <p:to>
+                                        <p:strVal val="visible"/>
+                                      </p:to>
+                                    </p:set>
+                                    <p:anim calcmode="lin" valueType="num">
+                                      <p:cBhvr>
+                                        <p:cTn id="43" dur="500" fill="hold"/>
+                                        <p:tgtEl>
+                                          <p:spTgt spid="1026"/>
+                                        </p:tgtEl>
+                                        <p:attrNameLst>
+                                          <p:attrName>ppt_w</p:attrName>
+                                        </p:attrNameLst>
+                                      </p:cBhvr>
+                                      <p:tavLst>
+                                        <p:tav tm="0">
+                                          <p:val>
+                                            <p:fltVal val="0"/>
+                                          </p:val>
+                                        </p:tav>
+                                        <p:tav tm="100000">
+                                          <p:val>
+                                            <p:strVal val="#ppt_w"/>
+                                          </p:val>
+                                        </p:tav>
+                                      </p:tavLst>
+                                    </p:anim>
+                                    <p:anim calcmode="lin" valueType="num">
+                                      <p:cBhvr>
+                                        <p:cTn id="44" dur="500" fill="hold"/>
+                                        <p:tgtEl>
+                                          <p:spTgt spid="1026"/>
+                                        </p:tgtEl>
+                                        <p:attrNameLst>
+                                          <p:attrName>ppt_h</p:attrName>
+                                        </p:attrNameLst>
+                                      </p:cBhvr>
+                                      <p:tavLst>
+                                        <p:tav tm="0">
+                                          <p:val>
+                                            <p:fltVal val="0"/>
+                                          </p:val>
+                                        </p:tav>
+                                        <p:tav tm="100000">
+                                          <p:val>
+                                            <p:strVal val="#ppt_h"/>
+                                          </p:val>
+                                        </p:tav>
+                                      </p:tavLst>
+                                    </p:anim>
+                                    <p:animEffect transition="in" filter="fade">
+                                      <p:cBhvr>
+                                        <p:cTn id="45" dur="500"/>
+                                        <p:tgtEl>
+                                          <p:spTgt spid="1026"/>
+                                        </p:tgtEl>
+                                      </p:cBhvr>
+                                    </p:animEffect>
+                                  </p:childTnLst>
+                                </p:cTn>
+                              </p:par>
+                            </p:childTnLst>
+                          </p:cTn>
+                        </p:par>
+                      </p:childTnLst>
+                    </p:cTn>
+                  </p:par>
+                </p:childTnLst>
+              </p:cTn>
+              <p:prevCondLst>
+                <p:cond evt="onPrev" delay="0">
+                  <p:tgtEl>
+                    <p:sldTgt/>
+                  </p:tgtEl>
+                </p:cond>
+              </p:prevCondLst>
+              <p:nextCondLst>
+                <p:cond evt="onNext" delay="0">
+                  <p:tgtEl>
+                    <p:sldTgt/>
+                  </p:tgtEl>
+                </p:cond>
+              </p:nextCondLst>
+            </p:seq>
+          </p:childTnLst>
+        </p:cTn>
+      </p:par>
+    </p:tnLst>
+  </p:timing>
+</p:sld>
+</file>
+
+<file path=ppt/slides/slide11.xml><?xml version="1.0" encoding="utf-8"?>
+<p:sld xmlns:a="http://schemas.openxmlformats.org/drawingml/2006/main" xmlns:r="http://schemas.openxmlformats.org/officeDocument/2006/relationships" xmlns:p="http://schemas.openxmlformats.org/presentationml/2006/main" showMasterSp="0">
+  <p:cSld>
+    <p:spTree>
+      <p:nvGrpSpPr>
+        <p:cNvPr id="1" name=""/>
+        <p:cNvGrpSpPr/>
+        <p:nvPr/>
+      </p:nvGrpSpPr>
+      <p:grpSpPr>
+        <a:xfrm>
+          <a:off x="0" y="0"/>
+          <a:ext cx="0" cy="0"/>
+          <a:chOff x="0" y="0"/>
+          <a:chExt cx="0" cy="0"/>
+        </a:xfrm>
+      </p:grpSpPr>
       <p:sp>
         <p:nvSpPr>
           <p:cNvPr id="2" name="Title 1"/>
@@ -14925,6 +15931,737 @@
 </file>
 
 <file path=ppt/slides/slide2.xml><?xml version="1.0" encoding="utf-8"?>
+<p:sld xmlns:a="http://schemas.openxmlformats.org/drawingml/2006/main" xmlns:r="http://schemas.openxmlformats.org/officeDocument/2006/relationships" xmlns:p="http://schemas.openxmlformats.org/presentationml/2006/main" showMasterSp="0">
+  <p:cSld>
+    <p:spTree>
+      <p:nvGrpSpPr>
+        <p:cNvPr id="1" name=""/>
+        <p:cNvGrpSpPr/>
+        <p:nvPr/>
+      </p:nvGrpSpPr>
+      <p:grpSpPr>
+        <a:xfrm>
+          <a:off x="0" y="0"/>
+          <a:ext cx="0" cy="0"/>
+          <a:chOff x="0" y="0"/>
+          <a:chExt cx="0" cy="0"/>
+        </a:xfrm>
+      </p:grpSpPr>
+      <p:pic>
+        <p:nvPicPr>
+          <p:cNvPr id="6" name="Picture 3" descr="C:\Users\QuangTV\Desktop\office.png"/>
+          <p:cNvPicPr>
+            <a:picLocks noChangeAspect="1" noChangeArrowheads="1"/>
+          </p:cNvPicPr>
+          <p:nvPr/>
+        </p:nvPicPr>
+        <p:blipFill>
+          <a:blip r:embed="rId2">
+            <a:extLst>
+              <a:ext uri="{28A0092B-C50C-407E-A947-70E740481C1C}">
+                <a14:useLocalDpi xmlns:a14="http://schemas.microsoft.com/office/drawing/2010/main" val="0"/>
+              </a:ext>
+            </a:extLst>
+          </a:blip>
+          <a:srcRect/>
+          <a:stretch>
+            <a:fillRect/>
+          </a:stretch>
+        </p:blipFill>
+        <p:spPr bwMode="auto">
+          <a:xfrm>
+            <a:off x="3462337" y="2162675"/>
+            <a:ext cx="1768475" cy="1743075"/>
+          </a:xfrm>
+          <a:prstGeom prst="rect">
+            <a:avLst/>
+          </a:prstGeom>
+          <a:noFill/>
+          <a:extLst>
+            <a:ext uri="{909E8E84-426E-40DD-AFC4-6F175D3DCCD1}">
+              <a14:hiddenFill xmlns:a14="http://schemas.microsoft.com/office/drawing/2010/main">
+                <a:solidFill>
+                  <a:srgbClr val="FFFFFF"/>
+                </a:solidFill>
+              </a14:hiddenFill>
+            </a:ext>
+          </a:extLst>
+        </p:spPr>
+      </p:pic>
+      <p:pic>
+        <p:nvPicPr>
+          <p:cNvPr id="1026" name="Picture 2" descr="C:\Users\QuangTV\Desktop\backup\trunk\App\ECRM\src\main\webapp\resource\img\logo.png"/>
+          <p:cNvPicPr>
+            <a:picLocks noChangeAspect="1" noChangeArrowheads="1"/>
+          </p:cNvPicPr>
+          <p:nvPr/>
+        </p:nvPicPr>
+        <p:blipFill>
+          <a:blip r:embed="rId3">
+            <a:extLst>
+              <a:ext uri="{28A0092B-C50C-407E-A947-70E740481C1C}">
+                <a14:useLocalDpi xmlns:a14="http://schemas.microsoft.com/office/drawing/2010/main" val="0"/>
+              </a:ext>
+            </a:extLst>
+          </a:blip>
+          <a:srcRect/>
+          <a:stretch>
+            <a:fillRect/>
+          </a:stretch>
+        </p:blipFill>
+        <p:spPr bwMode="auto">
+          <a:xfrm>
+            <a:off x="-228600" y="1963151"/>
+            <a:ext cx="2362200" cy="2142124"/>
+          </a:xfrm>
+          <a:prstGeom prst="rect">
+            <a:avLst/>
+          </a:prstGeom>
+          <a:noFill/>
+          <a:extLst>
+            <a:ext uri="{909E8E84-426E-40DD-AFC4-6F175D3DCCD1}">
+              <a14:hiddenFill xmlns:a14="http://schemas.microsoft.com/office/drawing/2010/main">
+                <a:solidFill>
+                  <a:srgbClr val="FFFFFF"/>
+                </a:solidFill>
+              </a14:hiddenFill>
+            </a:ext>
+          </a:extLst>
+        </p:spPr>
+      </p:pic>
+      <p:sp>
+        <p:nvSpPr>
+          <p:cNvPr id="8" name="Right Arrow 7"/>
+          <p:cNvSpPr/>
+          <p:nvPr/>
+        </p:nvSpPr>
+        <p:spPr>
+          <a:xfrm>
+            <a:off x="2014537" y="2881812"/>
+            <a:ext cx="1371600" cy="304800"/>
+          </a:xfrm>
+          <a:prstGeom prst="rightArrow">
+            <a:avLst/>
+          </a:prstGeom>
+        </p:spPr>
+        <p:style>
+          <a:lnRef idx="2">
+            <a:schemeClr val="accent1">
+              <a:shade val="50000"/>
+            </a:schemeClr>
+          </a:lnRef>
+          <a:fillRef idx="1">
+            <a:schemeClr val="accent1"/>
+          </a:fillRef>
+          <a:effectRef idx="0">
+            <a:schemeClr val="accent1"/>
+          </a:effectRef>
+          <a:fontRef idx="minor">
+            <a:schemeClr val="lt1"/>
+          </a:fontRef>
+        </p:style>
+        <p:txBody>
+          <a:bodyPr rtlCol="0" anchor="ctr"/>
+          <a:lstStyle/>
+          <a:p>
+            <a:pPr algn="ctr"/>
+            <a:endParaRPr lang="en-US"/>
+          </a:p>
+        </p:txBody>
+      </p:sp>
+      <p:pic>
+        <p:nvPicPr>
+          <p:cNvPr id="10" name="Picture 4"/>
+          <p:cNvPicPr>
+            <a:picLocks noChangeAspect="1" noChangeArrowheads="1"/>
+          </p:cNvPicPr>
+          <p:nvPr/>
+        </p:nvPicPr>
+        <p:blipFill>
+          <a:blip r:embed="rId4">
+            <a:extLst>
+              <a:ext uri="{28A0092B-C50C-407E-A947-70E740481C1C}">
+                <a14:useLocalDpi xmlns:a14="http://schemas.microsoft.com/office/drawing/2010/main" val="0"/>
+              </a:ext>
+            </a:extLst>
+          </a:blip>
+          <a:srcRect/>
+          <a:stretch>
+            <a:fillRect/>
+          </a:stretch>
+        </p:blipFill>
+        <p:spPr bwMode="auto">
+          <a:xfrm>
+            <a:off x="6468987" y="2014244"/>
+            <a:ext cx="2675013" cy="2039938"/>
+          </a:xfrm>
+          <a:prstGeom prst="rect">
+            <a:avLst/>
+          </a:prstGeom>
+          <a:noFill/>
+          <a:ln>
+            <a:noFill/>
+          </a:ln>
+          <a:effectLst/>
+          <a:extLst>
+            <a:ext uri="{909E8E84-426E-40DD-AFC4-6F175D3DCCD1}">
+              <a14:hiddenFill xmlns:a14="http://schemas.microsoft.com/office/drawing/2010/main">
+                <a:solidFill>
+                  <a:schemeClr val="accent1"/>
+                </a:solidFill>
+              </a14:hiddenFill>
+            </a:ext>
+            <a:ext uri="{91240B29-F687-4F45-9708-019B960494DF}">
+              <a14:hiddenLine xmlns:a14="http://schemas.microsoft.com/office/drawing/2010/main" w="9525">
+                <a:solidFill>
+                  <a:schemeClr val="tx1"/>
+                </a:solidFill>
+                <a:miter lim="800000"/>
+                <a:headEnd/>
+                <a:tailEnd/>
+              </a14:hiddenLine>
+            </a:ext>
+            <a:ext uri="{AF507438-7753-43E0-B8FC-AC1667EBCBE1}">
+              <a14:hiddenEffects xmlns:a14="http://schemas.microsoft.com/office/drawing/2010/main">
+                <a:effectLst>
+                  <a:outerShdw dist="35921" dir="2700000" algn="ctr" rotWithShape="0">
+                    <a:schemeClr val="bg2"/>
+                  </a:outerShdw>
+                </a:effectLst>
+              </a14:hiddenEffects>
+            </a:ext>
+          </a:extLst>
+        </p:spPr>
+      </p:pic>
+      <p:sp>
+        <p:nvSpPr>
+          <p:cNvPr id="11" name="Right Arrow 10"/>
+          <p:cNvSpPr/>
+          <p:nvPr/>
+        </p:nvSpPr>
+        <p:spPr>
+          <a:xfrm>
+            <a:off x="5097387" y="2881813"/>
+            <a:ext cx="1371600" cy="304800"/>
+          </a:xfrm>
+          <a:prstGeom prst="rightArrow">
+            <a:avLst/>
+          </a:prstGeom>
+        </p:spPr>
+        <p:style>
+          <a:lnRef idx="2">
+            <a:schemeClr val="accent1">
+              <a:shade val="50000"/>
+            </a:schemeClr>
+          </a:lnRef>
+          <a:fillRef idx="1">
+            <a:schemeClr val="accent1"/>
+          </a:fillRef>
+          <a:effectRef idx="0">
+            <a:schemeClr val="accent1"/>
+          </a:effectRef>
+          <a:fontRef idx="minor">
+            <a:schemeClr val="lt1"/>
+          </a:fontRef>
+        </p:style>
+        <p:txBody>
+          <a:bodyPr rtlCol="0" anchor="ctr"/>
+          <a:lstStyle/>
+          <a:p>
+            <a:pPr algn="ctr"/>
+            <a:endParaRPr lang="en-US"/>
+          </a:p>
+        </p:txBody>
+      </p:sp>
+    </p:spTree>
+    <p:extLst>
+      <p:ext uri="{BB962C8B-B14F-4D97-AF65-F5344CB8AC3E}">
+        <p14:creationId xmlns:p14="http://schemas.microsoft.com/office/powerpoint/2010/main" val="2084699960"/>
+      </p:ext>
+    </p:extLst>
+  </p:cSld>
+  <p:clrMapOvr>
+    <a:masterClrMapping/>
+  </p:clrMapOvr>
+  <p:timing>
+    <p:tnLst>
+      <p:par>
+        <p:cTn id="1" dur="indefinite" restart="never" nodeType="tmRoot">
+          <p:childTnLst>
+            <p:seq concurrent="1" nextAc="seek">
+              <p:cTn id="2" dur="indefinite" nodeType="mainSeq">
+                <p:childTnLst>
+                  <p:par>
+                    <p:cTn id="3" fill="hold">
+                      <p:stCondLst>
+                        <p:cond delay="indefinite"/>
+                      </p:stCondLst>
+                      <p:childTnLst>
+                        <p:par>
+                          <p:cTn id="4" fill="hold">
+                            <p:stCondLst>
+                              <p:cond delay="0"/>
+                            </p:stCondLst>
+                            <p:childTnLst>
+                              <p:par>
+                                <p:cTn id="5" presetID="53" presetClass="entr" presetSubtype="16" fill="hold" nodeType="clickEffect">
+                                  <p:stCondLst>
+                                    <p:cond delay="0"/>
+                                  </p:stCondLst>
+                                  <p:childTnLst>
+                                    <p:set>
+                                      <p:cBhvr>
+                                        <p:cTn id="6" dur="1" fill="hold">
+                                          <p:stCondLst>
+                                            <p:cond delay="0"/>
+                                          </p:stCondLst>
+                                        </p:cTn>
+                                        <p:tgtEl>
+                                          <p:spTgt spid="1026"/>
+                                        </p:tgtEl>
+                                        <p:attrNameLst>
+                                          <p:attrName>style.visibility</p:attrName>
+                                        </p:attrNameLst>
+                                      </p:cBhvr>
+                                      <p:to>
+                                        <p:strVal val="visible"/>
+                                      </p:to>
+                                    </p:set>
+                                    <p:anim calcmode="lin" valueType="num">
+                                      <p:cBhvr>
+                                        <p:cTn id="7" dur="500" fill="hold"/>
+                                        <p:tgtEl>
+                                          <p:spTgt spid="1026"/>
+                                        </p:tgtEl>
+                                        <p:attrNameLst>
+                                          <p:attrName>ppt_w</p:attrName>
+                                        </p:attrNameLst>
+                                      </p:cBhvr>
+                                      <p:tavLst>
+                                        <p:tav tm="0">
+                                          <p:val>
+                                            <p:fltVal val="0"/>
+                                          </p:val>
+                                        </p:tav>
+                                        <p:tav tm="100000">
+                                          <p:val>
+                                            <p:strVal val="#ppt_w"/>
+                                          </p:val>
+                                        </p:tav>
+                                      </p:tavLst>
+                                    </p:anim>
+                                    <p:anim calcmode="lin" valueType="num">
+                                      <p:cBhvr>
+                                        <p:cTn id="8" dur="500" fill="hold"/>
+                                        <p:tgtEl>
+                                          <p:spTgt spid="1026"/>
+                                        </p:tgtEl>
+                                        <p:attrNameLst>
+                                          <p:attrName>ppt_h</p:attrName>
+                                        </p:attrNameLst>
+                                      </p:cBhvr>
+                                      <p:tavLst>
+                                        <p:tav tm="0">
+                                          <p:val>
+                                            <p:fltVal val="0"/>
+                                          </p:val>
+                                        </p:tav>
+                                        <p:tav tm="100000">
+                                          <p:val>
+                                            <p:strVal val="#ppt_h"/>
+                                          </p:val>
+                                        </p:tav>
+                                      </p:tavLst>
+                                    </p:anim>
+                                    <p:animEffect transition="in" filter="fade">
+                                      <p:cBhvr>
+                                        <p:cTn id="9" dur="500"/>
+                                        <p:tgtEl>
+                                          <p:spTgt spid="1026"/>
+                                        </p:tgtEl>
+                                      </p:cBhvr>
+                                    </p:animEffect>
+                                  </p:childTnLst>
+                                </p:cTn>
+                              </p:par>
+                              <p:par>
+                                <p:cTn id="10" presetID="53" presetClass="entr" presetSubtype="16" fill="hold" grpId="0" nodeType="withEffect">
+                                  <p:stCondLst>
+                                    <p:cond delay="0"/>
+                                  </p:stCondLst>
+                                  <p:childTnLst>
+                                    <p:set>
+                                      <p:cBhvr>
+                                        <p:cTn id="11" dur="1" fill="hold">
+                                          <p:stCondLst>
+                                            <p:cond delay="0"/>
+                                          </p:stCondLst>
+                                        </p:cTn>
+                                        <p:tgtEl>
+                                          <p:spTgt spid="8"/>
+                                        </p:tgtEl>
+                                        <p:attrNameLst>
+                                          <p:attrName>style.visibility</p:attrName>
+                                        </p:attrNameLst>
+                                      </p:cBhvr>
+                                      <p:to>
+                                        <p:strVal val="visible"/>
+                                      </p:to>
+                                    </p:set>
+                                    <p:anim calcmode="lin" valueType="num">
+                                      <p:cBhvr>
+                                        <p:cTn id="12" dur="500" fill="hold"/>
+                                        <p:tgtEl>
+                                          <p:spTgt spid="8"/>
+                                        </p:tgtEl>
+                                        <p:attrNameLst>
+                                          <p:attrName>ppt_w</p:attrName>
+                                        </p:attrNameLst>
+                                      </p:cBhvr>
+                                      <p:tavLst>
+                                        <p:tav tm="0">
+                                          <p:val>
+                                            <p:fltVal val="0"/>
+                                          </p:val>
+                                        </p:tav>
+                                        <p:tav tm="100000">
+                                          <p:val>
+                                            <p:strVal val="#ppt_w"/>
+                                          </p:val>
+                                        </p:tav>
+                                      </p:tavLst>
+                                    </p:anim>
+                                    <p:anim calcmode="lin" valueType="num">
+                                      <p:cBhvr>
+                                        <p:cTn id="13" dur="500" fill="hold"/>
+                                        <p:tgtEl>
+                                          <p:spTgt spid="8"/>
+                                        </p:tgtEl>
+                                        <p:attrNameLst>
+                                          <p:attrName>ppt_h</p:attrName>
+                                        </p:attrNameLst>
+                                      </p:cBhvr>
+                                      <p:tavLst>
+                                        <p:tav tm="0">
+                                          <p:val>
+                                            <p:fltVal val="0"/>
+                                          </p:val>
+                                        </p:tav>
+                                        <p:tav tm="100000">
+                                          <p:val>
+                                            <p:strVal val="#ppt_h"/>
+                                          </p:val>
+                                        </p:tav>
+                                      </p:tavLst>
+                                    </p:anim>
+                                    <p:animEffect transition="in" filter="fade">
+                                      <p:cBhvr>
+                                        <p:cTn id="14" dur="500"/>
+                                        <p:tgtEl>
+                                          <p:spTgt spid="8"/>
+                                        </p:tgtEl>
+                                      </p:cBhvr>
+                                    </p:animEffect>
+                                  </p:childTnLst>
+                                </p:cTn>
+                              </p:par>
+                              <p:par>
+                                <p:cTn id="15" presetID="53" presetClass="entr" presetSubtype="16" fill="hold" nodeType="withEffect">
+                                  <p:stCondLst>
+                                    <p:cond delay="0"/>
+                                  </p:stCondLst>
+                                  <p:childTnLst>
+                                    <p:set>
+                                      <p:cBhvr>
+                                        <p:cTn id="16" dur="1" fill="hold">
+                                          <p:stCondLst>
+                                            <p:cond delay="0"/>
+                                          </p:stCondLst>
+                                        </p:cTn>
+                                        <p:tgtEl>
+                                          <p:spTgt spid="6"/>
+                                        </p:tgtEl>
+                                        <p:attrNameLst>
+                                          <p:attrName>style.visibility</p:attrName>
+                                        </p:attrNameLst>
+                                      </p:cBhvr>
+                                      <p:to>
+                                        <p:strVal val="visible"/>
+                                      </p:to>
+                                    </p:set>
+                                    <p:anim calcmode="lin" valueType="num">
+                                      <p:cBhvr>
+                                        <p:cTn id="17" dur="500" fill="hold"/>
+                                        <p:tgtEl>
+                                          <p:spTgt spid="6"/>
+                                        </p:tgtEl>
+                                        <p:attrNameLst>
+                                          <p:attrName>ppt_w</p:attrName>
+                                        </p:attrNameLst>
+                                      </p:cBhvr>
+                                      <p:tavLst>
+                                        <p:tav tm="0">
+                                          <p:val>
+                                            <p:fltVal val="0"/>
+                                          </p:val>
+                                        </p:tav>
+                                        <p:tav tm="100000">
+                                          <p:val>
+                                            <p:strVal val="#ppt_w"/>
+                                          </p:val>
+                                        </p:tav>
+                                      </p:tavLst>
+                                    </p:anim>
+                                    <p:anim calcmode="lin" valueType="num">
+                                      <p:cBhvr>
+                                        <p:cTn id="18" dur="500" fill="hold"/>
+                                        <p:tgtEl>
+                                          <p:spTgt spid="6"/>
+                                        </p:tgtEl>
+                                        <p:attrNameLst>
+                                          <p:attrName>ppt_h</p:attrName>
+                                        </p:attrNameLst>
+                                      </p:cBhvr>
+                                      <p:tavLst>
+                                        <p:tav tm="0">
+                                          <p:val>
+                                            <p:fltVal val="0"/>
+                                          </p:val>
+                                        </p:tav>
+                                        <p:tav tm="100000">
+                                          <p:val>
+                                            <p:strVal val="#ppt_h"/>
+                                          </p:val>
+                                        </p:tav>
+                                      </p:tavLst>
+                                    </p:anim>
+                                    <p:animEffect transition="in" filter="fade">
+                                      <p:cBhvr>
+                                        <p:cTn id="19" dur="500"/>
+                                        <p:tgtEl>
+                                          <p:spTgt spid="6"/>
+                                        </p:tgtEl>
+                                      </p:cBhvr>
+                                    </p:animEffect>
+                                  </p:childTnLst>
+                                </p:cTn>
+                              </p:par>
+                            </p:childTnLst>
+                          </p:cTn>
+                        </p:par>
+                      </p:childTnLst>
+                    </p:cTn>
+                  </p:par>
+                  <p:par>
+                    <p:cTn id="20" fill="hold">
+                      <p:stCondLst>
+                        <p:cond delay="indefinite"/>
+                      </p:stCondLst>
+                      <p:childTnLst>
+                        <p:par>
+                          <p:cTn id="21" fill="hold">
+                            <p:stCondLst>
+                              <p:cond delay="0"/>
+                            </p:stCondLst>
+                            <p:childTnLst>
+                              <p:par>
+                                <p:cTn id="22" presetID="53" presetClass="entr" presetSubtype="16" fill="hold" grpId="0" nodeType="clickEffect">
+                                  <p:stCondLst>
+                                    <p:cond delay="0"/>
+                                  </p:stCondLst>
+                                  <p:childTnLst>
+                                    <p:set>
+                                      <p:cBhvr>
+                                        <p:cTn id="23" dur="1" fill="hold">
+                                          <p:stCondLst>
+                                            <p:cond delay="0"/>
+                                          </p:stCondLst>
+                                        </p:cTn>
+                                        <p:tgtEl>
+                                          <p:spTgt spid="11"/>
+                                        </p:tgtEl>
+                                        <p:attrNameLst>
+                                          <p:attrName>style.visibility</p:attrName>
+                                        </p:attrNameLst>
+                                      </p:cBhvr>
+                                      <p:to>
+                                        <p:strVal val="visible"/>
+                                      </p:to>
+                                    </p:set>
+                                    <p:anim calcmode="lin" valueType="num">
+                                      <p:cBhvr>
+                                        <p:cTn id="24" dur="500" fill="hold"/>
+                                        <p:tgtEl>
+                                          <p:spTgt spid="11"/>
+                                        </p:tgtEl>
+                                        <p:attrNameLst>
+                                          <p:attrName>ppt_w</p:attrName>
+                                        </p:attrNameLst>
+                                      </p:cBhvr>
+                                      <p:tavLst>
+                                        <p:tav tm="0">
+                                          <p:val>
+                                            <p:fltVal val="0"/>
+                                          </p:val>
+                                        </p:tav>
+                                        <p:tav tm="100000">
+                                          <p:val>
+                                            <p:strVal val="#ppt_w"/>
+                                          </p:val>
+                                        </p:tav>
+                                      </p:tavLst>
+                                    </p:anim>
+                                    <p:anim calcmode="lin" valueType="num">
+                                      <p:cBhvr>
+                                        <p:cTn id="25" dur="500" fill="hold"/>
+                                        <p:tgtEl>
+                                          <p:spTgt spid="11"/>
+                                        </p:tgtEl>
+                                        <p:attrNameLst>
+                                          <p:attrName>ppt_h</p:attrName>
+                                        </p:attrNameLst>
+                                      </p:cBhvr>
+                                      <p:tavLst>
+                                        <p:tav tm="0">
+                                          <p:val>
+                                            <p:fltVal val="0"/>
+                                          </p:val>
+                                        </p:tav>
+                                        <p:tav tm="100000">
+                                          <p:val>
+                                            <p:strVal val="#ppt_h"/>
+                                          </p:val>
+                                        </p:tav>
+                                      </p:tavLst>
+                                    </p:anim>
+                                    <p:animEffect transition="in" filter="fade">
+                                      <p:cBhvr>
+                                        <p:cTn id="26" dur="500"/>
+                                        <p:tgtEl>
+                                          <p:spTgt spid="11"/>
+                                        </p:tgtEl>
+                                      </p:cBhvr>
+                                    </p:animEffect>
+                                  </p:childTnLst>
+                                </p:cTn>
+                              </p:par>
+                              <p:par>
+                                <p:cTn id="27" presetID="53" presetClass="entr" presetSubtype="16" fill="hold" nodeType="withEffect">
+                                  <p:stCondLst>
+                                    <p:cond delay="0"/>
+                                  </p:stCondLst>
+                                  <p:childTnLst>
+                                    <p:set>
+                                      <p:cBhvr>
+                                        <p:cTn id="28" dur="1" fill="hold">
+                                          <p:stCondLst>
+                                            <p:cond delay="0"/>
+                                          </p:stCondLst>
+                                        </p:cTn>
+                                        <p:tgtEl>
+                                          <p:spTgt spid="10"/>
+                                        </p:tgtEl>
+                                        <p:attrNameLst>
+                                          <p:attrName>style.visibility</p:attrName>
+                                        </p:attrNameLst>
+                                      </p:cBhvr>
+                                      <p:to>
+                                        <p:strVal val="visible"/>
+                                      </p:to>
+                                    </p:set>
+                                    <p:anim calcmode="lin" valueType="num">
+                                      <p:cBhvr>
+                                        <p:cTn id="29" dur="500" fill="hold"/>
+                                        <p:tgtEl>
+                                          <p:spTgt spid="10"/>
+                                        </p:tgtEl>
+                                        <p:attrNameLst>
+                                          <p:attrName>ppt_w</p:attrName>
+                                        </p:attrNameLst>
+                                      </p:cBhvr>
+                                      <p:tavLst>
+                                        <p:tav tm="0">
+                                          <p:val>
+                                            <p:fltVal val="0"/>
+                                          </p:val>
+                                        </p:tav>
+                                        <p:tav tm="100000">
+                                          <p:val>
+                                            <p:strVal val="#ppt_w"/>
+                                          </p:val>
+                                        </p:tav>
+                                      </p:tavLst>
+                                    </p:anim>
+                                    <p:anim calcmode="lin" valueType="num">
+                                      <p:cBhvr>
+                                        <p:cTn id="30" dur="500" fill="hold"/>
+                                        <p:tgtEl>
+                                          <p:spTgt spid="10"/>
+                                        </p:tgtEl>
+                                        <p:attrNameLst>
+                                          <p:attrName>ppt_h</p:attrName>
+                                        </p:attrNameLst>
+                                      </p:cBhvr>
+                                      <p:tavLst>
+                                        <p:tav tm="0">
+                                          <p:val>
+                                            <p:fltVal val="0"/>
+                                          </p:val>
+                                        </p:tav>
+                                        <p:tav tm="100000">
+                                          <p:val>
+                                            <p:strVal val="#ppt_h"/>
+                                          </p:val>
+                                        </p:tav>
+                                      </p:tavLst>
+                                    </p:anim>
+                                    <p:animEffect transition="in" filter="fade">
+                                      <p:cBhvr>
+                                        <p:cTn id="31" dur="500"/>
+                                        <p:tgtEl>
+                                          <p:spTgt spid="10"/>
+                                        </p:tgtEl>
+                                      </p:cBhvr>
+                                    </p:animEffect>
+                                  </p:childTnLst>
+                                </p:cTn>
+                              </p:par>
+                            </p:childTnLst>
+                          </p:cTn>
+                        </p:par>
+                      </p:childTnLst>
+                    </p:cTn>
+                  </p:par>
+                </p:childTnLst>
+              </p:cTn>
+              <p:prevCondLst>
+                <p:cond evt="onPrev" delay="0">
+                  <p:tgtEl>
+                    <p:sldTgt/>
+                  </p:tgtEl>
+                </p:cond>
+              </p:prevCondLst>
+              <p:nextCondLst>
+                <p:cond evt="onNext" delay="0">
+                  <p:tgtEl>
+                    <p:sldTgt/>
+                  </p:tgtEl>
+                </p:cond>
+              </p:nextCondLst>
+            </p:seq>
+          </p:childTnLst>
+        </p:cTn>
+      </p:par>
+    </p:tnLst>
+    <p:bldLst>
+      <p:bldP spid="8" grpId="0" animBg="1"/>
+      <p:bldP spid="11" grpId="0" animBg="1"/>
+    </p:bldLst>
+  </p:timing>
+</p:sld>
+</file>
+
+<file path=ppt/slides/slide3.xml><?xml version="1.0" encoding="utf-8"?>
 <p:sld xmlns:a="http://schemas.openxmlformats.org/drawingml/2006/main" xmlns:r="http://schemas.openxmlformats.org/officeDocument/2006/relationships" xmlns:p="http://schemas.openxmlformats.org/presentationml/2006/main" showMasterSp="0">
   <p:cSld>
     <p:spTree>
@@ -16603,7 +18340,7 @@
 </p:sld>
 </file>
 
-<file path=ppt/slides/slide3.xml><?xml version="1.0" encoding="utf-8"?>
+<file path=ppt/slides/slide4.xml><?xml version="1.0" encoding="utf-8"?>
 <p:sld xmlns:a="http://schemas.openxmlformats.org/drawingml/2006/main" xmlns:r="http://schemas.openxmlformats.org/officeDocument/2006/relationships" xmlns:p="http://schemas.openxmlformats.org/presentationml/2006/main" showMasterSp="0">
   <p:cSld>
     <p:spTree>
@@ -17218,7 +18955,7 @@
 </p:sld>
 </file>
 
-<file path=ppt/slides/slide4.xml><?xml version="1.0" encoding="utf-8"?>
+<file path=ppt/slides/slide5.xml><?xml version="1.0" encoding="utf-8"?>
 <p:sld xmlns:a="http://schemas.openxmlformats.org/drawingml/2006/main" xmlns:r="http://schemas.openxmlformats.org/officeDocument/2006/relationships" xmlns:p="http://schemas.openxmlformats.org/presentationml/2006/main" showMasterSp="0">
   <p:cSld>
     <p:spTree>
@@ -17349,7 +19086,7 @@
 </p:sld>
 </file>
 
-<file path=ppt/slides/slide5.xml><?xml version="1.0" encoding="utf-8"?>
+<file path=ppt/slides/slide6.xml><?xml version="1.0" encoding="utf-8"?>
 <p:sld xmlns:a="http://schemas.openxmlformats.org/drawingml/2006/main" xmlns:r="http://schemas.openxmlformats.org/officeDocument/2006/relationships" xmlns:p="http://schemas.openxmlformats.org/presentationml/2006/main" showMasterSp="0">
   <p:cSld>
     <p:spTree>
@@ -18468,7 +20205,7 @@
 </p:sld>
 </file>
 
-<file path=ppt/slides/slide6.xml><?xml version="1.0" encoding="utf-8"?>
+<file path=ppt/slides/slide7.xml><?xml version="1.0" encoding="utf-8"?>
 <p:sld xmlns:a="http://schemas.openxmlformats.org/drawingml/2006/main" xmlns:r="http://schemas.openxmlformats.org/officeDocument/2006/relationships" xmlns:p="http://schemas.openxmlformats.org/presentationml/2006/main" showMasterSp="0">
   <p:cSld>
     <p:spTree>
@@ -20293,7 +22030,7 @@
 </p:sld>
 </file>
 
-<file path=ppt/slides/slide7.xml><?xml version="1.0" encoding="utf-8"?>
+<file path=ppt/slides/slide8.xml><?xml version="1.0" encoding="utf-8"?>
 <p:sld xmlns:a="http://schemas.openxmlformats.org/drawingml/2006/main" xmlns:r="http://schemas.openxmlformats.org/officeDocument/2006/relationships" xmlns:p="http://schemas.openxmlformats.org/presentationml/2006/main" showMasterSp="0">
   <p:cSld>
     <p:spTree>
@@ -21041,7 +22778,7 @@
 </p:sld>
 </file>
 
-<file path=ppt/slides/slide8.xml><?xml version="1.0" encoding="utf-8"?>
+<file path=ppt/slides/slide9.xml><?xml version="1.0" encoding="utf-8"?>
 <p:sld xmlns:a="http://schemas.openxmlformats.org/drawingml/2006/main" xmlns:r="http://schemas.openxmlformats.org/officeDocument/2006/relationships" xmlns:p="http://schemas.openxmlformats.org/presentationml/2006/main" showMasterSp="0">
   <p:cSld>
     <p:spTree>
@@ -21788,1011 +23525,6 @@
 </p:sld>
 </file>
 
-<file path=ppt/slides/slide9.xml><?xml version="1.0" encoding="utf-8"?>
-<p:sld xmlns:a="http://schemas.openxmlformats.org/drawingml/2006/main" xmlns:r="http://schemas.openxmlformats.org/officeDocument/2006/relationships" xmlns:p="http://schemas.openxmlformats.org/presentationml/2006/main" showMasterSp="0">
-  <p:cSld>
-    <p:spTree>
-      <p:nvGrpSpPr>
-        <p:cNvPr id="1" name=""/>
-        <p:cNvGrpSpPr/>
-        <p:nvPr/>
-      </p:nvGrpSpPr>
-      <p:grpSpPr>
-        <a:xfrm>
-          <a:off x="0" y="0"/>
-          <a:ext cx="0" cy="0"/>
-          <a:chOff x="0" y="0"/>
-          <a:chExt cx="0" cy="0"/>
-        </a:xfrm>
-      </p:grpSpPr>
-      <p:pic>
-        <p:nvPicPr>
-          <p:cNvPr id="4" name="Picture 3" descr="C:\Users\QuangTV\Desktop\office.png"/>
-          <p:cNvPicPr>
-            <a:picLocks noChangeAspect="1" noChangeArrowheads="1"/>
-          </p:cNvPicPr>
-          <p:nvPr/>
-        </p:nvPicPr>
-        <p:blipFill>
-          <a:blip r:embed="rId2">
-            <a:extLst>
-              <a:ext uri="{28A0092B-C50C-407E-A947-70E740481C1C}">
-                <a14:useLocalDpi xmlns:a14="http://schemas.microsoft.com/office/drawing/2010/main" val="0"/>
-              </a:ext>
-            </a:extLst>
-          </a:blip>
-          <a:srcRect/>
-          <a:stretch>
-            <a:fillRect/>
-          </a:stretch>
-        </p:blipFill>
-        <p:spPr bwMode="auto">
-          <a:xfrm>
-            <a:off x="-76200" y="2286000"/>
-            <a:ext cx="2057400" cy="2027850"/>
-          </a:xfrm>
-          <a:prstGeom prst="rect">
-            <a:avLst/>
-          </a:prstGeom>
-          <a:noFill/>
-          <a:extLst>
-            <a:ext uri="{909E8E84-426E-40DD-AFC4-6F175D3DCCD1}">
-              <a14:hiddenFill xmlns:a14="http://schemas.microsoft.com/office/drawing/2010/main">
-                <a:solidFill>
-                  <a:srgbClr val="FFFFFF"/>
-                </a:solidFill>
-              </a14:hiddenFill>
-            </a:ext>
-          </a:extLst>
-        </p:spPr>
-      </p:pic>
-      <p:pic>
-        <p:nvPicPr>
-          <p:cNvPr id="6146" name="Picture 2" descr="C:\Users\QuangTV\Desktop\staff.png"/>
-          <p:cNvPicPr>
-            <a:picLocks noChangeAspect="1" noChangeArrowheads="1"/>
-          </p:cNvPicPr>
-          <p:nvPr/>
-        </p:nvPicPr>
-        <p:blipFill>
-          <a:blip r:embed="rId3" cstate="print">
-            <a:extLst>
-              <a:ext uri="{28A0092B-C50C-407E-A947-70E740481C1C}">
-                <a14:useLocalDpi xmlns:a14="http://schemas.microsoft.com/office/drawing/2010/main" val="0"/>
-              </a:ext>
-            </a:extLst>
-          </a:blip>
-          <a:srcRect/>
-          <a:stretch>
-            <a:fillRect/>
-          </a:stretch>
-        </p:blipFill>
-        <p:spPr bwMode="auto">
-          <a:xfrm>
-            <a:off x="3124200" y="1585425"/>
-            <a:ext cx="2054993" cy="3429000"/>
-          </a:xfrm>
-          <a:prstGeom prst="rect">
-            <a:avLst/>
-          </a:prstGeom>
-          <a:noFill/>
-          <a:extLst>
-            <a:ext uri="{909E8E84-426E-40DD-AFC4-6F175D3DCCD1}">
-              <a14:hiddenFill xmlns:a14="http://schemas.microsoft.com/office/drawing/2010/main">
-                <a:solidFill>
-                  <a:srgbClr val="FFFFFF"/>
-                </a:solidFill>
-              </a14:hiddenFill>
-            </a:ext>
-          </a:extLst>
-        </p:spPr>
-      </p:pic>
-      <p:pic>
-        <p:nvPicPr>
-          <p:cNvPr id="6147" name="Picture 3" descr="C:\Users\QuangTV\Desktop\cr.png"/>
-          <p:cNvPicPr>
-            <a:picLocks noChangeAspect="1" noChangeArrowheads="1"/>
-          </p:cNvPicPr>
-          <p:nvPr/>
-        </p:nvPicPr>
-        <p:blipFill>
-          <a:blip r:embed="rId4">
-            <a:extLst>
-              <a:ext uri="{28A0092B-C50C-407E-A947-70E740481C1C}">
-                <a14:useLocalDpi xmlns:a14="http://schemas.microsoft.com/office/drawing/2010/main" val="0"/>
-              </a:ext>
-            </a:extLst>
-          </a:blip>
-          <a:srcRect/>
-          <a:stretch>
-            <a:fillRect/>
-          </a:stretch>
-        </p:blipFill>
-        <p:spPr bwMode="auto">
-          <a:xfrm>
-            <a:off x="6477000" y="279569"/>
-            <a:ext cx="2197100" cy="2006431"/>
-          </a:xfrm>
-          <a:prstGeom prst="rect">
-            <a:avLst/>
-          </a:prstGeom>
-          <a:noFill/>
-          <a:extLst>
-            <a:ext uri="{909E8E84-426E-40DD-AFC4-6F175D3DCCD1}">
-              <a14:hiddenFill xmlns:a14="http://schemas.microsoft.com/office/drawing/2010/main">
-                <a:solidFill>
-                  <a:srgbClr val="FFFFFF"/>
-                </a:solidFill>
-              </a14:hiddenFill>
-            </a:ext>
-          </a:extLst>
-        </p:spPr>
-      </p:pic>
-      <p:cxnSp>
-        <p:nvCxnSpPr>
-          <p:cNvPr id="6" name="Straight Arrow Connector 5"/>
-          <p:cNvCxnSpPr>
-            <a:stCxn id="4" idx="3"/>
-            <a:endCxn id="6146" idx="1"/>
-          </p:cNvCxnSpPr>
-          <p:nvPr/>
-        </p:nvCxnSpPr>
-        <p:spPr>
-          <a:xfrm>
-            <a:off x="1981200" y="3299925"/>
-            <a:ext cx="1143000" cy="0"/>
-          </a:xfrm>
-          <a:prstGeom prst="straightConnector1">
-            <a:avLst/>
-          </a:prstGeom>
-          <a:ln>
-            <a:tailEnd type="arrow"/>
-          </a:ln>
-        </p:spPr>
-        <p:style>
-          <a:lnRef idx="1">
-            <a:schemeClr val="accent1"/>
-          </a:lnRef>
-          <a:fillRef idx="0">
-            <a:schemeClr val="accent1"/>
-          </a:fillRef>
-          <a:effectRef idx="0">
-            <a:schemeClr val="accent1"/>
-          </a:effectRef>
-          <a:fontRef idx="minor">
-            <a:schemeClr val="tx1"/>
-          </a:fontRef>
-        </p:style>
-      </p:cxnSp>
-      <p:cxnSp>
-        <p:nvCxnSpPr>
-          <p:cNvPr id="8" name="Straight Arrow Connector 7"/>
-          <p:cNvCxnSpPr>
-            <a:stCxn id="6146" idx="3"/>
-            <a:endCxn id="6147" idx="1"/>
-          </p:cNvCxnSpPr>
-          <p:nvPr/>
-        </p:nvCxnSpPr>
-        <p:spPr>
-          <a:xfrm flipV="1">
-            <a:off x="5179193" y="1282785"/>
-            <a:ext cx="1297807" cy="2017140"/>
-          </a:xfrm>
-          <a:prstGeom prst="straightConnector1">
-            <a:avLst/>
-          </a:prstGeom>
-          <a:ln>
-            <a:tailEnd type="arrow"/>
-          </a:ln>
-        </p:spPr>
-        <p:style>
-          <a:lnRef idx="1">
-            <a:schemeClr val="accent1"/>
-          </a:lnRef>
-          <a:fillRef idx="0">
-            <a:schemeClr val="accent1"/>
-          </a:fillRef>
-          <a:effectRef idx="0">
-            <a:schemeClr val="accent1"/>
-          </a:effectRef>
-          <a:fontRef idx="minor">
-            <a:schemeClr val="tx1"/>
-          </a:fontRef>
-        </p:style>
-      </p:cxnSp>
-      <p:pic>
-        <p:nvPicPr>
-          <p:cNvPr id="1026" name="Picture 2" descr="C:\Users\QuangTV\Desktop\resolve.png"/>
-          <p:cNvPicPr>
-            <a:picLocks noChangeAspect="1" noChangeArrowheads="1"/>
-          </p:cNvPicPr>
-          <p:nvPr/>
-        </p:nvPicPr>
-        <p:blipFill>
-          <a:blip r:embed="rId5">
-            <a:extLst>
-              <a:ext uri="{28A0092B-C50C-407E-A947-70E740481C1C}">
-                <a14:useLocalDpi xmlns:a14="http://schemas.microsoft.com/office/drawing/2010/main" val="0"/>
-              </a:ext>
-            </a:extLst>
-          </a:blip>
-          <a:srcRect/>
-          <a:stretch>
-            <a:fillRect/>
-          </a:stretch>
-        </p:blipFill>
-        <p:spPr bwMode="auto">
-          <a:xfrm>
-            <a:off x="6476999" y="3962400"/>
-            <a:ext cx="2669401" cy="2475603"/>
-          </a:xfrm>
-          <a:prstGeom prst="rect">
-            <a:avLst/>
-          </a:prstGeom>
-          <a:noFill/>
-          <a:extLst>
-            <a:ext uri="{909E8E84-426E-40DD-AFC4-6F175D3DCCD1}">
-              <a14:hiddenFill xmlns:a14="http://schemas.microsoft.com/office/drawing/2010/main">
-                <a:solidFill>
-                  <a:srgbClr val="FFFFFF"/>
-                </a:solidFill>
-              </a14:hiddenFill>
-            </a:ext>
-          </a:extLst>
-        </p:spPr>
-      </p:pic>
-      <p:cxnSp>
-        <p:nvCxnSpPr>
-          <p:cNvPr id="3" name="Straight Arrow Connector 2"/>
-          <p:cNvCxnSpPr>
-            <a:stCxn id="6146" idx="3"/>
-            <a:endCxn id="1026" idx="1"/>
-          </p:cNvCxnSpPr>
-          <p:nvPr/>
-        </p:nvCxnSpPr>
-        <p:spPr>
-          <a:xfrm>
-            <a:off x="5179193" y="3299925"/>
-            <a:ext cx="1297806" cy="1900277"/>
-          </a:xfrm>
-          <a:prstGeom prst="straightConnector1">
-            <a:avLst/>
-          </a:prstGeom>
-          <a:ln>
-            <a:tailEnd type="arrow"/>
-          </a:ln>
-        </p:spPr>
-        <p:style>
-          <a:lnRef idx="1">
-            <a:schemeClr val="accent1"/>
-          </a:lnRef>
-          <a:fillRef idx="0">
-            <a:schemeClr val="accent1"/>
-          </a:fillRef>
-          <a:effectRef idx="0">
-            <a:schemeClr val="accent1"/>
-          </a:effectRef>
-          <a:fontRef idx="minor">
-            <a:schemeClr val="tx1"/>
-          </a:fontRef>
-        </p:style>
-      </p:cxnSp>
-      <p:sp>
-        <p:nvSpPr>
-          <p:cNvPr id="10" name="TextBox 9"/>
-          <p:cNvSpPr txBox="1"/>
-          <p:nvPr/>
-        </p:nvSpPr>
-        <p:spPr>
-          <a:xfrm>
-            <a:off x="152400" y="260290"/>
-            <a:ext cx="1955215" cy="400110"/>
-          </a:xfrm>
-          <a:prstGeom prst="rect">
-            <a:avLst/>
-          </a:prstGeom>
-          <a:noFill/>
-        </p:spPr>
-        <p:txBody>
-          <a:bodyPr wrap="none" rtlCol="0">
-            <a:spAutoFit/>
-          </a:bodyPr>
-          <a:lstStyle/>
-          <a:p>
-            <a:r>
-              <a:rPr lang="en-US" sz="2000" b="1" dirty="0" smtClean="0">
-                <a:latin typeface="Cambria" pitchFamily="18" charset="0"/>
-              </a:rPr>
-              <a:t>Resolve Report</a:t>
-            </a:r>
-            <a:endParaRPr lang="en-US" sz="2000" b="1" dirty="0">
-              <a:latin typeface="Cambria" pitchFamily="18" charset="0"/>
-            </a:endParaRPr>
-          </a:p>
-        </p:txBody>
-      </p:sp>
-    </p:spTree>
-    <p:extLst>
-      <p:ext uri="{BB962C8B-B14F-4D97-AF65-F5344CB8AC3E}">
-        <p14:creationId xmlns:p14="http://schemas.microsoft.com/office/powerpoint/2010/main" val="3894426786"/>
-      </p:ext>
-    </p:extLst>
-  </p:cSld>
-  <p:clrMapOvr>
-    <a:masterClrMapping/>
-  </p:clrMapOvr>
-  <p:timing>
-    <p:tnLst>
-      <p:par>
-        <p:cTn id="1" dur="indefinite" restart="never" nodeType="tmRoot">
-          <p:childTnLst>
-            <p:seq concurrent="1" nextAc="seek">
-              <p:cTn id="2" dur="indefinite" nodeType="mainSeq">
-                <p:childTnLst>
-                  <p:par>
-                    <p:cTn id="3" fill="hold">
-                      <p:stCondLst>
-                        <p:cond delay="indefinite"/>
-                      </p:stCondLst>
-                      <p:childTnLst>
-                        <p:par>
-                          <p:cTn id="4" fill="hold">
-                            <p:stCondLst>
-                              <p:cond delay="0"/>
-                            </p:stCondLst>
-                            <p:childTnLst>
-                              <p:par>
-                                <p:cTn id="5" presetID="53" presetClass="entr" presetSubtype="16" fill="hold" nodeType="clickEffect">
-                                  <p:stCondLst>
-                                    <p:cond delay="0"/>
-                                  </p:stCondLst>
-                                  <p:childTnLst>
-                                    <p:set>
-                                      <p:cBhvr>
-                                        <p:cTn id="6" dur="1" fill="hold">
-                                          <p:stCondLst>
-                                            <p:cond delay="0"/>
-                                          </p:stCondLst>
-                                        </p:cTn>
-                                        <p:tgtEl>
-                                          <p:spTgt spid="4"/>
-                                        </p:tgtEl>
-                                        <p:attrNameLst>
-                                          <p:attrName>style.visibility</p:attrName>
-                                        </p:attrNameLst>
-                                      </p:cBhvr>
-                                      <p:to>
-                                        <p:strVal val="visible"/>
-                                      </p:to>
-                                    </p:set>
-                                    <p:anim calcmode="lin" valueType="num">
-                                      <p:cBhvr>
-                                        <p:cTn id="7" dur="500" fill="hold"/>
-                                        <p:tgtEl>
-                                          <p:spTgt spid="4"/>
-                                        </p:tgtEl>
-                                        <p:attrNameLst>
-                                          <p:attrName>ppt_w</p:attrName>
-                                        </p:attrNameLst>
-                                      </p:cBhvr>
-                                      <p:tavLst>
-                                        <p:tav tm="0">
-                                          <p:val>
-                                            <p:fltVal val="0"/>
-                                          </p:val>
-                                        </p:tav>
-                                        <p:tav tm="100000">
-                                          <p:val>
-                                            <p:strVal val="#ppt_w"/>
-                                          </p:val>
-                                        </p:tav>
-                                      </p:tavLst>
-                                    </p:anim>
-                                    <p:anim calcmode="lin" valueType="num">
-                                      <p:cBhvr>
-                                        <p:cTn id="8" dur="500" fill="hold"/>
-                                        <p:tgtEl>
-                                          <p:spTgt spid="4"/>
-                                        </p:tgtEl>
-                                        <p:attrNameLst>
-                                          <p:attrName>ppt_h</p:attrName>
-                                        </p:attrNameLst>
-                                      </p:cBhvr>
-                                      <p:tavLst>
-                                        <p:tav tm="0">
-                                          <p:val>
-                                            <p:fltVal val="0"/>
-                                          </p:val>
-                                        </p:tav>
-                                        <p:tav tm="100000">
-                                          <p:val>
-                                            <p:strVal val="#ppt_h"/>
-                                          </p:val>
-                                        </p:tav>
-                                      </p:tavLst>
-                                    </p:anim>
-                                    <p:animEffect transition="in" filter="fade">
-                                      <p:cBhvr>
-                                        <p:cTn id="9" dur="500"/>
-                                        <p:tgtEl>
-                                          <p:spTgt spid="4"/>
-                                        </p:tgtEl>
-                                      </p:cBhvr>
-                                    </p:animEffect>
-                                  </p:childTnLst>
-                                </p:cTn>
-                              </p:par>
-                            </p:childTnLst>
-                          </p:cTn>
-                        </p:par>
-                      </p:childTnLst>
-                    </p:cTn>
-                  </p:par>
-                  <p:par>
-                    <p:cTn id="10" fill="hold">
-                      <p:stCondLst>
-                        <p:cond delay="indefinite"/>
-                      </p:stCondLst>
-                      <p:childTnLst>
-                        <p:par>
-                          <p:cTn id="11" fill="hold">
-                            <p:stCondLst>
-                              <p:cond delay="0"/>
-                            </p:stCondLst>
-                            <p:childTnLst>
-                              <p:par>
-                                <p:cTn id="12" presetID="53" presetClass="entr" presetSubtype="16" fill="hold" nodeType="clickEffect">
-                                  <p:stCondLst>
-                                    <p:cond delay="0"/>
-                                  </p:stCondLst>
-                                  <p:childTnLst>
-                                    <p:set>
-                                      <p:cBhvr>
-                                        <p:cTn id="13" dur="1" fill="hold">
-                                          <p:stCondLst>
-                                            <p:cond delay="0"/>
-                                          </p:stCondLst>
-                                        </p:cTn>
-                                        <p:tgtEl>
-                                          <p:spTgt spid="6"/>
-                                        </p:tgtEl>
-                                        <p:attrNameLst>
-                                          <p:attrName>style.visibility</p:attrName>
-                                        </p:attrNameLst>
-                                      </p:cBhvr>
-                                      <p:to>
-                                        <p:strVal val="visible"/>
-                                      </p:to>
-                                    </p:set>
-                                    <p:anim calcmode="lin" valueType="num">
-                                      <p:cBhvr>
-                                        <p:cTn id="14" dur="500" fill="hold"/>
-                                        <p:tgtEl>
-                                          <p:spTgt spid="6"/>
-                                        </p:tgtEl>
-                                        <p:attrNameLst>
-                                          <p:attrName>ppt_w</p:attrName>
-                                        </p:attrNameLst>
-                                      </p:cBhvr>
-                                      <p:tavLst>
-                                        <p:tav tm="0">
-                                          <p:val>
-                                            <p:fltVal val="0"/>
-                                          </p:val>
-                                        </p:tav>
-                                        <p:tav tm="100000">
-                                          <p:val>
-                                            <p:strVal val="#ppt_w"/>
-                                          </p:val>
-                                        </p:tav>
-                                      </p:tavLst>
-                                    </p:anim>
-                                    <p:anim calcmode="lin" valueType="num">
-                                      <p:cBhvr>
-                                        <p:cTn id="15" dur="500" fill="hold"/>
-                                        <p:tgtEl>
-                                          <p:spTgt spid="6"/>
-                                        </p:tgtEl>
-                                        <p:attrNameLst>
-                                          <p:attrName>ppt_h</p:attrName>
-                                        </p:attrNameLst>
-                                      </p:cBhvr>
-                                      <p:tavLst>
-                                        <p:tav tm="0">
-                                          <p:val>
-                                            <p:fltVal val="0"/>
-                                          </p:val>
-                                        </p:tav>
-                                        <p:tav tm="100000">
-                                          <p:val>
-                                            <p:strVal val="#ppt_h"/>
-                                          </p:val>
-                                        </p:tav>
-                                      </p:tavLst>
-                                    </p:anim>
-                                    <p:animEffect transition="in" filter="fade">
-                                      <p:cBhvr>
-                                        <p:cTn id="16" dur="500"/>
-                                        <p:tgtEl>
-                                          <p:spTgt spid="6"/>
-                                        </p:tgtEl>
-                                      </p:cBhvr>
-                                    </p:animEffect>
-                                  </p:childTnLst>
-                                </p:cTn>
-                              </p:par>
-                              <p:par>
-                                <p:cTn id="17" presetID="53" presetClass="entr" presetSubtype="16" fill="hold" nodeType="withEffect">
-                                  <p:stCondLst>
-                                    <p:cond delay="0"/>
-                                  </p:stCondLst>
-                                  <p:childTnLst>
-                                    <p:set>
-                                      <p:cBhvr>
-                                        <p:cTn id="18" dur="1" fill="hold">
-                                          <p:stCondLst>
-                                            <p:cond delay="0"/>
-                                          </p:stCondLst>
-                                        </p:cTn>
-                                        <p:tgtEl>
-                                          <p:spTgt spid="6146"/>
-                                        </p:tgtEl>
-                                        <p:attrNameLst>
-                                          <p:attrName>style.visibility</p:attrName>
-                                        </p:attrNameLst>
-                                      </p:cBhvr>
-                                      <p:to>
-                                        <p:strVal val="visible"/>
-                                      </p:to>
-                                    </p:set>
-                                    <p:anim calcmode="lin" valueType="num">
-                                      <p:cBhvr>
-                                        <p:cTn id="19" dur="500" fill="hold"/>
-                                        <p:tgtEl>
-                                          <p:spTgt spid="6146"/>
-                                        </p:tgtEl>
-                                        <p:attrNameLst>
-                                          <p:attrName>ppt_w</p:attrName>
-                                        </p:attrNameLst>
-                                      </p:cBhvr>
-                                      <p:tavLst>
-                                        <p:tav tm="0">
-                                          <p:val>
-                                            <p:fltVal val="0"/>
-                                          </p:val>
-                                        </p:tav>
-                                        <p:tav tm="100000">
-                                          <p:val>
-                                            <p:strVal val="#ppt_w"/>
-                                          </p:val>
-                                        </p:tav>
-                                      </p:tavLst>
-                                    </p:anim>
-                                    <p:anim calcmode="lin" valueType="num">
-                                      <p:cBhvr>
-                                        <p:cTn id="20" dur="500" fill="hold"/>
-                                        <p:tgtEl>
-                                          <p:spTgt spid="6146"/>
-                                        </p:tgtEl>
-                                        <p:attrNameLst>
-                                          <p:attrName>ppt_h</p:attrName>
-                                        </p:attrNameLst>
-                                      </p:cBhvr>
-                                      <p:tavLst>
-                                        <p:tav tm="0">
-                                          <p:val>
-                                            <p:fltVal val="0"/>
-                                          </p:val>
-                                        </p:tav>
-                                        <p:tav tm="100000">
-                                          <p:val>
-                                            <p:strVal val="#ppt_h"/>
-                                          </p:val>
-                                        </p:tav>
-                                      </p:tavLst>
-                                    </p:anim>
-                                    <p:animEffect transition="in" filter="fade">
-                                      <p:cBhvr>
-                                        <p:cTn id="21" dur="500"/>
-                                        <p:tgtEl>
-                                          <p:spTgt spid="6146"/>
-                                        </p:tgtEl>
-                                      </p:cBhvr>
-                                    </p:animEffect>
-                                  </p:childTnLst>
-                                </p:cTn>
-                              </p:par>
-                            </p:childTnLst>
-                          </p:cTn>
-                        </p:par>
-                      </p:childTnLst>
-                    </p:cTn>
-                  </p:par>
-                  <p:par>
-                    <p:cTn id="22" fill="hold">
-                      <p:stCondLst>
-                        <p:cond delay="indefinite"/>
-                      </p:stCondLst>
-                      <p:childTnLst>
-                        <p:par>
-                          <p:cTn id="23" fill="hold">
-                            <p:stCondLst>
-                              <p:cond delay="0"/>
-                            </p:stCondLst>
-                            <p:childTnLst>
-                              <p:par>
-                                <p:cTn id="24" presetID="53" presetClass="entr" presetSubtype="16" fill="hold" nodeType="clickEffect">
-                                  <p:stCondLst>
-                                    <p:cond delay="0"/>
-                                  </p:stCondLst>
-                                  <p:childTnLst>
-                                    <p:set>
-                                      <p:cBhvr>
-                                        <p:cTn id="25" dur="1" fill="hold">
-                                          <p:stCondLst>
-                                            <p:cond delay="0"/>
-                                          </p:stCondLst>
-                                        </p:cTn>
-                                        <p:tgtEl>
-                                          <p:spTgt spid="8"/>
-                                        </p:tgtEl>
-                                        <p:attrNameLst>
-                                          <p:attrName>style.visibility</p:attrName>
-                                        </p:attrNameLst>
-                                      </p:cBhvr>
-                                      <p:to>
-                                        <p:strVal val="visible"/>
-                                      </p:to>
-                                    </p:set>
-                                    <p:anim calcmode="lin" valueType="num">
-                                      <p:cBhvr>
-                                        <p:cTn id="26" dur="500" fill="hold"/>
-                                        <p:tgtEl>
-                                          <p:spTgt spid="8"/>
-                                        </p:tgtEl>
-                                        <p:attrNameLst>
-                                          <p:attrName>ppt_w</p:attrName>
-                                        </p:attrNameLst>
-                                      </p:cBhvr>
-                                      <p:tavLst>
-                                        <p:tav tm="0">
-                                          <p:val>
-                                            <p:fltVal val="0"/>
-                                          </p:val>
-                                        </p:tav>
-                                        <p:tav tm="100000">
-                                          <p:val>
-                                            <p:strVal val="#ppt_w"/>
-                                          </p:val>
-                                        </p:tav>
-                                      </p:tavLst>
-                                    </p:anim>
-                                    <p:anim calcmode="lin" valueType="num">
-                                      <p:cBhvr>
-                                        <p:cTn id="27" dur="500" fill="hold"/>
-                                        <p:tgtEl>
-                                          <p:spTgt spid="8"/>
-                                        </p:tgtEl>
-                                        <p:attrNameLst>
-                                          <p:attrName>ppt_h</p:attrName>
-                                        </p:attrNameLst>
-                                      </p:cBhvr>
-                                      <p:tavLst>
-                                        <p:tav tm="0">
-                                          <p:val>
-                                            <p:fltVal val="0"/>
-                                          </p:val>
-                                        </p:tav>
-                                        <p:tav tm="100000">
-                                          <p:val>
-                                            <p:strVal val="#ppt_h"/>
-                                          </p:val>
-                                        </p:tav>
-                                      </p:tavLst>
-                                    </p:anim>
-                                    <p:animEffect transition="in" filter="fade">
-                                      <p:cBhvr>
-                                        <p:cTn id="28" dur="500"/>
-                                        <p:tgtEl>
-                                          <p:spTgt spid="8"/>
-                                        </p:tgtEl>
-                                      </p:cBhvr>
-                                    </p:animEffect>
-                                  </p:childTnLst>
-                                </p:cTn>
-                              </p:par>
-                              <p:par>
-                                <p:cTn id="29" presetID="53" presetClass="entr" presetSubtype="16" fill="hold" nodeType="withEffect">
-                                  <p:stCondLst>
-                                    <p:cond delay="0"/>
-                                  </p:stCondLst>
-                                  <p:childTnLst>
-                                    <p:set>
-                                      <p:cBhvr>
-                                        <p:cTn id="30" dur="1" fill="hold">
-                                          <p:stCondLst>
-                                            <p:cond delay="0"/>
-                                          </p:stCondLst>
-                                        </p:cTn>
-                                        <p:tgtEl>
-                                          <p:spTgt spid="6147"/>
-                                        </p:tgtEl>
-                                        <p:attrNameLst>
-                                          <p:attrName>style.visibility</p:attrName>
-                                        </p:attrNameLst>
-                                      </p:cBhvr>
-                                      <p:to>
-                                        <p:strVal val="visible"/>
-                                      </p:to>
-                                    </p:set>
-                                    <p:anim calcmode="lin" valueType="num">
-                                      <p:cBhvr>
-                                        <p:cTn id="31" dur="500" fill="hold"/>
-                                        <p:tgtEl>
-                                          <p:spTgt spid="6147"/>
-                                        </p:tgtEl>
-                                        <p:attrNameLst>
-                                          <p:attrName>ppt_w</p:attrName>
-                                        </p:attrNameLst>
-                                      </p:cBhvr>
-                                      <p:tavLst>
-                                        <p:tav tm="0">
-                                          <p:val>
-                                            <p:fltVal val="0"/>
-                                          </p:val>
-                                        </p:tav>
-                                        <p:tav tm="100000">
-                                          <p:val>
-                                            <p:strVal val="#ppt_w"/>
-                                          </p:val>
-                                        </p:tav>
-                                      </p:tavLst>
-                                    </p:anim>
-                                    <p:anim calcmode="lin" valueType="num">
-                                      <p:cBhvr>
-                                        <p:cTn id="32" dur="500" fill="hold"/>
-                                        <p:tgtEl>
-                                          <p:spTgt spid="6147"/>
-                                        </p:tgtEl>
-                                        <p:attrNameLst>
-                                          <p:attrName>ppt_h</p:attrName>
-                                        </p:attrNameLst>
-                                      </p:cBhvr>
-                                      <p:tavLst>
-                                        <p:tav tm="0">
-                                          <p:val>
-                                            <p:fltVal val="0"/>
-                                          </p:val>
-                                        </p:tav>
-                                        <p:tav tm="100000">
-                                          <p:val>
-                                            <p:strVal val="#ppt_h"/>
-                                          </p:val>
-                                        </p:tav>
-                                      </p:tavLst>
-                                    </p:anim>
-                                    <p:animEffect transition="in" filter="fade">
-                                      <p:cBhvr>
-                                        <p:cTn id="33" dur="500"/>
-                                        <p:tgtEl>
-                                          <p:spTgt spid="6147"/>
-                                        </p:tgtEl>
-                                      </p:cBhvr>
-                                    </p:animEffect>
-                                  </p:childTnLst>
-                                </p:cTn>
-                              </p:par>
-                            </p:childTnLst>
-                          </p:cTn>
-                        </p:par>
-                      </p:childTnLst>
-                    </p:cTn>
-                  </p:par>
-                  <p:par>
-                    <p:cTn id="34" fill="hold">
-                      <p:stCondLst>
-                        <p:cond delay="indefinite"/>
-                      </p:stCondLst>
-                      <p:childTnLst>
-                        <p:par>
-                          <p:cTn id="35" fill="hold">
-                            <p:stCondLst>
-                              <p:cond delay="0"/>
-                            </p:stCondLst>
-                            <p:childTnLst>
-                              <p:par>
-                                <p:cTn id="36" presetID="53" presetClass="entr" presetSubtype="16" fill="hold" nodeType="clickEffect">
-                                  <p:stCondLst>
-                                    <p:cond delay="0"/>
-                                  </p:stCondLst>
-                                  <p:childTnLst>
-                                    <p:set>
-                                      <p:cBhvr>
-                                        <p:cTn id="37" dur="1" fill="hold">
-                                          <p:stCondLst>
-                                            <p:cond delay="0"/>
-                                          </p:stCondLst>
-                                        </p:cTn>
-                                        <p:tgtEl>
-                                          <p:spTgt spid="3"/>
-                                        </p:tgtEl>
-                                        <p:attrNameLst>
-                                          <p:attrName>style.visibility</p:attrName>
-                                        </p:attrNameLst>
-                                      </p:cBhvr>
-                                      <p:to>
-                                        <p:strVal val="visible"/>
-                                      </p:to>
-                                    </p:set>
-                                    <p:anim calcmode="lin" valueType="num">
-                                      <p:cBhvr>
-                                        <p:cTn id="38" dur="500" fill="hold"/>
-                                        <p:tgtEl>
-                                          <p:spTgt spid="3"/>
-                                        </p:tgtEl>
-                                        <p:attrNameLst>
-                                          <p:attrName>ppt_w</p:attrName>
-                                        </p:attrNameLst>
-                                      </p:cBhvr>
-                                      <p:tavLst>
-                                        <p:tav tm="0">
-                                          <p:val>
-                                            <p:fltVal val="0"/>
-                                          </p:val>
-                                        </p:tav>
-                                        <p:tav tm="100000">
-                                          <p:val>
-                                            <p:strVal val="#ppt_w"/>
-                                          </p:val>
-                                        </p:tav>
-                                      </p:tavLst>
-                                    </p:anim>
-                                    <p:anim calcmode="lin" valueType="num">
-                                      <p:cBhvr>
-                                        <p:cTn id="39" dur="500" fill="hold"/>
-                                        <p:tgtEl>
-                                          <p:spTgt spid="3"/>
-                                        </p:tgtEl>
-                                        <p:attrNameLst>
-                                          <p:attrName>ppt_h</p:attrName>
-                                        </p:attrNameLst>
-                                      </p:cBhvr>
-                                      <p:tavLst>
-                                        <p:tav tm="0">
-                                          <p:val>
-                                            <p:fltVal val="0"/>
-                                          </p:val>
-                                        </p:tav>
-                                        <p:tav tm="100000">
-                                          <p:val>
-                                            <p:strVal val="#ppt_h"/>
-                                          </p:val>
-                                        </p:tav>
-                                      </p:tavLst>
-                                    </p:anim>
-                                    <p:animEffect transition="in" filter="fade">
-                                      <p:cBhvr>
-                                        <p:cTn id="40" dur="500"/>
-                                        <p:tgtEl>
-                                          <p:spTgt spid="3"/>
-                                        </p:tgtEl>
-                                      </p:cBhvr>
-                                    </p:animEffect>
-                                  </p:childTnLst>
-                                </p:cTn>
-                              </p:par>
-                              <p:par>
-                                <p:cTn id="41" presetID="53" presetClass="entr" presetSubtype="16" fill="hold" nodeType="withEffect">
-                                  <p:stCondLst>
-                                    <p:cond delay="0"/>
-                                  </p:stCondLst>
-                                  <p:childTnLst>
-                                    <p:set>
-                                      <p:cBhvr>
-                                        <p:cTn id="42" dur="1" fill="hold">
-                                          <p:stCondLst>
-                                            <p:cond delay="0"/>
-                                          </p:stCondLst>
-                                        </p:cTn>
-                                        <p:tgtEl>
-                                          <p:spTgt spid="1026"/>
-                                        </p:tgtEl>
-                                        <p:attrNameLst>
-                                          <p:attrName>style.visibility</p:attrName>
-                                        </p:attrNameLst>
-                                      </p:cBhvr>
-                                      <p:to>
-                                        <p:strVal val="visible"/>
-                                      </p:to>
-                                    </p:set>
-                                    <p:anim calcmode="lin" valueType="num">
-                                      <p:cBhvr>
-                                        <p:cTn id="43" dur="500" fill="hold"/>
-                                        <p:tgtEl>
-                                          <p:spTgt spid="1026"/>
-                                        </p:tgtEl>
-                                        <p:attrNameLst>
-                                          <p:attrName>ppt_w</p:attrName>
-                                        </p:attrNameLst>
-                                      </p:cBhvr>
-                                      <p:tavLst>
-                                        <p:tav tm="0">
-                                          <p:val>
-                                            <p:fltVal val="0"/>
-                                          </p:val>
-                                        </p:tav>
-                                        <p:tav tm="100000">
-                                          <p:val>
-                                            <p:strVal val="#ppt_w"/>
-                                          </p:val>
-                                        </p:tav>
-                                      </p:tavLst>
-                                    </p:anim>
-                                    <p:anim calcmode="lin" valueType="num">
-                                      <p:cBhvr>
-                                        <p:cTn id="44" dur="500" fill="hold"/>
-                                        <p:tgtEl>
-                                          <p:spTgt spid="1026"/>
-                                        </p:tgtEl>
-                                        <p:attrNameLst>
-                                          <p:attrName>ppt_h</p:attrName>
-                                        </p:attrNameLst>
-                                      </p:cBhvr>
-                                      <p:tavLst>
-                                        <p:tav tm="0">
-                                          <p:val>
-                                            <p:fltVal val="0"/>
-                                          </p:val>
-                                        </p:tav>
-                                        <p:tav tm="100000">
-                                          <p:val>
-                                            <p:strVal val="#ppt_h"/>
-                                          </p:val>
-                                        </p:tav>
-                                      </p:tavLst>
-                                    </p:anim>
-                                    <p:animEffect transition="in" filter="fade">
-                                      <p:cBhvr>
-                                        <p:cTn id="45" dur="500"/>
-                                        <p:tgtEl>
-                                          <p:spTgt spid="1026"/>
-                                        </p:tgtEl>
-                                      </p:cBhvr>
-                                    </p:animEffect>
-                                  </p:childTnLst>
-                                </p:cTn>
-                              </p:par>
-                            </p:childTnLst>
-                          </p:cTn>
-                        </p:par>
-                      </p:childTnLst>
-                    </p:cTn>
-                  </p:par>
-                </p:childTnLst>
-              </p:cTn>
-              <p:prevCondLst>
-                <p:cond evt="onPrev" delay="0">
-                  <p:tgtEl>
-                    <p:sldTgt/>
-                  </p:tgtEl>
-                </p:cond>
-              </p:prevCondLst>
-              <p:nextCondLst>
-                <p:cond evt="onNext" delay="0">
-                  <p:tgtEl>
-                    <p:sldTgt/>
-                  </p:tgtEl>
-                </p:cond>
-              </p:nextCondLst>
-            </p:seq>
-          </p:childTnLst>
-        </p:cTn>
-      </p:par>
-    </p:tnLst>
-  </p:timing>
-</p:sld>
-</file>
-
 <file path=ppt/theme/theme1.xml><?xml version="1.0" encoding="utf-8"?>
 <a:theme xmlns:a="http://schemas.openxmlformats.org/drawingml/2006/main" name="Waveform">
   <a:themeElements>

--- a/Document/ECRM-Presentation.pptx
+++ b/Document/ECRM-Presentation.pptx
@@ -12,10 +12,16 @@
     <p:sldId id="259" r:id="rId6"/>
     <p:sldId id="260" r:id="rId7"/>
     <p:sldId id="261" r:id="rId8"/>
-    <p:sldId id="262" r:id="rId9"/>
-    <p:sldId id="263" r:id="rId10"/>
-    <p:sldId id="264" r:id="rId11"/>
-    <p:sldId id="265" r:id="rId12"/>
+    <p:sldId id="267" r:id="rId9"/>
+    <p:sldId id="268" r:id="rId10"/>
+    <p:sldId id="269" r:id="rId11"/>
+    <p:sldId id="270" r:id="rId12"/>
+    <p:sldId id="271" r:id="rId13"/>
+    <p:sldId id="272" r:id="rId14"/>
+    <p:sldId id="262" r:id="rId15"/>
+    <p:sldId id="263" r:id="rId16"/>
+    <p:sldId id="264" r:id="rId17"/>
+    <p:sldId id="265" r:id="rId18"/>
   </p:sldIdLst>
   <p:sldSz cx="9144000" cy="6858000" type="screen4x3"/>
   <p:notesSz cx="6858000" cy="9144000"/>
@@ -114,6 +120,22 @@
       </a:defRPr>
     </a:lvl9pPr>
   </p:defaultTextStyle>
+  <p:extLst>
+    <p:ext uri="{EFAFB233-063F-42B5-8137-9DF3F51BA10A}">
+      <p15:sldGuideLst xmlns:p15="http://schemas.microsoft.com/office/powerpoint/2012/main">
+        <p15:guide id="1" orient="horz" pos="2160">
+          <p15:clr>
+            <a:srgbClr val="A4A3A4"/>
+          </p15:clr>
+        </p15:guide>
+        <p15:guide id="2" pos="2880">
+          <p15:clr>
+            <a:srgbClr val="A4A3A4"/>
+          </p15:clr>
+        </p15:guide>
+      </p15:sldGuideLst>
+    </p:ext>
+  </p:extLst>
 </p:presentation>
 </file>
 
@@ -1929,7 +1951,7 @@
           <a:p>
             <a:fld id="{EE8E0E55-2E6C-462F-86B2-7B5F2C521DC2}" type="datetimeFigureOut">
               <a:rPr lang="en-US" smtClean="0"/>
-              <a:t>8/13/2015</a:t>
+              <a:t>8/14/2015</a:t>
             </a:fld>
             <a:endParaRPr lang="en-US"/>
           </a:p>
@@ -2110,7 +2132,7 @@
           <a:p>
             <a:fld id="{EE8E0E55-2E6C-462F-86B2-7B5F2C521DC2}" type="datetimeFigureOut">
               <a:rPr lang="en-US" smtClean="0"/>
-              <a:t>8/13/2015</a:t>
+              <a:t>8/14/2015</a:t>
             </a:fld>
             <a:endParaRPr lang="en-US"/>
           </a:p>
@@ -2261,7 +2283,7 @@
           <a:p>
             <a:fld id="{EE8E0E55-2E6C-462F-86B2-7B5F2C521DC2}" type="datetimeFigureOut">
               <a:rPr lang="en-US" smtClean="0"/>
-              <a:t>8/13/2015</a:t>
+              <a:t>8/14/2015</a:t>
             </a:fld>
             <a:endParaRPr lang="en-US"/>
           </a:p>
@@ -4087,7 +4109,7 @@
           <a:p>
             <a:fld id="{EE8E0E55-2E6C-462F-86B2-7B5F2C521DC2}" type="datetimeFigureOut">
               <a:rPr lang="en-US" smtClean="0"/>
-              <a:t>8/13/2015</a:t>
+              <a:t>8/14/2015</a:t>
             </a:fld>
             <a:endParaRPr lang="en-US"/>
           </a:p>
@@ -5957,7 +5979,7 @@
           <a:p>
             <a:fld id="{EE8E0E55-2E6C-462F-86B2-7B5F2C521DC2}" type="datetimeFigureOut">
               <a:rPr lang="en-US" smtClean="0"/>
-              <a:t>8/13/2015</a:t>
+              <a:t>8/14/2015</a:t>
             </a:fld>
             <a:endParaRPr lang="en-US"/>
           </a:p>
@@ -6070,7 +6092,7 @@
           <a:p>
             <a:fld id="{EE8E0E55-2E6C-462F-86B2-7B5F2C521DC2}" type="datetimeFigureOut">
               <a:rPr lang="en-US" smtClean="0"/>
-              <a:t>8/13/2015</a:t>
+              <a:t>8/14/2015</a:t>
             </a:fld>
             <a:endParaRPr lang="en-US"/>
           </a:p>
@@ -6611,7 +6633,7 @@
           <a:p>
             <a:fld id="{EE8E0E55-2E6C-462F-86B2-7B5F2C521DC2}" type="datetimeFigureOut">
               <a:rPr lang="en-US" smtClean="0"/>
-              <a:t>8/13/2015</a:t>
+              <a:t>8/14/2015</a:t>
             </a:fld>
             <a:endParaRPr lang="en-US"/>
           </a:p>
@@ -6724,7 +6746,7 @@
           <a:p>
             <a:fld id="{EE8E0E55-2E6C-462F-86B2-7B5F2C521DC2}" type="datetimeFigureOut">
               <a:rPr lang="en-US" smtClean="0"/>
-              <a:t>8/13/2015</a:t>
+              <a:t>8/14/2015</a:t>
             </a:fld>
             <a:endParaRPr lang="en-US"/>
           </a:p>
@@ -8435,7 +8457,7 @@
           <a:p>
             <a:fld id="{EE8E0E55-2E6C-462F-86B2-7B5F2C521DC2}" type="datetimeFigureOut">
               <a:rPr lang="en-US" smtClean="0"/>
-              <a:t>8/13/2015</a:t>
+              <a:t>8/14/2015</a:t>
             </a:fld>
             <a:endParaRPr lang="en-US"/>
           </a:p>
@@ -8586,7 +8608,7 @@
           <a:p>
             <a:fld id="{EE8E0E55-2E6C-462F-86B2-7B5F2C521DC2}" type="datetimeFigureOut">
               <a:rPr lang="en-US" smtClean="0"/>
-              <a:t>8/13/2015</a:t>
+              <a:t>8/14/2015</a:t>
             </a:fld>
             <a:endParaRPr lang="en-US"/>
           </a:p>
@@ -12201,7 +12223,7 @@
           <a:p>
             <a:fld id="{EE8E0E55-2E6C-462F-86B2-7B5F2C521DC2}" type="datetimeFigureOut">
               <a:rPr lang="en-US" smtClean="0"/>
-              <a:t>8/13/2015</a:t>
+              <a:t>8/14/2015</a:t>
             </a:fld>
             <a:endParaRPr lang="en-US"/>
           </a:p>
@@ -14060,7 +14082,7 @@
           <a:p>
             <a:fld id="{EE8E0E55-2E6C-462F-86B2-7B5F2C521DC2}" type="datetimeFigureOut">
               <a:rPr lang="en-US" smtClean="0"/>
-              <a:t>8/13/2015</a:t>
+              <a:t>8/14/2015</a:t>
             </a:fld>
             <a:endParaRPr lang="en-US"/>
           </a:p>
@@ -14849,6 +14871,4215 @@
 </file>
 
 <file path=ppt/slides/slide10.xml><?xml version="1.0" encoding="utf-8"?>
+<p:sld xmlns:a="http://schemas.openxmlformats.org/drawingml/2006/main" xmlns:r="http://schemas.openxmlformats.org/officeDocument/2006/relationships" xmlns:p="http://schemas.openxmlformats.org/presentationml/2006/main" showMasterSp="0">
+  <p:cSld>
+    <p:spTree>
+      <p:nvGrpSpPr>
+        <p:cNvPr id="1" name=""/>
+        <p:cNvGrpSpPr/>
+        <p:nvPr/>
+      </p:nvGrpSpPr>
+      <p:grpSpPr>
+        <a:xfrm>
+          <a:off x="0" y="0"/>
+          <a:ext cx="0" cy="0"/>
+          <a:chOff x="0" y="0"/>
+          <a:chExt cx="0" cy="0"/>
+        </a:xfrm>
+      </p:grpSpPr>
+      <p:sp>
+        <p:nvSpPr>
+          <p:cNvPr id="4" name="TextBox 3"/>
+          <p:cNvSpPr txBox="1"/>
+          <p:nvPr/>
+        </p:nvSpPr>
+        <p:spPr>
+          <a:xfrm>
+            <a:off x="304800" y="304800"/>
+            <a:ext cx="5559279" cy="400110"/>
+          </a:xfrm>
+          <a:prstGeom prst="rect">
+            <a:avLst/>
+          </a:prstGeom>
+          <a:noFill/>
+        </p:spPr>
+        <p:txBody>
+          <a:bodyPr wrap="none" rtlCol="0">
+            <a:spAutoFit/>
+          </a:bodyPr>
+          <a:lstStyle/>
+          <a:p>
+            <a:r>
+              <a:rPr lang="en-US" sz="2000" b="1" dirty="0">
+                <a:latin typeface="Cambria" pitchFamily="18" charset="0"/>
+              </a:rPr>
+              <a:t>2</a:t>
+            </a:r>
+            <a:r>
+              <a:rPr lang="en-US" sz="2000" b="1" dirty="0" smtClean="0">
+                <a:latin typeface="Cambria" pitchFamily="18" charset="0"/>
+              </a:rPr>
+              <a:t>. Check damaged level of reported classroom</a:t>
+            </a:r>
+            <a:endParaRPr lang="en-US" sz="2000" b="1" dirty="0">
+              <a:latin typeface="Cambria" pitchFamily="18" charset="0"/>
+            </a:endParaRPr>
+          </a:p>
+        </p:txBody>
+      </p:sp>
+      <p:cxnSp>
+        <p:nvCxnSpPr>
+          <p:cNvPr id="9" name="Straight Arrow Connector 8"/>
+          <p:cNvCxnSpPr/>
+          <p:nvPr/>
+        </p:nvCxnSpPr>
+        <p:spPr>
+          <a:xfrm>
+            <a:off x="4648200" y="1905000"/>
+            <a:ext cx="0" cy="609600"/>
+          </a:xfrm>
+          <a:prstGeom prst="straightConnector1">
+            <a:avLst/>
+          </a:prstGeom>
+          <a:ln>
+            <a:tailEnd type="triangle"/>
+          </a:ln>
+        </p:spPr>
+        <p:style>
+          <a:lnRef idx="1">
+            <a:schemeClr val="accent1"/>
+          </a:lnRef>
+          <a:fillRef idx="0">
+            <a:schemeClr val="accent1"/>
+          </a:fillRef>
+          <a:effectRef idx="0">
+            <a:schemeClr val="accent1"/>
+          </a:effectRef>
+          <a:fontRef idx="minor">
+            <a:schemeClr val="tx1"/>
+          </a:fontRef>
+        </p:style>
+      </p:cxnSp>
+      <p:pic>
+        <p:nvPicPr>
+          <p:cNvPr id="10" name="Picture 9"/>
+          <p:cNvPicPr>
+            <a:picLocks noChangeAspect="1"/>
+          </p:cNvPicPr>
+          <p:nvPr/>
+        </p:nvPicPr>
+        <p:blipFill>
+          <a:blip r:embed="rId2">
+            <a:extLst>
+              <a:ext uri="{28A0092B-C50C-407E-A947-70E740481C1C}">
+                <a14:useLocalDpi xmlns:a14="http://schemas.microsoft.com/office/drawing/2010/main" val="0"/>
+              </a:ext>
+            </a:extLst>
+          </a:blip>
+          <a:stretch>
+            <a:fillRect/>
+          </a:stretch>
+        </p:blipFill>
+        <p:spPr>
+          <a:xfrm>
+            <a:off x="4076700" y="2217821"/>
+            <a:ext cx="1143000" cy="1143000"/>
+          </a:xfrm>
+          <a:prstGeom prst="rect">
+            <a:avLst/>
+          </a:prstGeom>
+        </p:spPr>
+      </p:pic>
+      <p:pic>
+        <p:nvPicPr>
+          <p:cNvPr id="11" name="Picture 10"/>
+          <p:cNvPicPr>
+            <a:picLocks noChangeAspect="1"/>
+          </p:cNvPicPr>
+          <p:nvPr/>
+        </p:nvPicPr>
+        <p:blipFill>
+          <a:blip r:embed="rId3">
+            <a:extLst>
+              <a:ext uri="{28A0092B-C50C-407E-A947-70E740481C1C}">
+                <a14:useLocalDpi xmlns:a14="http://schemas.microsoft.com/office/drawing/2010/main" val="0"/>
+              </a:ext>
+            </a:extLst>
+          </a:blip>
+          <a:stretch>
+            <a:fillRect/>
+          </a:stretch>
+        </p:blipFill>
+        <p:spPr>
+          <a:xfrm>
+            <a:off x="2171701" y="2479758"/>
+            <a:ext cx="1143000" cy="619125"/>
+          </a:xfrm>
+          <a:prstGeom prst="rect">
+            <a:avLst/>
+          </a:prstGeom>
+        </p:spPr>
+      </p:pic>
+      <p:cxnSp>
+        <p:nvCxnSpPr>
+          <p:cNvPr id="13" name="Straight Arrow Connector 12"/>
+          <p:cNvCxnSpPr>
+            <a:stCxn id="10" idx="1"/>
+            <a:endCxn id="11" idx="3"/>
+          </p:cNvCxnSpPr>
+          <p:nvPr/>
+        </p:nvCxnSpPr>
+        <p:spPr>
+          <a:xfrm flipH="1">
+            <a:off x="3314701" y="2789321"/>
+            <a:ext cx="761999" cy="0"/>
+          </a:xfrm>
+          <a:prstGeom prst="straightConnector1">
+            <a:avLst/>
+          </a:prstGeom>
+          <a:ln>
+            <a:tailEnd type="triangle"/>
+          </a:ln>
+        </p:spPr>
+        <p:style>
+          <a:lnRef idx="1">
+            <a:schemeClr val="accent1"/>
+          </a:lnRef>
+          <a:fillRef idx="0">
+            <a:schemeClr val="accent1"/>
+          </a:fillRef>
+          <a:effectRef idx="0">
+            <a:schemeClr val="accent1"/>
+          </a:effectRef>
+          <a:fontRef idx="minor">
+            <a:schemeClr val="tx1"/>
+          </a:fontRef>
+        </p:style>
+      </p:cxnSp>
+      <p:pic>
+        <p:nvPicPr>
+          <p:cNvPr id="14" name="Picture 13"/>
+          <p:cNvPicPr>
+            <a:picLocks noChangeAspect="1"/>
+          </p:cNvPicPr>
+          <p:nvPr/>
+        </p:nvPicPr>
+        <p:blipFill>
+          <a:blip r:embed="rId4">
+            <a:extLst>
+              <a:ext uri="{28A0092B-C50C-407E-A947-70E740481C1C}">
+                <a14:useLocalDpi xmlns:a14="http://schemas.microsoft.com/office/drawing/2010/main" val="0"/>
+              </a:ext>
+            </a:extLst>
+          </a:blip>
+          <a:stretch>
+            <a:fillRect/>
+          </a:stretch>
+        </p:blipFill>
+        <p:spPr>
+          <a:xfrm>
+            <a:off x="6096000" y="2057400"/>
+            <a:ext cx="2485714" cy="1303421"/>
+          </a:xfrm>
+          <a:prstGeom prst="rect">
+            <a:avLst/>
+          </a:prstGeom>
+        </p:spPr>
+      </p:pic>
+      <p:cxnSp>
+        <p:nvCxnSpPr>
+          <p:cNvPr id="16" name="Straight Arrow Connector 15"/>
+          <p:cNvCxnSpPr>
+            <a:stCxn id="10" idx="3"/>
+          </p:cNvCxnSpPr>
+          <p:nvPr/>
+        </p:nvCxnSpPr>
+        <p:spPr>
+          <a:xfrm flipV="1">
+            <a:off x="5219700" y="2789320"/>
+            <a:ext cx="876300" cy="1"/>
+          </a:xfrm>
+          <a:prstGeom prst="straightConnector1">
+            <a:avLst/>
+          </a:prstGeom>
+          <a:ln>
+            <a:tailEnd type="triangle"/>
+          </a:ln>
+        </p:spPr>
+        <p:style>
+          <a:lnRef idx="1">
+            <a:schemeClr val="accent1"/>
+          </a:lnRef>
+          <a:fillRef idx="0">
+            <a:schemeClr val="accent1"/>
+          </a:fillRef>
+          <a:effectRef idx="0">
+            <a:schemeClr val="accent1"/>
+          </a:effectRef>
+          <a:fontRef idx="minor">
+            <a:schemeClr val="tx1"/>
+          </a:fontRef>
+        </p:style>
+      </p:cxnSp>
+      <p:graphicFrame>
+        <p:nvGraphicFramePr>
+          <p:cNvPr id="17" name="Table 16"/>
+          <p:cNvGraphicFramePr>
+            <a:graphicFrameLocks noGrp="1"/>
+          </p:cNvGraphicFramePr>
+          <p:nvPr>
+            <p:extLst>
+              <p:ext uri="{D42A27DB-BD31-4B8C-83A1-F6EECF244321}">
+                <p14:modId xmlns:p14="http://schemas.microsoft.com/office/powerpoint/2010/main" val="3000139333"/>
+              </p:ext>
+            </p:extLst>
+          </p:nvPr>
+        </p:nvGraphicFramePr>
+        <p:xfrm>
+          <a:off x="381000" y="2248301"/>
+          <a:ext cx="1600200" cy="1112520"/>
+        </p:xfrm>
+        <a:graphic>
+          <a:graphicData uri="http://schemas.openxmlformats.org/drawingml/2006/table">
+            <a:tbl>
+              <a:tblPr firstRow="1" bandRow="1">
+                <a:tableStyleId>{9D7B26C5-4107-4FEC-AEDC-1716B250A1EF}</a:tableStyleId>
+              </a:tblPr>
+              <a:tblGrid>
+                <a:gridCol w="1600200"/>
+              </a:tblGrid>
+              <a:tr h="370840">
+                <a:tc>
+                  <a:txBody>
+                    <a:bodyPr/>
+                    <a:lstStyle/>
+                    <a:p>
+                      <a:pPr algn="ctr"/>
+                      <a:r>
+                        <a:rPr lang="en-US" b="0" dirty="0" smtClean="0"/>
+                        <a:t>High</a:t>
+                      </a:r>
+                      <a:endParaRPr lang="en-US" b="0" dirty="0"/>
+                    </a:p>
+                  </a:txBody>
+                  <a:tcPr/>
+                </a:tc>
+              </a:tr>
+              <a:tr h="370840">
+                <a:tc>
+                  <a:txBody>
+                    <a:bodyPr/>
+                    <a:lstStyle/>
+                    <a:p>
+                      <a:pPr algn="ctr"/>
+                      <a:r>
+                        <a:rPr lang="en-US" dirty="0" smtClean="0"/>
+                        <a:t>Medium</a:t>
+                      </a:r>
+                      <a:endParaRPr lang="en-US" dirty="0"/>
+                    </a:p>
+                  </a:txBody>
+                  <a:tcPr/>
+                </a:tc>
+              </a:tr>
+              <a:tr h="370840">
+                <a:tc>
+                  <a:txBody>
+                    <a:bodyPr/>
+                    <a:lstStyle/>
+                    <a:p>
+                      <a:pPr algn="ctr"/>
+                      <a:r>
+                        <a:rPr lang="en-US" dirty="0" smtClean="0"/>
+                        <a:t>Low</a:t>
+                      </a:r>
+                      <a:endParaRPr lang="en-US" dirty="0"/>
+                    </a:p>
+                  </a:txBody>
+                  <a:tcPr/>
+                </a:tc>
+              </a:tr>
+            </a:tbl>
+          </a:graphicData>
+        </a:graphic>
+      </p:graphicFrame>
+      <p:cxnSp>
+        <p:nvCxnSpPr>
+          <p:cNvPr id="21" name="Straight Connector 20"/>
+          <p:cNvCxnSpPr>
+            <a:stCxn id="11" idx="2"/>
+          </p:cNvCxnSpPr>
+          <p:nvPr/>
+        </p:nvCxnSpPr>
+        <p:spPr>
+          <a:xfrm>
+            <a:off x="2743201" y="3098883"/>
+            <a:ext cx="0" cy="1244517"/>
+          </a:xfrm>
+          <a:prstGeom prst="line">
+            <a:avLst/>
+          </a:prstGeom>
+        </p:spPr>
+        <p:style>
+          <a:lnRef idx="1">
+            <a:schemeClr val="accent1"/>
+          </a:lnRef>
+          <a:fillRef idx="0">
+            <a:schemeClr val="accent1"/>
+          </a:fillRef>
+          <a:effectRef idx="0">
+            <a:schemeClr val="accent1"/>
+          </a:effectRef>
+          <a:fontRef idx="minor">
+            <a:schemeClr val="tx1"/>
+          </a:fontRef>
+        </p:style>
+      </p:cxnSp>
+      <p:cxnSp>
+        <p:nvCxnSpPr>
+          <p:cNvPr id="23" name="Straight Connector 22"/>
+          <p:cNvCxnSpPr>
+            <a:stCxn id="14" idx="2"/>
+          </p:cNvCxnSpPr>
+          <p:nvPr/>
+        </p:nvCxnSpPr>
+        <p:spPr>
+          <a:xfrm>
+            <a:off x="7338857" y="3360821"/>
+            <a:ext cx="0" cy="982579"/>
+          </a:xfrm>
+          <a:prstGeom prst="line">
+            <a:avLst/>
+          </a:prstGeom>
+        </p:spPr>
+        <p:style>
+          <a:lnRef idx="1">
+            <a:schemeClr val="accent1"/>
+          </a:lnRef>
+          <a:fillRef idx="0">
+            <a:schemeClr val="accent1"/>
+          </a:fillRef>
+          <a:effectRef idx="0">
+            <a:schemeClr val="accent1"/>
+          </a:effectRef>
+          <a:fontRef idx="minor">
+            <a:schemeClr val="tx1"/>
+          </a:fontRef>
+        </p:style>
+      </p:cxnSp>
+      <p:cxnSp>
+        <p:nvCxnSpPr>
+          <p:cNvPr id="25" name="Straight Connector 24"/>
+          <p:cNvCxnSpPr/>
+          <p:nvPr/>
+        </p:nvCxnSpPr>
+        <p:spPr>
+          <a:xfrm>
+            <a:off x="2743201" y="4343400"/>
+            <a:ext cx="4595656" cy="0"/>
+          </a:xfrm>
+          <a:prstGeom prst="line">
+            <a:avLst/>
+          </a:prstGeom>
+        </p:spPr>
+        <p:style>
+          <a:lnRef idx="1">
+            <a:schemeClr val="accent1"/>
+          </a:lnRef>
+          <a:fillRef idx="0">
+            <a:schemeClr val="accent1"/>
+          </a:fillRef>
+          <a:effectRef idx="0">
+            <a:schemeClr val="accent1"/>
+          </a:effectRef>
+          <a:fontRef idx="minor">
+            <a:schemeClr val="tx1"/>
+          </a:fontRef>
+        </p:style>
+      </p:cxnSp>
+      <p:cxnSp>
+        <p:nvCxnSpPr>
+          <p:cNvPr id="29" name="Straight Arrow Connector 28"/>
+          <p:cNvCxnSpPr/>
+          <p:nvPr/>
+        </p:nvCxnSpPr>
+        <p:spPr>
+          <a:xfrm>
+            <a:off x="4648200" y="4343400"/>
+            <a:ext cx="0" cy="457200"/>
+          </a:xfrm>
+          <a:prstGeom prst="straightConnector1">
+            <a:avLst/>
+          </a:prstGeom>
+          <a:ln>
+            <a:tailEnd type="triangle"/>
+          </a:ln>
+        </p:spPr>
+        <p:style>
+          <a:lnRef idx="1">
+            <a:schemeClr val="accent1"/>
+          </a:lnRef>
+          <a:fillRef idx="0">
+            <a:schemeClr val="accent1"/>
+          </a:fillRef>
+          <a:effectRef idx="0">
+            <a:schemeClr val="accent1"/>
+          </a:effectRef>
+          <a:fontRef idx="minor">
+            <a:schemeClr val="tx1"/>
+          </a:fontRef>
+        </p:style>
+      </p:cxnSp>
+      <p:sp>
+        <p:nvSpPr>
+          <p:cNvPr id="30" name="TextBox 29"/>
+          <p:cNvSpPr txBox="1"/>
+          <p:nvPr/>
+        </p:nvSpPr>
+        <p:spPr>
+          <a:xfrm>
+            <a:off x="3696850" y="4824663"/>
+            <a:ext cx="1902700" cy="400110"/>
+          </a:xfrm>
+          <a:prstGeom prst="rect">
+            <a:avLst/>
+          </a:prstGeom>
+          <a:noFill/>
+        </p:spPr>
+        <p:txBody>
+          <a:bodyPr wrap="none" rtlCol="0">
+            <a:spAutoFit/>
+          </a:bodyPr>
+          <a:lstStyle/>
+          <a:p>
+            <a:r>
+              <a:rPr lang="en-US" sz="2000" b="1" dirty="0" smtClean="0">
+                <a:latin typeface="Cambria" pitchFamily="18" charset="0"/>
+              </a:rPr>
+              <a:t>Damaged level</a:t>
+            </a:r>
+            <a:endParaRPr lang="en-US" sz="2000" b="1" dirty="0">
+              <a:latin typeface="Cambria" pitchFamily="18" charset="0"/>
+            </a:endParaRPr>
+          </a:p>
+        </p:txBody>
+      </p:sp>
+      <p:pic>
+        <p:nvPicPr>
+          <p:cNvPr id="31" name="Picture 30"/>
+          <p:cNvPicPr>
+            <a:picLocks noChangeAspect="1"/>
+          </p:cNvPicPr>
+          <p:nvPr/>
+        </p:nvPicPr>
+        <p:blipFill>
+          <a:blip r:embed="rId5">
+            <a:extLst>
+              <a:ext uri="{28A0092B-C50C-407E-A947-70E740481C1C}">
+                <a14:useLocalDpi xmlns:a14="http://schemas.microsoft.com/office/drawing/2010/main" val="0"/>
+              </a:ext>
+            </a:extLst>
+          </a:blip>
+          <a:stretch>
+            <a:fillRect/>
+          </a:stretch>
+        </p:blipFill>
+        <p:spPr>
+          <a:xfrm>
+            <a:off x="3875796" y="504005"/>
+            <a:ext cx="1544808" cy="1544808"/>
+          </a:xfrm>
+          <a:prstGeom prst="rect">
+            <a:avLst/>
+          </a:prstGeom>
+        </p:spPr>
+      </p:pic>
+    </p:spTree>
+    <p:extLst>
+      <p:ext uri="{BB962C8B-B14F-4D97-AF65-F5344CB8AC3E}">
+        <p14:creationId xmlns:p14="http://schemas.microsoft.com/office/powerpoint/2010/main" val="2010693060"/>
+      </p:ext>
+    </p:extLst>
+  </p:cSld>
+  <p:clrMapOvr>
+    <a:masterClrMapping/>
+  </p:clrMapOvr>
+  <p:timing>
+    <p:tnLst>
+      <p:par>
+        <p:cTn id="1" dur="indefinite" restart="never" nodeType="tmRoot"/>
+      </p:par>
+    </p:tnLst>
+  </p:timing>
+</p:sld>
+</file>
+
+<file path=ppt/slides/slide11.xml><?xml version="1.0" encoding="utf-8"?>
+<p:sld xmlns:a="http://schemas.openxmlformats.org/drawingml/2006/main" xmlns:r="http://schemas.openxmlformats.org/officeDocument/2006/relationships" xmlns:p="http://schemas.openxmlformats.org/presentationml/2006/main" showMasterSp="0">
+  <p:cSld>
+    <p:spTree>
+      <p:nvGrpSpPr>
+        <p:cNvPr id="1" name=""/>
+        <p:cNvGrpSpPr/>
+        <p:nvPr/>
+      </p:nvGrpSpPr>
+      <p:grpSpPr>
+        <a:xfrm>
+          <a:off x="0" y="0"/>
+          <a:ext cx="0" cy="0"/>
+          <a:chOff x="0" y="0"/>
+          <a:chExt cx="0" cy="0"/>
+        </a:xfrm>
+      </p:grpSpPr>
+      <p:pic>
+        <p:nvPicPr>
+          <p:cNvPr id="4" name="Picture 2" descr="C:\Users\QuangTV\Desktop\teacher.png"/>
+          <p:cNvPicPr>
+            <a:picLocks noChangeAspect="1" noChangeArrowheads="1"/>
+          </p:cNvPicPr>
+          <p:nvPr/>
+        </p:nvPicPr>
+        <p:blipFill>
+          <a:blip r:embed="rId2">
+            <a:extLst>
+              <a:ext uri="{28A0092B-C50C-407E-A947-70E740481C1C}">
+                <a14:useLocalDpi xmlns:a14="http://schemas.microsoft.com/office/drawing/2010/main" val="0"/>
+              </a:ext>
+            </a:extLst>
+          </a:blip>
+          <a:srcRect/>
+          <a:stretch>
+            <a:fillRect/>
+          </a:stretch>
+        </p:blipFill>
+        <p:spPr bwMode="auto">
+          <a:xfrm>
+            <a:off x="0" y="1524000"/>
+            <a:ext cx="1371600" cy="977900"/>
+          </a:xfrm>
+          <a:prstGeom prst="rect">
+            <a:avLst/>
+          </a:prstGeom>
+          <a:noFill/>
+          <a:extLst>
+            <a:ext uri="{909E8E84-426E-40DD-AFC4-6F175D3DCCD1}">
+              <a14:hiddenFill xmlns:a14="http://schemas.microsoft.com/office/drawing/2010/main">
+                <a:solidFill>
+                  <a:srgbClr val="FFFFFF"/>
+                </a:solidFill>
+              </a14:hiddenFill>
+            </a:ext>
+          </a:extLst>
+        </p:spPr>
+      </p:pic>
+      <p:pic>
+        <p:nvPicPr>
+          <p:cNvPr id="7" name="Picture 4" descr="C:\Users\QuangTV\Desktop\report-icon.gif"/>
+          <p:cNvPicPr>
+            <a:picLocks noChangeAspect="1" noChangeArrowheads="1"/>
+          </p:cNvPicPr>
+          <p:nvPr/>
+        </p:nvPicPr>
+        <p:blipFill>
+          <a:blip r:embed="rId3" cstate="print">
+            <a:extLst>
+              <a:ext uri="{28A0092B-C50C-407E-A947-70E740481C1C}">
+                <a14:useLocalDpi xmlns:a14="http://schemas.microsoft.com/office/drawing/2010/main" val="0"/>
+              </a:ext>
+            </a:extLst>
+          </a:blip>
+          <a:srcRect/>
+          <a:stretch>
+            <a:fillRect/>
+          </a:stretch>
+        </p:blipFill>
+        <p:spPr bwMode="auto">
+          <a:xfrm>
+            <a:off x="1905000" y="1565275"/>
+            <a:ext cx="801001" cy="895350"/>
+          </a:xfrm>
+          <a:prstGeom prst="rect">
+            <a:avLst/>
+          </a:prstGeom>
+          <a:noFill/>
+          <a:extLst>
+            <a:ext uri="{909E8E84-426E-40DD-AFC4-6F175D3DCCD1}">
+              <a14:hiddenFill xmlns:a14="http://schemas.microsoft.com/office/drawing/2010/main">
+                <a:solidFill>
+                  <a:srgbClr val="FFFFFF"/>
+                </a:solidFill>
+              </a14:hiddenFill>
+            </a:ext>
+          </a:extLst>
+        </p:spPr>
+      </p:pic>
+      <p:pic>
+        <p:nvPicPr>
+          <p:cNvPr id="8" name="Picture 7"/>
+          <p:cNvPicPr>
+            <a:picLocks noChangeAspect="1"/>
+          </p:cNvPicPr>
+          <p:nvPr/>
+        </p:nvPicPr>
+        <p:blipFill>
+          <a:blip r:embed="rId4" cstate="print">
+            <a:extLst>
+              <a:ext uri="{28A0092B-C50C-407E-A947-70E740481C1C}">
+                <a14:useLocalDpi xmlns:a14="http://schemas.microsoft.com/office/drawing/2010/main" val="0"/>
+              </a:ext>
+            </a:extLst>
+          </a:blip>
+          <a:stretch>
+            <a:fillRect/>
+          </a:stretch>
+        </p:blipFill>
+        <p:spPr>
+          <a:xfrm>
+            <a:off x="3326178" y="1524000"/>
+            <a:ext cx="990600" cy="838200"/>
+          </a:xfrm>
+          <a:prstGeom prst="rect">
+            <a:avLst/>
+          </a:prstGeom>
+        </p:spPr>
+      </p:pic>
+      <p:pic>
+        <p:nvPicPr>
+          <p:cNvPr id="9" name="Picture 8"/>
+          <p:cNvPicPr>
+            <a:picLocks noChangeAspect="1"/>
+          </p:cNvPicPr>
+          <p:nvPr/>
+        </p:nvPicPr>
+        <p:blipFill>
+          <a:blip r:embed="rId5" cstate="print">
+            <a:extLst>
+              <a:ext uri="{28A0092B-C50C-407E-A947-70E740481C1C}">
+                <a14:useLocalDpi xmlns:a14="http://schemas.microsoft.com/office/drawing/2010/main" val="0"/>
+              </a:ext>
+            </a:extLst>
+          </a:blip>
+          <a:stretch>
+            <a:fillRect/>
+          </a:stretch>
+        </p:blipFill>
+        <p:spPr>
+          <a:xfrm>
+            <a:off x="3352800" y="533400"/>
+            <a:ext cx="963978" cy="990600"/>
+          </a:xfrm>
+          <a:prstGeom prst="rect">
+            <a:avLst/>
+          </a:prstGeom>
+        </p:spPr>
+      </p:pic>
+      <p:pic>
+        <p:nvPicPr>
+          <p:cNvPr id="11" name="Picture 10"/>
+          <p:cNvPicPr>
+            <a:picLocks noChangeAspect="1"/>
+          </p:cNvPicPr>
+          <p:nvPr/>
+        </p:nvPicPr>
+        <p:blipFill>
+          <a:blip r:embed="rId6" cstate="print">
+            <a:extLst>
+              <a:ext uri="{28A0092B-C50C-407E-A947-70E740481C1C}">
+                <a14:useLocalDpi xmlns:a14="http://schemas.microsoft.com/office/drawing/2010/main" val="0"/>
+              </a:ext>
+            </a:extLst>
+          </a:blip>
+          <a:stretch>
+            <a:fillRect/>
+          </a:stretch>
+        </p:blipFill>
+        <p:spPr>
+          <a:xfrm>
+            <a:off x="3352800" y="2590800"/>
+            <a:ext cx="963978" cy="609600"/>
+          </a:xfrm>
+          <a:prstGeom prst="rect">
+            <a:avLst/>
+          </a:prstGeom>
+        </p:spPr>
+      </p:pic>
+      <p:sp>
+        <p:nvSpPr>
+          <p:cNvPr id="12" name="TextBox 11"/>
+          <p:cNvSpPr txBox="1"/>
+          <p:nvPr/>
+        </p:nvSpPr>
+        <p:spPr>
+          <a:xfrm>
+            <a:off x="4648200" y="685800"/>
+            <a:ext cx="2448106" cy="646331"/>
+          </a:xfrm>
+          <a:prstGeom prst="rect">
+            <a:avLst/>
+          </a:prstGeom>
+          <a:noFill/>
+        </p:spPr>
+        <p:txBody>
+          <a:bodyPr wrap="none" rtlCol="0">
+            <a:spAutoFit/>
+          </a:bodyPr>
+          <a:lstStyle/>
+          <a:p>
+            <a:r>
+              <a:rPr lang="en-US" dirty="0" smtClean="0"/>
+              <a:t>Priority: Medium</a:t>
+            </a:r>
+          </a:p>
+          <a:p>
+            <a:r>
+              <a:rPr lang="en-US" dirty="0" smtClean="0"/>
+              <a:t>Evaluation: Don’t know</a:t>
+            </a:r>
+            <a:endParaRPr lang="en-US" dirty="0"/>
+          </a:p>
+        </p:txBody>
+      </p:sp>
+      <p:sp>
+        <p:nvSpPr>
+          <p:cNvPr id="13" name="TextBox 12"/>
+          <p:cNvSpPr txBox="1"/>
+          <p:nvPr/>
+        </p:nvSpPr>
+        <p:spPr>
+          <a:xfrm>
+            <a:off x="4660579" y="1619934"/>
+            <a:ext cx="2448106" cy="646331"/>
+          </a:xfrm>
+          <a:prstGeom prst="rect">
+            <a:avLst/>
+          </a:prstGeom>
+          <a:noFill/>
+        </p:spPr>
+        <p:txBody>
+          <a:bodyPr wrap="none" rtlCol="0">
+            <a:spAutoFit/>
+          </a:bodyPr>
+          <a:lstStyle/>
+          <a:p>
+            <a:r>
+              <a:rPr lang="en-US" dirty="0" smtClean="0"/>
+              <a:t>Priority: High</a:t>
+            </a:r>
+          </a:p>
+          <a:p>
+            <a:r>
+              <a:rPr lang="en-US" dirty="0" smtClean="0"/>
+              <a:t>Evaluation: Don’t know</a:t>
+            </a:r>
+            <a:endParaRPr lang="en-US" dirty="0"/>
+          </a:p>
+        </p:txBody>
+      </p:sp>
+      <p:sp>
+        <p:nvSpPr>
+          <p:cNvPr id="14" name="TextBox 13"/>
+          <p:cNvSpPr txBox="1"/>
+          <p:nvPr/>
+        </p:nvSpPr>
+        <p:spPr>
+          <a:xfrm>
+            <a:off x="4660579" y="2590800"/>
+            <a:ext cx="2448106" cy="646331"/>
+          </a:xfrm>
+          <a:prstGeom prst="rect">
+            <a:avLst/>
+          </a:prstGeom>
+          <a:noFill/>
+        </p:spPr>
+        <p:txBody>
+          <a:bodyPr wrap="none" rtlCol="0">
+            <a:spAutoFit/>
+          </a:bodyPr>
+          <a:lstStyle/>
+          <a:p>
+            <a:r>
+              <a:rPr lang="en-US" dirty="0" smtClean="0"/>
+              <a:t>Evaluation: Don’t know</a:t>
+            </a:r>
+          </a:p>
+          <a:p>
+            <a:r>
+              <a:rPr lang="en-US" dirty="0" smtClean="0"/>
+              <a:t>Number: 3</a:t>
+            </a:r>
+            <a:endParaRPr lang="en-US" dirty="0"/>
+          </a:p>
+        </p:txBody>
+      </p:sp>
+      <p:cxnSp>
+        <p:nvCxnSpPr>
+          <p:cNvPr id="16" name="Straight Arrow Connector 15"/>
+          <p:cNvCxnSpPr>
+            <a:stCxn id="4" idx="3"/>
+            <a:endCxn id="7" idx="1"/>
+          </p:cNvCxnSpPr>
+          <p:nvPr/>
+        </p:nvCxnSpPr>
+        <p:spPr>
+          <a:xfrm>
+            <a:off x="1371600" y="2012950"/>
+            <a:ext cx="533400" cy="0"/>
+          </a:xfrm>
+          <a:prstGeom prst="straightConnector1">
+            <a:avLst/>
+          </a:prstGeom>
+          <a:ln>
+            <a:tailEnd type="triangle"/>
+          </a:ln>
+        </p:spPr>
+        <p:style>
+          <a:lnRef idx="1">
+            <a:schemeClr val="accent1"/>
+          </a:lnRef>
+          <a:fillRef idx="0">
+            <a:schemeClr val="accent1"/>
+          </a:fillRef>
+          <a:effectRef idx="0">
+            <a:schemeClr val="accent1"/>
+          </a:effectRef>
+          <a:fontRef idx="minor">
+            <a:schemeClr val="tx1"/>
+          </a:fontRef>
+        </p:style>
+      </p:cxnSp>
+      <p:cxnSp>
+        <p:nvCxnSpPr>
+          <p:cNvPr id="18" name="Straight Arrow Connector 17"/>
+          <p:cNvCxnSpPr>
+            <a:stCxn id="7" idx="3"/>
+            <a:endCxn id="9" idx="1"/>
+          </p:cNvCxnSpPr>
+          <p:nvPr/>
+        </p:nvCxnSpPr>
+        <p:spPr>
+          <a:xfrm flipV="1">
+            <a:off x="2706001" y="1028700"/>
+            <a:ext cx="646799" cy="984250"/>
+          </a:xfrm>
+          <a:prstGeom prst="straightConnector1">
+            <a:avLst/>
+          </a:prstGeom>
+          <a:ln>
+            <a:tailEnd type="triangle"/>
+          </a:ln>
+        </p:spPr>
+        <p:style>
+          <a:lnRef idx="1">
+            <a:schemeClr val="accent1"/>
+          </a:lnRef>
+          <a:fillRef idx="0">
+            <a:schemeClr val="accent1"/>
+          </a:fillRef>
+          <a:effectRef idx="0">
+            <a:schemeClr val="accent1"/>
+          </a:effectRef>
+          <a:fontRef idx="minor">
+            <a:schemeClr val="tx1"/>
+          </a:fontRef>
+        </p:style>
+      </p:cxnSp>
+      <p:cxnSp>
+        <p:nvCxnSpPr>
+          <p:cNvPr id="20" name="Straight Arrow Connector 19"/>
+          <p:cNvCxnSpPr>
+            <a:stCxn id="7" idx="3"/>
+            <a:endCxn id="8" idx="1"/>
+          </p:cNvCxnSpPr>
+          <p:nvPr/>
+        </p:nvCxnSpPr>
+        <p:spPr>
+          <a:xfrm flipV="1">
+            <a:off x="2706001" y="1943100"/>
+            <a:ext cx="620177" cy="69850"/>
+          </a:xfrm>
+          <a:prstGeom prst="straightConnector1">
+            <a:avLst/>
+          </a:prstGeom>
+          <a:ln>
+            <a:tailEnd type="triangle"/>
+          </a:ln>
+        </p:spPr>
+        <p:style>
+          <a:lnRef idx="1">
+            <a:schemeClr val="accent1"/>
+          </a:lnRef>
+          <a:fillRef idx="0">
+            <a:schemeClr val="accent1"/>
+          </a:fillRef>
+          <a:effectRef idx="0">
+            <a:schemeClr val="accent1"/>
+          </a:effectRef>
+          <a:fontRef idx="minor">
+            <a:schemeClr val="tx1"/>
+          </a:fontRef>
+        </p:style>
+      </p:cxnSp>
+      <p:cxnSp>
+        <p:nvCxnSpPr>
+          <p:cNvPr id="22" name="Straight Arrow Connector 21"/>
+          <p:cNvCxnSpPr>
+            <a:stCxn id="7" idx="3"/>
+            <a:endCxn id="11" idx="1"/>
+          </p:cNvCxnSpPr>
+          <p:nvPr/>
+        </p:nvCxnSpPr>
+        <p:spPr>
+          <a:xfrm>
+            <a:off x="2706001" y="2012950"/>
+            <a:ext cx="646799" cy="882650"/>
+          </a:xfrm>
+          <a:prstGeom prst="straightConnector1">
+            <a:avLst/>
+          </a:prstGeom>
+          <a:ln>
+            <a:tailEnd type="triangle"/>
+          </a:ln>
+        </p:spPr>
+        <p:style>
+          <a:lnRef idx="1">
+            <a:schemeClr val="accent1"/>
+          </a:lnRef>
+          <a:fillRef idx="0">
+            <a:schemeClr val="accent1"/>
+          </a:fillRef>
+          <a:effectRef idx="0">
+            <a:schemeClr val="accent1"/>
+          </a:effectRef>
+          <a:fontRef idx="minor">
+            <a:schemeClr val="tx1"/>
+          </a:fontRef>
+        </p:style>
+      </p:cxnSp>
+      <p:cxnSp>
+        <p:nvCxnSpPr>
+          <p:cNvPr id="26" name="Straight Connector 25"/>
+          <p:cNvCxnSpPr>
+            <a:stCxn id="9" idx="3"/>
+            <a:endCxn id="12" idx="1"/>
+          </p:cNvCxnSpPr>
+          <p:nvPr/>
+        </p:nvCxnSpPr>
+        <p:spPr>
+          <a:xfrm flipV="1">
+            <a:off x="4316778" y="1008966"/>
+            <a:ext cx="331422" cy="19734"/>
+          </a:xfrm>
+          <a:prstGeom prst="line">
+            <a:avLst/>
+          </a:prstGeom>
+        </p:spPr>
+        <p:style>
+          <a:lnRef idx="1">
+            <a:schemeClr val="accent1"/>
+          </a:lnRef>
+          <a:fillRef idx="0">
+            <a:schemeClr val="accent1"/>
+          </a:fillRef>
+          <a:effectRef idx="0">
+            <a:schemeClr val="accent1"/>
+          </a:effectRef>
+          <a:fontRef idx="minor">
+            <a:schemeClr val="tx1"/>
+          </a:fontRef>
+        </p:style>
+      </p:cxnSp>
+      <p:cxnSp>
+        <p:nvCxnSpPr>
+          <p:cNvPr id="28" name="Straight Connector 27"/>
+          <p:cNvCxnSpPr>
+            <a:stCxn id="8" idx="3"/>
+            <a:endCxn id="13" idx="1"/>
+          </p:cNvCxnSpPr>
+          <p:nvPr/>
+        </p:nvCxnSpPr>
+        <p:spPr>
+          <a:xfrm>
+            <a:off x="4316778" y="1943100"/>
+            <a:ext cx="343801" cy="0"/>
+          </a:xfrm>
+          <a:prstGeom prst="line">
+            <a:avLst/>
+          </a:prstGeom>
+        </p:spPr>
+        <p:style>
+          <a:lnRef idx="1">
+            <a:schemeClr val="accent1"/>
+          </a:lnRef>
+          <a:fillRef idx="0">
+            <a:schemeClr val="accent1"/>
+          </a:fillRef>
+          <a:effectRef idx="0">
+            <a:schemeClr val="accent1"/>
+          </a:effectRef>
+          <a:fontRef idx="minor">
+            <a:schemeClr val="tx1"/>
+          </a:fontRef>
+        </p:style>
+      </p:cxnSp>
+      <p:cxnSp>
+        <p:nvCxnSpPr>
+          <p:cNvPr id="30" name="Straight Connector 29"/>
+          <p:cNvCxnSpPr>
+            <a:stCxn id="11" idx="3"/>
+            <a:endCxn id="14" idx="1"/>
+          </p:cNvCxnSpPr>
+          <p:nvPr/>
+        </p:nvCxnSpPr>
+        <p:spPr>
+          <a:xfrm>
+            <a:off x="4316778" y="2895600"/>
+            <a:ext cx="343801" cy="18366"/>
+          </a:xfrm>
+          <a:prstGeom prst="line">
+            <a:avLst/>
+          </a:prstGeom>
+        </p:spPr>
+        <p:style>
+          <a:lnRef idx="1">
+            <a:schemeClr val="accent1"/>
+          </a:lnRef>
+          <a:fillRef idx="0">
+            <a:schemeClr val="accent1"/>
+          </a:fillRef>
+          <a:effectRef idx="0">
+            <a:schemeClr val="accent1"/>
+          </a:effectRef>
+          <a:fontRef idx="minor">
+            <a:schemeClr val="tx1"/>
+          </a:fontRef>
+        </p:style>
+      </p:cxnSp>
+      <p:sp>
+        <p:nvSpPr>
+          <p:cNvPr id="31" name="TextBox 30"/>
+          <p:cNvSpPr txBox="1"/>
+          <p:nvPr/>
+        </p:nvSpPr>
+        <p:spPr>
+          <a:xfrm>
+            <a:off x="7064585" y="824299"/>
+            <a:ext cx="2079415" cy="369332"/>
+          </a:xfrm>
+          <a:prstGeom prst="rect">
+            <a:avLst/>
+          </a:prstGeom>
+          <a:noFill/>
+        </p:spPr>
+        <p:txBody>
+          <a:bodyPr wrap="none" rtlCol="0">
+            <a:spAutoFit/>
+          </a:bodyPr>
+          <a:lstStyle/>
+          <a:p>
+            <a:r>
+              <a:rPr lang="en-US" dirty="0" smtClean="0"/>
+              <a:t>Damaged level = 30</a:t>
+            </a:r>
+            <a:endParaRPr lang="en-US" dirty="0"/>
+          </a:p>
+        </p:txBody>
+      </p:sp>
+      <p:sp>
+        <p:nvSpPr>
+          <p:cNvPr id="32" name="TextBox 31"/>
+          <p:cNvSpPr txBox="1"/>
+          <p:nvPr/>
+        </p:nvSpPr>
+        <p:spPr>
+          <a:xfrm>
+            <a:off x="7108685" y="1707549"/>
+            <a:ext cx="2081019" cy="369332"/>
+          </a:xfrm>
+          <a:prstGeom prst="rect">
+            <a:avLst/>
+          </a:prstGeom>
+          <a:noFill/>
+        </p:spPr>
+        <p:txBody>
+          <a:bodyPr wrap="none" rtlCol="0">
+            <a:spAutoFit/>
+          </a:bodyPr>
+          <a:lstStyle/>
+          <a:p>
+            <a:r>
+              <a:rPr lang="en-US" dirty="0" smtClean="0"/>
+              <a:t>Damaged level = 50</a:t>
+            </a:r>
+            <a:endParaRPr lang="en-US" dirty="0"/>
+          </a:p>
+        </p:txBody>
+      </p:sp>
+      <p:sp>
+        <p:nvSpPr>
+          <p:cNvPr id="33" name="TextBox 32"/>
+          <p:cNvSpPr txBox="1"/>
+          <p:nvPr/>
+        </p:nvSpPr>
+        <p:spPr>
+          <a:xfrm>
+            <a:off x="7108684" y="2692568"/>
+            <a:ext cx="2034531" cy="369332"/>
+          </a:xfrm>
+          <a:prstGeom prst="rect">
+            <a:avLst/>
+          </a:prstGeom>
+          <a:noFill/>
+        </p:spPr>
+        <p:txBody>
+          <a:bodyPr wrap="none" rtlCol="0">
+            <a:spAutoFit/>
+          </a:bodyPr>
+          <a:lstStyle/>
+          <a:p>
+            <a:r>
+              <a:rPr lang="en-US" dirty="0" smtClean="0"/>
+              <a:t>Damaged level = 15</a:t>
+            </a:r>
+            <a:endParaRPr lang="en-US" dirty="0"/>
+          </a:p>
+        </p:txBody>
+      </p:sp>
+      <p:sp>
+        <p:nvSpPr>
+          <p:cNvPr id="35" name="TextBox 34"/>
+          <p:cNvSpPr txBox="1"/>
+          <p:nvPr/>
+        </p:nvSpPr>
+        <p:spPr>
+          <a:xfrm>
+            <a:off x="457200" y="4876800"/>
+            <a:ext cx="3435556" cy="369332"/>
+          </a:xfrm>
+          <a:prstGeom prst="rect">
+            <a:avLst/>
+          </a:prstGeom>
+          <a:noFill/>
+        </p:spPr>
+        <p:txBody>
+          <a:bodyPr wrap="none" rtlCol="0">
+            <a:spAutoFit/>
+          </a:bodyPr>
+          <a:lstStyle/>
+          <a:p>
+            <a:r>
+              <a:rPr lang="en-US" dirty="0" smtClean="0"/>
+              <a:t>Damaged level of classroom: 95%</a:t>
+            </a:r>
+            <a:endParaRPr lang="en-US" dirty="0"/>
+          </a:p>
+        </p:txBody>
+      </p:sp>
+      <p:pic>
+        <p:nvPicPr>
+          <p:cNvPr id="36" name="Picture 35"/>
+          <p:cNvPicPr>
+            <a:picLocks noChangeAspect="1"/>
+          </p:cNvPicPr>
+          <p:nvPr/>
+        </p:nvPicPr>
+        <p:blipFill>
+          <a:blip r:embed="rId7">
+            <a:extLst>
+              <a:ext uri="{28A0092B-C50C-407E-A947-70E740481C1C}">
+                <a14:useLocalDpi xmlns:a14="http://schemas.microsoft.com/office/drawing/2010/main" val="0"/>
+              </a:ext>
+            </a:extLst>
+          </a:blip>
+          <a:stretch>
+            <a:fillRect/>
+          </a:stretch>
+        </p:blipFill>
+        <p:spPr>
+          <a:xfrm>
+            <a:off x="328076" y="5302416"/>
+            <a:ext cx="1772154" cy="1276350"/>
+          </a:xfrm>
+          <a:prstGeom prst="rect">
+            <a:avLst/>
+          </a:prstGeom>
+        </p:spPr>
+      </p:pic>
+      <p:sp>
+        <p:nvSpPr>
+          <p:cNvPr id="37" name="Right Arrow 36"/>
+          <p:cNvSpPr/>
+          <p:nvPr/>
+        </p:nvSpPr>
+        <p:spPr>
+          <a:xfrm>
+            <a:off x="2305500" y="5710486"/>
+            <a:ext cx="1809300" cy="460209"/>
+          </a:xfrm>
+          <a:prstGeom prst="rightArrow">
+            <a:avLst/>
+          </a:prstGeom>
+        </p:spPr>
+        <p:style>
+          <a:lnRef idx="2">
+            <a:schemeClr val="accent1">
+              <a:shade val="50000"/>
+            </a:schemeClr>
+          </a:lnRef>
+          <a:fillRef idx="1">
+            <a:schemeClr val="accent1"/>
+          </a:fillRef>
+          <a:effectRef idx="0">
+            <a:schemeClr val="accent1"/>
+          </a:effectRef>
+          <a:fontRef idx="minor">
+            <a:schemeClr val="lt1"/>
+          </a:fontRef>
+        </p:style>
+        <p:txBody>
+          <a:bodyPr rtlCol="0" anchor="ctr"/>
+          <a:lstStyle/>
+          <a:p>
+            <a:pPr algn="ctr"/>
+            <a:endParaRPr lang="en-US"/>
+          </a:p>
+        </p:txBody>
+      </p:sp>
+      <p:sp>
+        <p:nvSpPr>
+          <p:cNvPr id="38" name="TextBox 37"/>
+          <p:cNvSpPr txBox="1"/>
+          <p:nvPr/>
+        </p:nvSpPr>
+        <p:spPr>
+          <a:xfrm>
+            <a:off x="4343400" y="5715000"/>
+            <a:ext cx="1957587" cy="461665"/>
+          </a:xfrm>
+          <a:prstGeom prst="rect">
+            <a:avLst/>
+          </a:prstGeom>
+          <a:noFill/>
+        </p:spPr>
+        <p:txBody>
+          <a:bodyPr wrap="none" rtlCol="0">
+            <a:spAutoFit/>
+          </a:bodyPr>
+          <a:lstStyle/>
+          <a:p>
+            <a:r>
+              <a:rPr lang="en-US" sz="2400" b="1" dirty="0" smtClean="0"/>
+              <a:t>Change room</a:t>
+            </a:r>
+            <a:endParaRPr lang="en-US" sz="2400" b="1" dirty="0"/>
+          </a:p>
+        </p:txBody>
+      </p:sp>
+    </p:spTree>
+    <p:extLst>
+      <p:ext uri="{BB962C8B-B14F-4D97-AF65-F5344CB8AC3E}">
+        <p14:creationId xmlns:p14="http://schemas.microsoft.com/office/powerpoint/2010/main" val="3617767589"/>
+      </p:ext>
+    </p:extLst>
+  </p:cSld>
+  <p:clrMapOvr>
+    <a:masterClrMapping/>
+  </p:clrMapOvr>
+  <p:timing>
+    <p:tnLst>
+      <p:par>
+        <p:cTn id="1" dur="indefinite" restart="never" nodeType="tmRoot">
+          <p:childTnLst>
+            <p:seq concurrent="1" nextAc="seek">
+              <p:cTn id="2" dur="indefinite" nodeType="mainSeq">
+                <p:childTnLst>
+                  <p:par>
+                    <p:cTn id="3" fill="hold">
+                      <p:stCondLst>
+                        <p:cond delay="indefinite"/>
+                      </p:stCondLst>
+                      <p:childTnLst>
+                        <p:par>
+                          <p:cTn id="4" fill="hold">
+                            <p:stCondLst>
+                              <p:cond delay="0"/>
+                            </p:stCondLst>
+                            <p:childTnLst>
+                              <p:par>
+                                <p:cTn id="5" presetID="53" presetClass="entr" presetSubtype="16" fill="hold" nodeType="clickEffect">
+                                  <p:stCondLst>
+                                    <p:cond delay="0"/>
+                                  </p:stCondLst>
+                                  <p:childTnLst>
+                                    <p:set>
+                                      <p:cBhvr>
+                                        <p:cTn id="6" dur="1" fill="hold">
+                                          <p:stCondLst>
+                                            <p:cond delay="0"/>
+                                          </p:stCondLst>
+                                        </p:cTn>
+                                        <p:tgtEl>
+                                          <p:spTgt spid="4"/>
+                                        </p:tgtEl>
+                                        <p:attrNameLst>
+                                          <p:attrName>style.visibility</p:attrName>
+                                        </p:attrNameLst>
+                                      </p:cBhvr>
+                                      <p:to>
+                                        <p:strVal val="visible"/>
+                                      </p:to>
+                                    </p:set>
+                                    <p:anim calcmode="lin" valueType="num">
+                                      <p:cBhvr>
+                                        <p:cTn id="7" dur="500" fill="hold"/>
+                                        <p:tgtEl>
+                                          <p:spTgt spid="4"/>
+                                        </p:tgtEl>
+                                        <p:attrNameLst>
+                                          <p:attrName>ppt_w</p:attrName>
+                                        </p:attrNameLst>
+                                      </p:cBhvr>
+                                      <p:tavLst>
+                                        <p:tav tm="0">
+                                          <p:val>
+                                            <p:fltVal val="0"/>
+                                          </p:val>
+                                        </p:tav>
+                                        <p:tav tm="100000">
+                                          <p:val>
+                                            <p:strVal val="#ppt_w"/>
+                                          </p:val>
+                                        </p:tav>
+                                      </p:tavLst>
+                                    </p:anim>
+                                    <p:anim calcmode="lin" valueType="num">
+                                      <p:cBhvr>
+                                        <p:cTn id="8" dur="500" fill="hold"/>
+                                        <p:tgtEl>
+                                          <p:spTgt spid="4"/>
+                                        </p:tgtEl>
+                                        <p:attrNameLst>
+                                          <p:attrName>ppt_h</p:attrName>
+                                        </p:attrNameLst>
+                                      </p:cBhvr>
+                                      <p:tavLst>
+                                        <p:tav tm="0">
+                                          <p:val>
+                                            <p:fltVal val="0"/>
+                                          </p:val>
+                                        </p:tav>
+                                        <p:tav tm="100000">
+                                          <p:val>
+                                            <p:strVal val="#ppt_h"/>
+                                          </p:val>
+                                        </p:tav>
+                                      </p:tavLst>
+                                    </p:anim>
+                                    <p:animEffect transition="in" filter="fade">
+                                      <p:cBhvr>
+                                        <p:cTn id="9" dur="500"/>
+                                        <p:tgtEl>
+                                          <p:spTgt spid="4"/>
+                                        </p:tgtEl>
+                                      </p:cBhvr>
+                                    </p:animEffect>
+                                  </p:childTnLst>
+                                </p:cTn>
+                              </p:par>
+                            </p:childTnLst>
+                          </p:cTn>
+                        </p:par>
+                      </p:childTnLst>
+                    </p:cTn>
+                  </p:par>
+                  <p:par>
+                    <p:cTn id="10" fill="hold">
+                      <p:stCondLst>
+                        <p:cond delay="indefinite"/>
+                      </p:stCondLst>
+                      <p:childTnLst>
+                        <p:par>
+                          <p:cTn id="11" fill="hold">
+                            <p:stCondLst>
+                              <p:cond delay="0"/>
+                            </p:stCondLst>
+                            <p:childTnLst>
+                              <p:par>
+                                <p:cTn id="12" presetID="6" presetClass="entr" presetSubtype="16" fill="hold" nodeType="clickEffect">
+                                  <p:stCondLst>
+                                    <p:cond delay="0"/>
+                                  </p:stCondLst>
+                                  <p:childTnLst>
+                                    <p:set>
+                                      <p:cBhvr>
+                                        <p:cTn id="13" dur="1" fill="hold">
+                                          <p:stCondLst>
+                                            <p:cond delay="0"/>
+                                          </p:stCondLst>
+                                        </p:cTn>
+                                        <p:tgtEl>
+                                          <p:spTgt spid="7"/>
+                                        </p:tgtEl>
+                                        <p:attrNameLst>
+                                          <p:attrName>style.visibility</p:attrName>
+                                        </p:attrNameLst>
+                                      </p:cBhvr>
+                                      <p:to>
+                                        <p:strVal val="visible"/>
+                                      </p:to>
+                                    </p:set>
+                                    <p:animEffect transition="in" filter="circle(in)">
+                                      <p:cBhvr>
+                                        <p:cTn id="14" dur="2000"/>
+                                        <p:tgtEl>
+                                          <p:spTgt spid="7"/>
+                                        </p:tgtEl>
+                                      </p:cBhvr>
+                                    </p:animEffect>
+                                  </p:childTnLst>
+                                </p:cTn>
+                              </p:par>
+                            </p:childTnLst>
+                          </p:cTn>
+                        </p:par>
+                      </p:childTnLst>
+                    </p:cTn>
+                  </p:par>
+                  <p:par>
+                    <p:cTn id="15" fill="hold">
+                      <p:stCondLst>
+                        <p:cond delay="indefinite"/>
+                      </p:stCondLst>
+                      <p:childTnLst>
+                        <p:par>
+                          <p:cTn id="16" fill="hold">
+                            <p:stCondLst>
+                              <p:cond delay="0"/>
+                            </p:stCondLst>
+                            <p:childTnLst>
+                              <p:par>
+                                <p:cTn id="17" presetID="63" presetClass="path" presetSubtype="0" accel="50000" decel="50000" fill="hold" nodeType="clickEffect">
+                                  <p:stCondLst>
+                                    <p:cond delay="0"/>
+                                  </p:stCondLst>
+                                  <p:childTnLst>
+                                    <p:animMotion origin="layout" path="M 4.44444E-6 0 L 0.12361 -0.00139 " pathEditMode="relative" rAng="0" ptsTypes="AA">
+                                      <p:cBhvr>
+                                        <p:cTn id="18" dur="1300" fill="hold"/>
+                                        <p:tgtEl>
+                                          <p:spTgt spid="7"/>
+                                        </p:tgtEl>
+                                        <p:attrNameLst>
+                                          <p:attrName>ppt_x</p:attrName>
+                                          <p:attrName>ppt_y</p:attrName>
+                                        </p:attrNameLst>
+                                      </p:cBhvr>
+                                      <p:rCtr x="6181" y="-69"/>
+                                    </p:animMotion>
+                                  </p:childTnLst>
+                                </p:cTn>
+                              </p:par>
+                            </p:childTnLst>
+                          </p:cTn>
+                        </p:par>
+                      </p:childTnLst>
+                    </p:cTn>
+                  </p:par>
+                </p:childTnLst>
+              </p:cTn>
+              <p:prevCondLst>
+                <p:cond evt="onPrev" delay="0">
+                  <p:tgtEl>
+                    <p:sldTgt/>
+                  </p:tgtEl>
+                </p:cond>
+              </p:prevCondLst>
+              <p:nextCondLst>
+                <p:cond evt="onNext" delay="0">
+                  <p:tgtEl>
+                    <p:sldTgt/>
+                  </p:tgtEl>
+                </p:cond>
+              </p:nextCondLst>
+            </p:seq>
+          </p:childTnLst>
+        </p:cTn>
+      </p:par>
+    </p:tnLst>
+  </p:timing>
+</p:sld>
+</file>
+
+<file path=ppt/slides/slide12.xml><?xml version="1.0" encoding="utf-8"?>
+<p:sld xmlns:a="http://schemas.openxmlformats.org/drawingml/2006/main" xmlns:r="http://schemas.openxmlformats.org/officeDocument/2006/relationships" xmlns:p="http://schemas.openxmlformats.org/presentationml/2006/main" showMasterSp="0">
+  <p:cSld>
+    <p:spTree>
+      <p:nvGrpSpPr>
+        <p:cNvPr id="1" name=""/>
+        <p:cNvGrpSpPr/>
+        <p:nvPr/>
+      </p:nvGrpSpPr>
+      <p:grpSpPr>
+        <a:xfrm>
+          <a:off x="0" y="0"/>
+          <a:ext cx="0" cy="0"/>
+          <a:chOff x="0" y="0"/>
+          <a:chExt cx="0" cy="0"/>
+        </a:xfrm>
+      </p:grpSpPr>
+      <p:sp>
+        <p:nvSpPr>
+          <p:cNvPr id="4" name="TextBox 3"/>
+          <p:cNvSpPr txBox="1"/>
+          <p:nvPr/>
+        </p:nvSpPr>
+        <p:spPr>
+          <a:xfrm>
+            <a:off x="304800" y="304800"/>
+            <a:ext cx="4459298" cy="400110"/>
+          </a:xfrm>
+          <a:prstGeom prst="rect">
+            <a:avLst/>
+          </a:prstGeom>
+          <a:noFill/>
+        </p:spPr>
+        <p:txBody>
+          <a:bodyPr wrap="none" rtlCol="0">
+            <a:spAutoFit/>
+          </a:bodyPr>
+          <a:lstStyle/>
+          <a:p>
+            <a:r>
+              <a:rPr lang="en-US" sz="2000" b="1" dirty="0" smtClean="0">
+                <a:latin typeface="Cambria" pitchFamily="18" charset="0"/>
+              </a:rPr>
+              <a:t>3. Get all schedule and change room:</a:t>
+            </a:r>
+            <a:endParaRPr lang="en-US" sz="2000" b="1" dirty="0">
+              <a:latin typeface="Cambria" pitchFamily="18" charset="0"/>
+            </a:endParaRPr>
+          </a:p>
+        </p:txBody>
+      </p:sp>
+      <p:pic>
+        <p:nvPicPr>
+          <p:cNvPr id="5" name="Picture 4"/>
+          <p:cNvPicPr>
+            <a:picLocks noChangeAspect="1"/>
+          </p:cNvPicPr>
+          <p:nvPr/>
+        </p:nvPicPr>
+        <p:blipFill>
+          <a:blip r:embed="rId2"/>
+          <a:stretch>
+            <a:fillRect/>
+          </a:stretch>
+        </p:blipFill>
+        <p:spPr>
+          <a:xfrm>
+            <a:off x="7248371" y="1233845"/>
+            <a:ext cx="1695286" cy="2952690"/>
+          </a:xfrm>
+          <a:prstGeom prst="rect">
+            <a:avLst/>
+          </a:prstGeom>
+        </p:spPr>
+      </p:pic>
+      <p:pic>
+        <p:nvPicPr>
+          <p:cNvPr id="6" name="Picture 5"/>
+          <p:cNvPicPr>
+            <a:picLocks noChangeAspect="1"/>
+          </p:cNvPicPr>
+          <p:nvPr/>
+        </p:nvPicPr>
+        <p:blipFill>
+          <a:blip r:embed="rId3"/>
+          <a:stretch>
+            <a:fillRect/>
+          </a:stretch>
+        </p:blipFill>
+        <p:spPr>
+          <a:xfrm>
+            <a:off x="3962400" y="1233845"/>
+            <a:ext cx="1761971" cy="2952690"/>
+          </a:xfrm>
+          <a:prstGeom prst="rect">
+            <a:avLst/>
+          </a:prstGeom>
+        </p:spPr>
+      </p:pic>
+      <p:pic>
+        <p:nvPicPr>
+          <p:cNvPr id="7" name="Picture 6"/>
+          <p:cNvPicPr>
+            <a:picLocks noChangeAspect="1"/>
+          </p:cNvPicPr>
+          <p:nvPr/>
+        </p:nvPicPr>
+        <p:blipFill>
+          <a:blip r:embed="rId4"/>
+          <a:stretch>
+            <a:fillRect/>
+          </a:stretch>
+        </p:blipFill>
+        <p:spPr>
+          <a:xfrm>
+            <a:off x="735479" y="1233845"/>
+            <a:ext cx="1702921" cy="2952690"/>
+          </a:xfrm>
+          <a:prstGeom prst="rect">
+            <a:avLst/>
+          </a:prstGeom>
+        </p:spPr>
+      </p:pic>
+      <p:sp>
+        <p:nvSpPr>
+          <p:cNvPr id="8" name="TextBox 7"/>
+          <p:cNvSpPr txBox="1"/>
+          <p:nvPr/>
+        </p:nvSpPr>
+        <p:spPr>
+          <a:xfrm>
+            <a:off x="1915019" y="4948535"/>
+            <a:ext cx="2542684" cy="369332"/>
+          </a:xfrm>
+          <a:prstGeom prst="rect">
+            <a:avLst/>
+          </a:prstGeom>
+          <a:noFill/>
+        </p:spPr>
+        <p:txBody>
+          <a:bodyPr wrap="none" rtlCol="0">
+            <a:spAutoFit/>
+          </a:bodyPr>
+          <a:lstStyle/>
+          <a:p>
+            <a:r>
+              <a:rPr lang="en-US" dirty="0" smtClean="0"/>
+              <a:t>Find available classroom</a:t>
+            </a:r>
+            <a:endParaRPr lang="en-US" dirty="0"/>
+          </a:p>
+        </p:txBody>
+      </p:sp>
+      <p:sp>
+        <p:nvSpPr>
+          <p:cNvPr id="9" name="TextBox 8"/>
+          <p:cNvSpPr txBox="1"/>
+          <p:nvPr/>
+        </p:nvSpPr>
+        <p:spPr>
+          <a:xfrm>
+            <a:off x="2438400" y="5590401"/>
+            <a:ext cx="1495922" cy="369332"/>
+          </a:xfrm>
+          <a:prstGeom prst="rect">
+            <a:avLst/>
+          </a:prstGeom>
+          <a:noFill/>
+        </p:spPr>
+        <p:txBody>
+          <a:bodyPr wrap="none" rtlCol="0">
+            <a:spAutoFit/>
+          </a:bodyPr>
+          <a:lstStyle/>
+          <a:p>
+            <a:r>
+              <a:rPr lang="en-US" dirty="0" smtClean="0"/>
+              <a:t>Change room</a:t>
+            </a:r>
+          </a:p>
+        </p:txBody>
+      </p:sp>
+      <p:cxnSp>
+        <p:nvCxnSpPr>
+          <p:cNvPr id="11" name="Straight Arrow Connector 10"/>
+          <p:cNvCxnSpPr>
+            <a:stCxn id="7" idx="2"/>
+            <a:endCxn id="8" idx="0"/>
+          </p:cNvCxnSpPr>
+          <p:nvPr/>
+        </p:nvCxnSpPr>
+        <p:spPr>
+          <a:xfrm>
+            <a:off x="1586940" y="4186535"/>
+            <a:ext cx="1599421" cy="762000"/>
+          </a:xfrm>
+          <a:prstGeom prst="straightConnector1">
+            <a:avLst/>
+          </a:prstGeom>
+          <a:ln>
+            <a:tailEnd type="triangle"/>
+          </a:ln>
+        </p:spPr>
+        <p:style>
+          <a:lnRef idx="1">
+            <a:schemeClr val="accent1"/>
+          </a:lnRef>
+          <a:fillRef idx="0">
+            <a:schemeClr val="accent1"/>
+          </a:fillRef>
+          <a:effectRef idx="0">
+            <a:schemeClr val="accent1"/>
+          </a:effectRef>
+          <a:fontRef idx="minor">
+            <a:schemeClr val="tx1"/>
+          </a:fontRef>
+        </p:style>
+      </p:cxnSp>
+      <p:cxnSp>
+        <p:nvCxnSpPr>
+          <p:cNvPr id="13" name="Straight Arrow Connector 12"/>
+          <p:cNvCxnSpPr>
+            <a:stCxn id="6" idx="2"/>
+            <a:endCxn id="8" idx="0"/>
+          </p:cNvCxnSpPr>
+          <p:nvPr/>
+        </p:nvCxnSpPr>
+        <p:spPr>
+          <a:xfrm flipH="1">
+            <a:off x="3186361" y="4186535"/>
+            <a:ext cx="1657025" cy="762000"/>
+          </a:xfrm>
+          <a:prstGeom prst="straightConnector1">
+            <a:avLst/>
+          </a:prstGeom>
+          <a:ln>
+            <a:tailEnd type="triangle"/>
+          </a:ln>
+        </p:spPr>
+        <p:style>
+          <a:lnRef idx="1">
+            <a:schemeClr val="accent1"/>
+          </a:lnRef>
+          <a:fillRef idx="0">
+            <a:schemeClr val="accent1"/>
+          </a:fillRef>
+          <a:effectRef idx="0">
+            <a:schemeClr val="accent1"/>
+          </a:effectRef>
+          <a:fontRef idx="minor">
+            <a:schemeClr val="tx1"/>
+          </a:fontRef>
+        </p:style>
+      </p:cxnSp>
+      <p:cxnSp>
+        <p:nvCxnSpPr>
+          <p:cNvPr id="15" name="Straight Arrow Connector 14"/>
+          <p:cNvCxnSpPr>
+            <a:stCxn id="8" idx="2"/>
+            <a:endCxn id="9" idx="0"/>
+          </p:cNvCxnSpPr>
+          <p:nvPr/>
+        </p:nvCxnSpPr>
+        <p:spPr>
+          <a:xfrm>
+            <a:off x="3186361" y="5317867"/>
+            <a:ext cx="0" cy="272534"/>
+          </a:xfrm>
+          <a:prstGeom prst="straightConnector1">
+            <a:avLst/>
+          </a:prstGeom>
+          <a:ln>
+            <a:tailEnd type="triangle"/>
+          </a:ln>
+        </p:spPr>
+        <p:style>
+          <a:lnRef idx="1">
+            <a:schemeClr val="accent1"/>
+          </a:lnRef>
+          <a:fillRef idx="0">
+            <a:schemeClr val="accent1"/>
+          </a:fillRef>
+          <a:effectRef idx="0">
+            <a:schemeClr val="accent1"/>
+          </a:effectRef>
+          <a:fontRef idx="minor">
+            <a:schemeClr val="tx1"/>
+          </a:fontRef>
+        </p:style>
+      </p:cxnSp>
+      <p:pic>
+        <p:nvPicPr>
+          <p:cNvPr id="16" name="Picture 15"/>
+          <p:cNvPicPr>
+            <a:picLocks noChangeAspect="1"/>
+          </p:cNvPicPr>
+          <p:nvPr/>
+        </p:nvPicPr>
+        <p:blipFill>
+          <a:blip r:embed="rId5">
+            <a:extLst>
+              <a:ext uri="{28A0092B-C50C-407E-A947-70E740481C1C}">
+                <a14:useLocalDpi xmlns:a14="http://schemas.microsoft.com/office/drawing/2010/main" val="0"/>
+              </a:ext>
+            </a:extLst>
+          </a:blip>
+          <a:stretch>
+            <a:fillRect/>
+          </a:stretch>
+        </p:blipFill>
+        <p:spPr>
+          <a:xfrm>
+            <a:off x="7462442" y="4659868"/>
+            <a:ext cx="1267143" cy="1588532"/>
+          </a:xfrm>
+          <a:prstGeom prst="rect">
+            <a:avLst/>
+          </a:prstGeom>
+        </p:spPr>
+      </p:pic>
+    </p:spTree>
+    <p:extLst>
+      <p:ext uri="{BB962C8B-B14F-4D97-AF65-F5344CB8AC3E}">
+        <p14:creationId xmlns:p14="http://schemas.microsoft.com/office/powerpoint/2010/main" val="1770771828"/>
+      </p:ext>
+    </p:extLst>
+  </p:cSld>
+  <p:clrMapOvr>
+    <a:masterClrMapping/>
+  </p:clrMapOvr>
+</p:sld>
+</file>
+
+<file path=ppt/slides/slide13.xml><?xml version="1.0" encoding="utf-8"?>
+<p:sld xmlns:a="http://schemas.openxmlformats.org/drawingml/2006/main" xmlns:r="http://schemas.openxmlformats.org/officeDocument/2006/relationships" xmlns:p="http://schemas.openxmlformats.org/presentationml/2006/main" showMasterSp="0">
+  <p:cSld>
+    <p:spTree>
+      <p:nvGrpSpPr>
+        <p:cNvPr id="1" name=""/>
+        <p:cNvGrpSpPr/>
+        <p:nvPr/>
+      </p:nvGrpSpPr>
+      <p:grpSpPr>
+        <a:xfrm>
+          <a:off x="0" y="0"/>
+          <a:ext cx="0" cy="0"/>
+          <a:chOff x="0" y="0"/>
+          <a:chExt cx="0" cy="0"/>
+        </a:xfrm>
+      </p:grpSpPr>
+      <p:sp>
+        <p:nvSpPr>
+          <p:cNvPr id="4" name="TextBox 3"/>
+          <p:cNvSpPr txBox="1"/>
+          <p:nvPr/>
+        </p:nvSpPr>
+        <p:spPr>
+          <a:xfrm>
+            <a:off x="304800" y="304800"/>
+            <a:ext cx="3094309" cy="400110"/>
+          </a:xfrm>
+          <a:prstGeom prst="rect">
+            <a:avLst/>
+          </a:prstGeom>
+          <a:noFill/>
+        </p:spPr>
+        <p:txBody>
+          <a:bodyPr wrap="none" rtlCol="0">
+            <a:spAutoFit/>
+          </a:bodyPr>
+          <a:lstStyle/>
+          <a:p>
+            <a:r>
+              <a:rPr lang="en-US" sz="2000" b="1" dirty="0" smtClean="0">
+                <a:latin typeface="Cambria" pitchFamily="18" charset="0"/>
+              </a:rPr>
+              <a:t>Find available classroom</a:t>
+            </a:r>
+          </a:p>
+        </p:txBody>
+      </p:sp>
+      <p:pic>
+        <p:nvPicPr>
+          <p:cNvPr id="6" name="Picture 5"/>
+          <p:cNvPicPr>
+            <a:picLocks noChangeAspect="1"/>
+          </p:cNvPicPr>
+          <p:nvPr/>
+        </p:nvPicPr>
+        <p:blipFill>
+          <a:blip r:embed="rId2">
+            <a:extLst>
+              <a:ext uri="{28A0092B-C50C-407E-A947-70E740481C1C}">
+                <a14:useLocalDpi xmlns:a14="http://schemas.microsoft.com/office/drawing/2010/main" val="0"/>
+              </a:ext>
+            </a:extLst>
+          </a:blip>
+          <a:stretch>
+            <a:fillRect/>
+          </a:stretch>
+        </p:blipFill>
+        <p:spPr>
+          <a:xfrm>
+            <a:off x="304800" y="704910"/>
+            <a:ext cx="1229604" cy="1019995"/>
+          </a:xfrm>
+          <a:prstGeom prst="rect">
+            <a:avLst/>
+          </a:prstGeom>
+        </p:spPr>
+      </p:pic>
+      <p:sp>
+        <p:nvSpPr>
+          <p:cNvPr id="7" name="TextBox 6"/>
+          <p:cNvSpPr txBox="1"/>
+          <p:nvPr/>
+        </p:nvSpPr>
+        <p:spPr>
+          <a:xfrm>
+            <a:off x="1676400" y="845575"/>
+            <a:ext cx="2249334" cy="369332"/>
+          </a:xfrm>
+          <a:prstGeom prst="rect">
+            <a:avLst/>
+          </a:prstGeom>
+          <a:noFill/>
+        </p:spPr>
+        <p:txBody>
+          <a:bodyPr wrap="none" rtlCol="0">
+            <a:spAutoFit/>
+          </a:bodyPr>
+          <a:lstStyle/>
+          <a:p>
+            <a:r>
+              <a:rPr lang="en-US" dirty="0" smtClean="0"/>
+              <a:t>Classroom name: 205</a:t>
+            </a:r>
+            <a:endParaRPr lang="en-US" dirty="0"/>
+          </a:p>
+        </p:txBody>
+      </p:sp>
+      <p:sp>
+        <p:nvSpPr>
+          <p:cNvPr id="8" name="TextBox 7"/>
+          <p:cNvSpPr txBox="1"/>
+          <p:nvPr/>
+        </p:nvSpPr>
+        <p:spPr>
+          <a:xfrm>
+            <a:off x="1692442" y="1355572"/>
+            <a:ext cx="2226892" cy="369332"/>
+          </a:xfrm>
+          <a:prstGeom prst="rect">
+            <a:avLst/>
+          </a:prstGeom>
+          <a:noFill/>
+        </p:spPr>
+        <p:txBody>
+          <a:bodyPr wrap="none" rtlCol="0">
+            <a:spAutoFit/>
+          </a:bodyPr>
+          <a:lstStyle/>
+          <a:p>
+            <a:r>
+              <a:rPr lang="en-US" dirty="0" smtClean="0"/>
+              <a:t>Room type: “25 </a:t>
+            </a:r>
+            <a:r>
+              <a:rPr lang="en-US" dirty="0" err="1" smtClean="0"/>
+              <a:t>chỗ</a:t>
+            </a:r>
+            <a:r>
+              <a:rPr lang="en-US" dirty="0" smtClean="0"/>
+              <a:t>”</a:t>
+            </a:r>
+            <a:endParaRPr lang="en-US" dirty="0"/>
+          </a:p>
+        </p:txBody>
+      </p:sp>
+      <p:graphicFrame>
+        <p:nvGraphicFramePr>
+          <p:cNvPr id="9" name="Table 8"/>
+          <p:cNvGraphicFramePr>
+            <a:graphicFrameLocks noGrp="1"/>
+          </p:cNvGraphicFramePr>
+          <p:nvPr>
+            <p:extLst>
+              <p:ext uri="{D42A27DB-BD31-4B8C-83A1-F6EECF244321}">
+                <p14:modId xmlns:p14="http://schemas.microsoft.com/office/powerpoint/2010/main" val="841764626"/>
+              </p:ext>
+            </p:extLst>
+          </p:nvPr>
+        </p:nvGraphicFramePr>
+        <p:xfrm>
+          <a:off x="533400" y="2057400"/>
+          <a:ext cx="838200" cy="2595880"/>
+        </p:xfrm>
+        <a:graphic>
+          <a:graphicData uri="http://schemas.openxmlformats.org/drawingml/2006/table">
+            <a:tbl>
+              <a:tblPr firstRow="1" bandRow="1">
+                <a:tableStyleId>{5940675A-B579-460E-94D1-54222C63F5DA}</a:tableStyleId>
+              </a:tblPr>
+              <a:tblGrid>
+                <a:gridCol w="838200"/>
+              </a:tblGrid>
+              <a:tr h="370840">
+                <a:tc>
+                  <a:txBody>
+                    <a:bodyPr/>
+                    <a:lstStyle/>
+                    <a:p>
+                      <a:pPr algn="ctr"/>
+                      <a:r>
+                        <a:rPr lang="en-US" dirty="0" smtClean="0"/>
+                        <a:t>202</a:t>
+                      </a:r>
+                      <a:endParaRPr lang="en-US" dirty="0"/>
+                    </a:p>
+                  </a:txBody>
+                  <a:tcPr/>
+                </a:tc>
+              </a:tr>
+              <a:tr h="370840">
+                <a:tc>
+                  <a:txBody>
+                    <a:bodyPr/>
+                    <a:lstStyle/>
+                    <a:p>
+                      <a:pPr algn="ctr"/>
+                      <a:r>
+                        <a:rPr lang="en-US" dirty="0" smtClean="0"/>
+                        <a:t>303</a:t>
+                      </a:r>
+                      <a:endParaRPr lang="en-US" dirty="0"/>
+                    </a:p>
+                  </a:txBody>
+                  <a:tcPr/>
+                </a:tc>
+              </a:tr>
+              <a:tr h="370840">
+                <a:tc>
+                  <a:txBody>
+                    <a:bodyPr/>
+                    <a:lstStyle/>
+                    <a:p>
+                      <a:pPr algn="ctr"/>
+                      <a:r>
+                        <a:rPr lang="en-US" dirty="0" smtClean="0"/>
+                        <a:t>201</a:t>
+                      </a:r>
+                      <a:endParaRPr lang="en-US" dirty="0"/>
+                    </a:p>
+                  </a:txBody>
+                  <a:tcPr/>
+                </a:tc>
+              </a:tr>
+              <a:tr h="370840">
+                <a:tc>
+                  <a:txBody>
+                    <a:bodyPr/>
+                    <a:lstStyle/>
+                    <a:p>
+                      <a:pPr algn="ctr"/>
+                      <a:r>
+                        <a:rPr lang="en-US" dirty="0" smtClean="0"/>
+                        <a:t>301</a:t>
+                      </a:r>
+                      <a:endParaRPr lang="en-US" dirty="0"/>
+                    </a:p>
+                  </a:txBody>
+                  <a:tcPr/>
+                </a:tc>
+              </a:tr>
+              <a:tr h="370840">
+                <a:tc>
+                  <a:txBody>
+                    <a:bodyPr/>
+                    <a:lstStyle/>
+                    <a:p>
+                      <a:pPr algn="ctr"/>
+                      <a:r>
+                        <a:rPr lang="en-US" dirty="0" smtClean="0"/>
+                        <a:t>402</a:t>
+                      </a:r>
+                      <a:endParaRPr lang="en-US" dirty="0"/>
+                    </a:p>
+                  </a:txBody>
+                  <a:tcPr/>
+                </a:tc>
+              </a:tr>
+              <a:tr h="370840">
+                <a:tc>
+                  <a:txBody>
+                    <a:bodyPr/>
+                    <a:lstStyle/>
+                    <a:p>
+                      <a:pPr algn="ctr"/>
+                      <a:r>
+                        <a:rPr lang="en-US" dirty="0" smtClean="0"/>
+                        <a:t>101</a:t>
+                      </a:r>
+                      <a:endParaRPr lang="en-US" dirty="0"/>
+                    </a:p>
+                  </a:txBody>
+                  <a:tcPr/>
+                </a:tc>
+              </a:tr>
+              <a:tr h="370840">
+                <a:tc>
+                  <a:txBody>
+                    <a:bodyPr/>
+                    <a:lstStyle/>
+                    <a:p>
+                      <a:pPr algn="ctr"/>
+                      <a:r>
+                        <a:rPr lang="en-US" dirty="0" smtClean="0"/>
+                        <a:t>503</a:t>
+                      </a:r>
+                      <a:endParaRPr lang="en-US" dirty="0"/>
+                    </a:p>
+                  </a:txBody>
+                  <a:tcPr/>
+                </a:tc>
+              </a:tr>
+            </a:tbl>
+          </a:graphicData>
+        </a:graphic>
+      </p:graphicFrame>
+      <p:sp>
+        <p:nvSpPr>
+          <p:cNvPr id="10" name="TextBox 9"/>
+          <p:cNvSpPr txBox="1"/>
+          <p:nvPr/>
+        </p:nvSpPr>
+        <p:spPr>
+          <a:xfrm>
+            <a:off x="0" y="4800600"/>
+            <a:ext cx="2517036" cy="369332"/>
+          </a:xfrm>
+          <a:prstGeom prst="rect">
+            <a:avLst/>
+          </a:prstGeom>
+          <a:noFill/>
+        </p:spPr>
+        <p:txBody>
+          <a:bodyPr wrap="none" rtlCol="0">
+            <a:spAutoFit/>
+          </a:bodyPr>
+          <a:lstStyle/>
+          <a:p>
+            <a:r>
+              <a:rPr lang="en-US" dirty="0" smtClean="0"/>
+              <a:t>Undamaged classrooms</a:t>
+            </a:r>
+            <a:endParaRPr lang="en-US" dirty="0"/>
+          </a:p>
+        </p:txBody>
+      </p:sp>
+      <p:graphicFrame>
+        <p:nvGraphicFramePr>
+          <p:cNvPr id="11" name="Table 10"/>
+          <p:cNvGraphicFramePr>
+            <a:graphicFrameLocks noGrp="1"/>
+          </p:cNvGraphicFramePr>
+          <p:nvPr>
+            <p:extLst>
+              <p:ext uri="{D42A27DB-BD31-4B8C-83A1-F6EECF244321}">
+                <p14:modId xmlns:p14="http://schemas.microsoft.com/office/powerpoint/2010/main" val="4286472939"/>
+              </p:ext>
+            </p:extLst>
+          </p:nvPr>
+        </p:nvGraphicFramePr>
+        <p:xfrm>
+          <a:off x="3365581" y="2052320"/>
+          <a:ext cx="838200" cy="2595880"/>
+        </p:xfrm>
+        <a:graphic>
+          <a:graphicData uri="http://schemas.openxmlformats.org/drawingml/2006/table">
+            <a:tbl>
+              <a:tblPr firstRow="1" bandRow="1">
+                <a:tableStyleId>{5940675A-B579-460E-94D1-54222C63F5DA}</a:tableStyleId>
+              </a:tblPr>
+              <a:tblGrid>
+                <a:gridCol w="838200"/>
+              </a:tblGrid>
+              <a:tr h="370840">
+                <a:tc>
+                  <a:txBody>
+                    <a:bodyPr/>
+                    <a:lstStyle/>
+                    <a:p>
+                      <a:pPr algn="ctr"/>
+                      <a:r>
+                        <a:rPr lang="en-US" dirty="0" smtClean="0"/>
+                        <a:t>201</a:t>
+                      </a:r>
+                      <a:endParaRPr lang="en-US" dirty="0"/>
+                    </a:p>
+                  </a:txBody>
+                  <a:tcPr/>
+                </a:tc>
+              </a:tr>
+              <a:tr h="370840">
+                <a:tc>
+                  <a:txBody>
+                    <a:bodyPr/>
+                    <a:lstStyle/>
+                    <a:p>
+                      <a:pPr algn="ctr"/>
+                      <a:r>
+                        <a:rPr lang="en-US" dirty="0" smtClean="0"/>
+                        <a:t>202</a:t>
+                      </a:r>
+                      <a:endParaRPr lang="en-US" dirty="0"/>
+                    </a:p>
+                  </a:txBody>
+                  <a:tcPr/>
+                </a:tc>
+              </a:tr>
+              <a:tr h="370840">
+                <a:tc>
+                  <a:txBody>
+                    <a:bodyPr/>
+                    <a:lstStyle/>
+                    <a:p>
+                      <a:pPr algn="ctr"/>
+                      <a:r>
+                        <a:rPr lang="en-US" dirty="0" smtClean="0"/>
+                        <a:t>101</a:t>
+                      </a:r>
+                      <a:endParaRPr lang="en-US" dirty="0"/>
+                    </a:p>
+                  </a:txBody>
+                  <a:tcPr/>
+                </a:tc>
+              </a:tr>
+              <a:tr h="370840">
+                <a:tc>
+                  <a:txBody>
+                    <a:bodyPr/>
+                    <a:lstStyle/>
+                    <a:p>
+                      <a:pPr algn="ctr"/>
+                      <a:r>
+                        <a:rPr lang="en-US" dirty="0" smtClean="0"/>
+                        <a:t>301</a:t>
+                      </a:r>
+                      <a:endParaRPr lang="en-US" dirty="0"/>
+                    </a:p>
+                  </a:txBody>
+                  <a:tcPr/>
+                </a:tc>
+              </a:tr>
+              <a:tr h="370840">
+                <a:tc>
+                  <a:txBody>
+                    <a:bodyPr/>
+                    <a:lstStyle/>
+                    <a:p>
+                      <a:pPr algn="ctr"/>
+                      <a:r>
+                        <a:rPr lang="en-US" dirty="0" smtClean="0"/>
+                        <a:t>303</a:t>
+                      </a:r>
+                      <a:endParaRPr lang="en-US" dirty="0"/>
+                    </a:p>
+                  </a:txBody>
+                  <a:tcPr/>
+                </a:tc>
+              </a:tr>
+              <a:tr h="370840">
+                <a:tc>
+                  <a:txBody>
+                    <a:bodyPr/>
+                    <a:lstStyle/>
+                    <a:p>
+                      <a:pPr algn="ctr"/>
+                      <a:r>
+                        <a:rPr lang="en-US" dirty="0" smtClean="0"/>
+                        <a:t>402</a:t>
+                      </a:r>
+                      <a:endParaRPr lang="en-US" dirty="0"/>
+                    </a:p>
+                  </a:txBody>
+                  <a:tcPr/>
+                </a:tc>
+              </a:tr>
+              <a:tr h="370840">
+                <a:tc>
+                  <a:txBody>
+                    <a:bodyPr/>
+                    <a:lstStyle/>
+                    <a:p>
+                      <a:pPr algn="ctr"/>
+                      <a:r>
+                        <a:rPr lang="en-US" dirty="0" smtClean="0"/>
+                        <a:t>503</a:t>
+                      </a:r>
+                      <a:endParaRPr lang="en-US" dirty="0"/>
+                    </a:p>
+                  </a:txBody>
+                  <a:tcPr/>
+                </a:tc>
+              </a:tr>
+            </a:tbl>
+          </a:graphicData>
+        </a:graphic>
+      </p:graphicFrame>
+      <p:cxnSp>
+        <p:nvCxnSpPr>
+          <p:cNvPr id="13" name="Straight Arrow Connector 12"/>
+          <p:cNvCxnSpPr/>
+          <p:nvPr/>
+        </p:nvCxnSpPr>
+        <p:spPr>
+          <a:xfrm>
+            <a:off x="1371600" y="3200400"/>
+            <a:ext cx="2027509" cy="0"/>
+          </a:xfrm>
+          <a:prstGeom prst="straightConnector1">
+            <a:avLst/>
+          </a:prstGeom>
+          <a:ln>
+            <a:tailEnd type="triangle"/>
+          </a:ln>
+        </p:spPr>
+        <p:style>
+          <a:lnRef idx="1">
+            <a:schemeClr val="accent1"/>
+          </a:lnRef>
+          <a:fillRef idx="0">
+            <a:schemeClr val="accent1"/>
+          </a:fillRef>
+          <a:effectRef idx="0">
+            <a:schemeClr val="accent1"/>
+          </a:effectRef>
+          <a:fontRef idx="minor">
+            <a:schemeClr val="tx1"/>
+          </a:fontRef>
+        </p:style>
+      </p:cxnSp>
+      <p:sp>
+        <p:nvSpPr>
+          <p:cNvPr id="14" name="TextBox 13"/>
+          <p:cNvSpPr txBox="1"/>
+          <p:nvPr/>
+        </p:nvSpPr>
+        <p:spPr>
+          <a:xfrm>
+            <a:off x="1981200" y="2893421"/>
+            <a:ext cx="596638" cy="369332"/>
+          </a:xfrm>
+          <a:prstGeom prst="rect">
+            <a:avLst/>
+          </a:prstGeom>
+          <a:noFill/>
+        </p:spPr>
+        <p:txBody>
+          <a:bodyPr wrap="none" rtlCol="0">
+            <a:spAutoFit/>
+          </a:bodyPr>
+          <a:lstStyle/>
+          <a:p>
+            <a:r>
+              <a:rPr lang="en-US" dirty="0" smtClean="0"/>
+              <a:t>Sort</a:t>
+            </a:r>
+            <a:endParaRPr lang="en-US" dirty="0"/>
+          </a:p>
+        </p:txBody>
+      </p:sp>
+      <p:graphicFrame>
+        <p:nvGraphicFramePr>
+          <p:cNvPr id="15" name="Table 14"/>
+          <p:cNvGraphicFramePr>
+            <a:graphicFrameLocks noGrp="1"/>
+          </p:cNvGraphicFramePr>
+          <p:nvPr>
+            <p:extLst>
+              <p:ext uri="{D42A27DB-BD31-4B8C-83A1-F6EECF244321}">
+                <p14:modId xmlns:p14="http://schemas.microsoft.com/office/powerpoint/2010/main" val="1207280311"/>
+              </p:ext>
+            </p:extLst>
+          </p:nvPr>
+        </p:nvGraphicFramePr>
+        <p:xfrm>
+          <a:off x="6897833" y="2103312"/>
+          <a:ext cx="838200" cy="2595880"/>
+        </p:xfrm>
+        <a:graphic>
+          <a:graphicData uri="http://schemas.openxmlformats.org/drawingml/2006/table">
+            <a:tbl>
+              <a:tblPr firstRow="1" bandRow="1">
+                <a:tableStyleId>{5940675A-B579-460E-94D1-54222C63F5DA}</a:tableStyleId>
+              </a:tblPr>
+              <a:tblGrid>
+                <a:gridCol w="838200"/>
+              </a:tblGrid>
+              <a:tr h="370840">
+                <a:tc>
+                  <a:txBody>
+                    <a:bodyPr/>
+                    <a:lstStyle/>
+                    <a:p>
+                      <a:pPr marL="0" marR="0" indent="0" algn="ctr" defTabSz="914400" rtl="0" eaLnBrk="1" fontAlgn="auto" latinLnBrk="0" hangingPunct="1">
+                        <a:lnSpc>
+                          <a:spcPct val="100000"/>
+                        </a:lnSpc>
+                        <a:spcBef>
+                          <a:spcPts val="0"/>
+                        </a:spcBef>
+                        <a:spcAft>
+                          <a:spcPts val="0"/>
+                        </a:spcAft>
+                        <a:buClrTx/>
+                        <a:buSzTx/>
+                        <a:buFontTx/>
+                        <a:buNone/>
+                        <a:tabLst/>
+                        <a:defRPr/>
+                      </a:pPr>
+                      <a:r>
+                        <a:rPr lang="en-US" dirty="0" smtClean="0"/>
+                        <a:t>101</a:t>
+                      </a:r>
+                    </a:p>
+                  </a:txBody>
+                  <a:tcPr/>
+                </a:tc>
+              </a:tr>
+              <a:tr h="370840">
+                <a:tc>
+                  <a:txBody>
+                    <a:bodyPr/>
+                    <a:lstStyle/>
+                    <a:p>
+                      <a:pPr algn="ctr"/>
+                      <a:r>
+                        <a:rPr lang="en-US" dirty="0" smtClean="0"/>
+                        <a:t>201</a:t>
+                      </a:r>
+                      <a:endParaRPr lang="en-US" dirty="0"/>
+                    </a:p>
+                  </a:txBody>
+                  <a:tcPr/>
+                </a:tc>
+              </a:tr>
+              <a:tr h="370840">
+                <a:tc>
+                  <a:txBody>
+                    <a:bodyPr/>
+                    <a:lstStyle/>
+                    <a:p>
+                      <a:pPr algn="ctr"/>
+                      <a:r>
+                        <a:rPr lang="en-US" dirty="0" smtClean="0"/>
+                        <a:t>202</a:t>
+                      </a:r>
+                      <a:endParaRPr lang="en-US" dirty="0"/>
+                    </a:p>
+                  </a:txBody>
+                  <a:tcPr/>
+                </a:tc>
+              </a:tr>
+              <a:tr h="370840">
+                <a:tc>
+                  <a:txBody>
+                    <a:bodyPr/>
+                    <a:lstStyle/>
+                    <a:p>
+                      <a:pPr algn="ctr"/>
+                      <a:r>
+                        <a:rPr lang="en-US" dirty="0" smtClean="0"/>
+                        <a:t>301</a:t>
+                      </a:r>
+                      <a:endParaRPr lang="en-US" dirty="0"/>
+                    </a:p>
+                  </a:txBody>
+                  <a:tcPr/>
+                </a:tc>
+              </a:tr>
+              <a:tr h="370840">
+                <a:tc>
+                  <a:txBody>
+                    <a:bodyPr/>
+                    <a:lstStyle/>
+                    <a:p>
+                      <a:pPr algn="ctr"/>
+                      <a:r>
+                        <a:rPr lang="en-US" dirty="0" smtClean="0"/>
+                        <a:t>303</a:t>
+                      </a:r>
+                      <a:endParaRPr lang="en-US" dirty="0"/>
+                    </a:p>
+                  </a:txBody>
+                  <a:tcPr/>
+                </a:tc>
+              </a:tr>
+              <a:tr h="370840">
+                <a:tc>
+                  <a:txBody>
+                    <a:bodyPr/>
+                    <a:lstStyle/>
+                    <a:p>
+                      <a:pPr algn="ctr"/>
+                      <a:r>
+                        <a:rPr lang="en-US" dirty="0" smtClean="0"/>
+                        <a:t>402</a:t>
+                      </a:r>
+                      <a:endParaRPr lang="en-US" dirty="0"/>
+                    </a:p>
+                  </a:txBody>
+                  <a:tcPr/>
+                </a:tc>
+              </a:tr>
+              <a:tr h="370840">
+                <a:tc>
+                  <a:txBody>
+                    <a:bodyPr/>
+                    <a:lstStyle/>
+                    <a:p>
+                      <a:pPr algn="ctr"/>
+                      <a:r>
+                        <a:rPr lang="en-US" dirty="0" smtClean="0"/>
+                        <a:t>503</a:t>
+                      </a:r>
+                      <a:endParaRPr lang="en-US" dirty="0"/>
+                    </a:p>
+                  </a:txBody>
+                  <a:tcPr/>
+                </a:tc>
+              </a:tr>
+            </a:tbl>
+          </a:graphicData>
+        </a:graphic>
+      </p:graphicFrame>
+      <p:cxnSp>
+        <p:nvCxnSpPr>
+          <p:cNvPr id="17" name="Straight Arrow Connector 16"/>
+          <p:cNvCxnSpPr/>
+          <p:nvPr/>
+        </p:nvCxnSpPr>
+        <p:spPr>
+          <a:xfrm>
+            <a:off x="4191000" y="3200400"/>
+            <a:ext cx="2667000" cy="0"/>
+          </a:xfrm>
+          <a:prstGeom prst="straightConnector1">
+            <a:avLst/>
+          </a:prstGeom>
+          <a:ln>
+            <a:tailEnd type="triangle"/>
+          </a:ln>
+        </p:spPr>
+        <p:style>
+          <a:lnRef idx="1">
+            <a:schemeClr val="accent1"/>
+          </a:lnRef>
+          <a:fillRef idx="0">
+            <a:schemeClr val="accent1"/>
+          </a:fillRef>
+          <a:effectRef idx="0">
+            <a:schemeClr val="accent1"/>
+          </a:effectRef>
+          <a:fontRef idx="minor">
+            <a:schemeClr val="tx1"/>
+          </a:fontRef>
+        </p:style>
+      </p:cxnSp>
+      <p:sp>
+        <p:nvSpPr>
+          <p:cNvPr id="18" name="TextBox 17"/>
+          <p:cNvSpPr txBox="1"/>
+          <p:nvPr/>
+        </p:nvSpPr>
+        <p:spPr>
+          <a:xfrm>
+            <a:off x="4447570" y="2754921"/>
+            <a:ext cx="2135521" cy="646331"/>
+          </a:xfrm>
+          <a:prstGeom prst="rect">
+            <a:avLst/>
+          </a:prstGeom>
+          <a:noFill/>
+        </p:spPr>
+        <p:txBody>
+          <a:bodyPr wrap="none" rtlCol="0">
+            <a:spAutoFit/>
+          </a:bodyPr>
+          <a:lstStyle/>
+          <a:p>
+            <a:r>
+              <a:rPr lang="en-US" dirty="0" smtClean="0"/>
+              <a:t>Compare room type</a:t>
+            </a:r>
+          </a:p>
+          <a:p>
+            <a:endParaRPr lang="en-US" dirty="0"/>
+          </a:p>
+        </p:txBody>
+      </p:sp>
+      <p:sp>
+        <p:nvSpPr>
+          <p:cNvPr id="21" name="TextBox 20"/>
+          <p:cNvSpPr txBox="1"/>
+          <p:nvPr/>
+        </p:nvSpPr>
+        <p:spPr>
+          <a:xfrm>
+            <a:off x="6781800" y="4804792"/>
+            <a:ext cx="1130438" cy="369332"/>
+          </a:xfrm>
+          <a:prstGeom prst="rect">
+            <a:avLst/>
+          </a:prstGeom>
+          <a:noFill/>
+        </p:spPr>
+        <p:txBody>
+          <a:bodyPr wrap="none" rtlCol="0">
+            <a:spAutoFit/>
+          </a:bodyPr>
+          <a:lstStyle/>
+          <a:p>
+            <a:r>
+              <a:rPr lang="en-US" dirty="0" smtClean="0"/>
+              <a:t>Result list</a:t>
+            </a:r>
+            <a:endParaRPr lang="en-US" dirty="0"/>
+          </a:p>
+        </p:txBody>
+      </p:sp>
+      <p:sp>
+        <p:nvSpPr>
+          <p:cNvPr id="22" name="TextBox 21"/>
+          <p:cNvSpPr txBox="1"/>
+          <p:nvPr/>
+        </p:nvSpPr>
+        <p:spPr>
+          <a:xfrm>
+            <a:off x="304800" y="5758243"/>
+            <a:ext cx="2353529" cy="461665"/>
+          </a:xfrm>
+          <a:prstGeom prst="rect">
+            <a:avLst/>
+          </a:prstGeom>
+          <a:noFill/>
+        </p:spPr>
+        <p:txBody>
+          <a:bodyPr wrap="none" rtlCol="0">
+            <a:spAutoFit/>
+          </a:bodyPr>
+          <a:lstStyle/>
+          <a:p>
+            <a:r>
+              <a:rPr lang="en-US" sz="2400" b="1" dirty="0" smtClean="0"/>
+              <a:t>Result: 205 -&gt; 101</a:t>
+            </a:r>
+            <a:endParaRPr lang="en-US" sz="2400" b="1" dirty="0"/>
+          </a:p>
+        </p:txBody>
+      </p:sp>
+    </p:spTree>
+    <p:extLst>
+      <p:ext uri="{BB962C8B-B14F-4D97-AF65-F5344CB8AC3E}">
+        <p14:creationId xmlns:p14="http://schemas.microsoft.com/office/powerpoint/2010/main" val="183419455"/>
+      </p:ext>
+    </p:extLst>
+  </p:cSld>
+  <p:clrMapOvr>
+    <a:masterClrMapping/>
+  </p:clrMapOvr>
+</p:sld>
+</file>
+
+<file path=ppt/slides/slide14.xml><?xml version="1.0" encoding="utf-8"?>
+<p:sld xmlns:a="http://schemas.openxmlformats.org/drawingml/2006/main" xmlns:r="http://schemas.openxmlformats.org/officeDocument/2006/relationships" xmlns:p="http://schemas.openxmlformats.org/presentationml/2006/main" showMasterSp="0">
+  <p:cSld>
+    <p:spTree>
+      <p:nvGrpSpPr>
+        <p:cNvPr id="1" name=""/>
+        <p:cNvGrpSpPr/>
+        <p:nvPr/>
+      </p:nvGrpSpPr>
+      <p:grpSpPr>
+        <a:xfrm>
+          <a:off x="0" y="0"/>
+          <a:ext cx="0" cy="0"/>
+          <a:chOff x="0" y="0"/>
+          <a:chExt cx="0" cy="0"/>
+        </a:xfrm>
+      </p:grpSpPr>
+      <p:pic>
+        <p:nvPicPr>
+          <p:cNvPr id="4" name="Picture 2" descr="C:\Users\QuangTV\Desktop\server.jpg"/>
+          <p:cNvPicPr>
+            <a:picLocks noChangeAspect="1" noChangeArrowheads="1"/>
+          </p:cNvPicPr>
+          <p:nvPr/>
+        </p:nvPicPr>
+        <p:blipFill>
+          <a:blip r:embed="rId2">
+            <a:extLst>
+              <a:ext uri="{28A0092B-C50C-407E-A947-70E740481C1C}">
+                <a14:useLocalDpi xmlns:a14="http://schemas.microsoft.com/office/drawing/2010/main" val="0"/>
+              </a:ext>
+            </a:extLst>
+          </a:blip>
+          <a:srcRect/>
+          <a:stretch>
+            <a:fillRect/>
+          </a:stretch>
+        </p:blipFill>
+        <p:spPr bwMode="auto">
+          <a:xfrm>
+            <a:off x="457200" y="2605241"/>
+            <a:ext cx="2057400" cy="1991032"/>
+          </a:xfrm>
+          <a:prstGeom prst="rect">
+            <a:avLst/>
+          </a:prstGeom>
+          <a:noFill/>
+          <a:extLst>
+            <a:ext uri="{909E8E84-426E-40DD-AFC4-6F175D3DCCD1}">
+              <a14:hiddenFill xmlns:a14="http://schemas.microsoft.com/office/drawing/2010/main">
+                <a:solidFill>
+                  <a:srgbClr val="FFFFFF"/>
+                </a:solidFill>
+              </a14:hiddenFill>
+            </a:ext>
+          </a:extLst>
+        </p:spPr>
+      </p:pic>
+      <p:pic>
+        <p:nvPicPr>
+          <p:cNvPr id="5" name="Picture 5" descr="C:\Users\QuangTV\Desktop\analyze.png"/>
+          <p:cNvPicPr>
+            <a:picLocks noChangeAspect="1" noChangeArrowheads="1"/>
+          </p:cNvPicPr>
+          <p:nvPr/>
+        </p:nvPicPr>
+        <p:blipFill>
+          <a:blip r:embed="rId3">
+            <a:extLst>
+              <a:ext uri="{28A0092B-C50C-407E-A947-70E740481C1C}">
+                <a14:useLocalDpi xmlns:a14="http://schemas.microsoft.com/office/drawing/2010/main" val="0"/>
+              </a:ext>
+            </a:extLst>
+          </a:blip>
+          <a:srcRect/>
+          <a:stretch>
+            <a:fillRect/>
+          </a:stretch>
+        </p:blipFill>
+        <p:spPr bwMode="auto">
+          <a:xfrm>
+            <a:off x="5797672" y="304800"/>
+            <a:ext cx="2300441" cy="2300441"/>
+          </a:xfrm>
+          <a:prstGeom prst="rect">
+            <a:avLst/>
+          </a:prstGeom>
+          <a:noFill/>
+          <a:extLst>
+            <a:ext uri="{909E8E84-426E-40DD-AFC4-6F175D3DCCD1}">
+              <a14:hiddenFill xmlns:a14="http://schemas.microsoft.com/office/drawing/2010/main">
+                <a:solidFill>
+                  <a:srgbClr val="FFFFFF"/>
+                </a:solidFill>
+              </a14:hiddenFill>
+            </a:ext>
+          </a:extLst>
+        </p:spPr>
+      </p:pic>
+      <p:pic>
+        <p:nvPicPr>
+          <p:cNvPr id="6" name="Picture 3" descr="C:\Users\QuangTV\Desktop\notify.png"/>
+          <p:cNvPicPr>
+            <a:picLocks noChangeAspect="1" noChangeArrowheads="1"/>
+          </p:cNvPicPr>
+          <p:nvPr/>
+        </p:nvPicPr>
+        <p:blipFill>
+          <a:blip r:embed="rId4" cstate="print">
+            <a:extLst>
+              <a:ext uri="{28A0092B-C50C-407E-A947-70E740481C1C}">
+                <a14:useLocalDpi xmlns:a14="http://schemas.microsoft.com/office/drawing/2010/main" val="0"/>
+              </a:ext>
+            </a:extLst>
+          </a:blip>
+          <a:srcRect/>
+          <a:stretch>
+            <a:fillRect/>
+          </a:stretch>
+        </p:blipFill>
+        <p:spPr bwMode="auto">
+          <a:xfrm>
+            <a:off x="6019800" y="4269401"/>
+            <a:ext cx="2071342" cy="2057400"/>
+          </a:xfrm>
+          <a:prstGeom prst="rect">
+            <a:avLst/>
+          </a:prstGeom>
+          <a:noFill/>
+          <a:extLst>
+            <a:ext uri="{909E8E84-426E-40DD-AFC4-6F175D3DCCD1}">
+              <a14:hiddenFill xmlns:a14="http://schemas.microsoft.com/office/drawing/2010/main">
+                <a:solidFill>
+                  <a:srgbClr val="FFFFFF"/>
+                </a:solidFill>
+              </a14:hiddenFill>
+            </a:ext>
+          </a:extLst>
+        </p:spPr>
+      </p:pic>
+      <p:sp>
+        <p:nvSpPr>
+          <p:cNvPr id="7" name="TextBox 6"/>
+          <p:cNvSpPr txBox="1"/>
+          <p:nvPr/>
+        </p:nvSpPr>
+        <p:spPr>
+          <a:xfrm>
+            <a:off x="152400" y="260290"/>
+            <a:ext cx="3537700" cy="400110"/>
+          </a:xfrm>
+          <a:prstGeom prst="rect">
+            <a:avLst/>
+          </a:prstGeom>
+          <a:noFill/>
+        </p:spPr>
+        <p:txBody>
+          <a:bodyPr wrap="none" rtlCol="0">
+            <a:spAutoFit/>
+          </a:bodyPr>
+          <a:lstStyle/>
+          <a:p>
+            <a:r>
+              <a:rPr lang="en-US" sz="2000" b="1" dirty="0" smtClean="0">
+                <a:latin typeface="Cambria" pitchFamily="18" charset="0"/>
+              </a:rPr>
+              <a:t>At 06:00 and 12:15 everyday</a:t>
+            </a:r>
+            <a:endParaRPr lang="en-US" sz="2000" b="1" dirty="0">
+              <a:latin typeface="Cambria" pitchFamily="18" charset="0"/>
+            </a:endParaRPr>
+          </a:p>
+        </p:txBody>
+      </p:sp>
+      <p:cxnSp>
+        <p:nvCxnSpPr>
+          <p:cNvPr id="10" name="Straight Arrow Connector 9"/>
+          <p:cNvCxnSpPr>
+            <a:stCxn id="4" idx="3"/>
+            <a:endCxn id="5" idx="1"/>
+          </p:cNvCxnSpPr>
+          <p:nvPr/>
+        </p:nvCxnSpPr>
+        <p:spPr>
+          <a:xfrm flipV="1">
+            <a:off x="2514600" y="1455021"/>
+            <a:ext cx="3283072" cy="2145736"/>
+          </a:xfrm>
+          <a:prstGeom prst="straightConnector1">
+            <a:avLst/>
+          </a:prstGeom>
+          <a:ln>
+            <a:tailEnd type="arrow"/>
+          </a:ln>
+        </p:spPr>
+        <p:style>
+          <a:lnRef idx="1">
+            <a:schemeClr val="accent1"/>
+          </a:lnRef>
+          <a:fillRef idx="0">
+            <a:schemeClr val="accent1"/>
+          </a:fillRef>
+          <a:effectRef idx="0">
+            <a:schemeClr val="accent1"/>
+          </a:effectRef>
+          <a:fontRef idx="minor">
+            <a:schemeClr val="tx1"/>
+          </a:fontRef>
+        </p:style>
+      </p:cxnSp>
+      <p:cxnSp>
+        <p:nvCxnSpPr>
+          <p:cNvPr id="12" name="Straight Arrow Connector 11"/>
+          <p:cNvCxnSpPr>
+            <a:stCxn id="4" idx="3"/>
+            <a:endCxn id="6" idx="1"/>
+          </p:cNvCxnSpPr>
+          <p:nvPr/>
+        </p:nvCxnSpPr>
+        <p:spPr>
+          <a:xfrm>
+            <a:off x="2514600" y="3600757"/>
+            <a:ext cx="3505200" cy="1697344"/>
+          </a:xfrm>
+          <a:prstGeom prst="straightConnector1">
+            <a:avLst/>
+          </a:prstGeom>
+          <a:ln>
+            <a:tailEnd type="arrow"/>
+          </a:ln>
+        </p:spPr>
+        <p:style>
+          <a:lnRef idx="1">
+            <a:schemeClr val="accent1"/>
+          </a:lnRef>
+          <a:fillRef idx="0">
+            <a:schemeClr val="accent1"/>
+          </a:fillRef>
+          <a:effectRef idx="0">
+            <a:schemeClr val="accent1"/>
+          </a:effectRef>
+          <a:fontRef idx="minor">
+            <a:schemeClr val="tx1"/>
+          </a:fontRef>
+        </p:style>
+      </p:cxnSp>
+    </p:spTree>
+    <p:extLst>
+      <p:ext uri="{BB962C8B-B14F-4D97-AF65-F5344CB8AC3E}">
+        <p14:creationId xmlns:p14="http://schemas.microsoft.com/office/powerpoint/2010/main" val="1193628264"/>
+      </p:ext>
+    </p:extLst>
+  </p:cSld>
+  <p:clrMapOvr>
+    <a:masterClrMapping/>
+  </p:clrMapOvr>
+  <p:timing>
+    <p:tnLst>
+      <p:par>
+        <p:cTn id="1" dur="indefinite" restart="never" nodeType="tmRoot">
+          <p:childTnLst>
+            <p:seq concurrent="1" nextAc="seek">
+              <p:cTn id="2" dur="indefinite" nodeType="mainSeq">
+                <p:childTnLst>
+                  <p:par>
+                    <p:cTn id="3" fill="hold">
+                      <p:stCondLst>
+                        <p:cond delay="indefinite"/>
+                      </p:stCondLst>
+                      <p:childTnLst>
+                        <p:par>
+                          <p:cTn id="4" fill="hold">
+                            <p:stCondLst>
+                              <p:cond delay="0"/>
+                            </p:stCondLst>
+                            <p:childTnLst>
+                              <p:par>
+                                <p:cTn id="5" presetID="53" presetClass="entr" presetSubtype="16" fill="hold" nodeType="clickEffect">
+                                  <p:stCondLst>
+                                    <p:cond delay="0"/>
+                                  </p:stCondLst>
+                                  <p:childTnLst>
+                                    <p:set>
+                                      <p:cBhvr>
+                                        <p:cTn id="6" dur="1" fill="hold">
+                                          <p:stCondLst>
+                                            <p:cond delay="0"/>
+                                          </p:stCondLst>
+                                        </p:cTn>
+                                        <p:tgtEl>
+                                          <p:spTgt spid="4"/>
+                                        </p:tgtEl>
+                                        <p:attrNameLst>
+                                          <p:attrName>style.visibility</p:attrName>
+                                        </p:attrNameLst>
+                                      </p:cBhvr>
+                                      <p:to>
+                                        <p:strVal val="visible"/>
+                                      </p:to>
+                                    </p:set>
+                                    <p:anim calcmode="lin" valueType="num">
+                                      <p:cBhvr>
+                                        <p:cTn id="7" dur="500" fill="hold"/>
+                                        <p:tgtEl>
+                                          <p:spTgt spid="4"/>
+                                        </p:tgtEl>
+                                        <p:attrNameLst>
+                                          <p:attrName>ppt_w</p:attrName>
+                                        </p:attrNameLst>
+                                      </p:cBhvr>
+                                      <p:tavLst>
+                                        <p:tav tm="0">
+                                          <p:val>
+                                            <p:fltVal val="0"/>
+                                          </p:val>
+                                        </p:tav>
+                                        <p:tav tm="100000">
+                                          <p:val>
+                                            <p:strVal val="#ppt_w"/>
+                                          </p:val>
+                                        </p:tav>
+                                      </p:tavLst>
+                                    </p:anim>
+                                    <p:anim calcmode="lin" valueType="num">
+                                      <p:cBhvr>
+                                        <p:cTn id="8" dur="500" fill="hold"/>
+                                        <p:tgtEl>
+                                          <p:spTgt spid="4"/>
+                                        </p:tgtEl>
+                                        <p:attrNameLst>
+                                          <p:attrName>ppt_h</p:attrName>
+                                        </p:attrNameLst>
+                                      </p:cBhvr>
+                                      <p:tavLst>
+                                        <p:tav tm="0">
+                                          <p:val>
+                                            <p:fltVal val="0"/>
+                                          </p:val>
+                                        </p:tav>
+                                        <p:tav tm="100000">
+                                          <p:val>
+                                            <p:strVal val="#ppt_h"/>
+                                          </p:val>
+                                        </p:tav>
+                                      </p:tavLst>
+                                    </p:anim>
+                                    <p:animEffect transition="in" filter="fade">
+                                      <p:cBhvr>
+                                        <p:cTn id="9" dur="500"/>
+                                        <p:tgtEl>
+                                          <p:spTgt spid="4"/>
+                                        </p:tgtEl>
+                                      </p:cBhvr>
+                                    </p:animEffect>
+                                  </p:childTnLst>
+                                </p:cTn>
+                              </p:par>
+                            </p:childTnLst>
+                          </p:cTn>
+                        </p:par>
+                      </p:childTnLst>
+                    </p:cTn>
+                  </p:par>
+                  <p:par>
+                    <p:cTn id="10" fill="hold">
+                      <p:stCondLst>
+                        <p:cond delay="indefinite"/>
+                      </p:stCondLst>
+                      <p:childTnLst>
+                        <p:par>
+                          <p:cTn id="11" fill="hold">
+                            <p:stCondLst>
+                              <p:cond delay="0"/>
+                            </p:stCondLst>
+                            <p:childTnLst>
+                              <p:par>
+                                <p:cTn id="12" presetID="53" presetClass="entr" presetSubtype="16" fill="hold" nodeType="clickEffect">
+                                  <p:stCondLst>
+                                    <p:cond delay="0"/>
+                                  </p:stCondLst>
+                                  <p:childTnLst>
+                                    <p:set>
+                                      <p:cBhvr>
+                                        <p:cTn id="13" dur="1" fill="hold">
+                                          <p:stCondLst>
+                                            <p:cond delay="0"/>
+                                          </p:stCondLst>
+                                        </p:cTn>
+                                        <p:tgtEl>
+                                          <p:spTgt spid="10"/>
+                                        </p:tgtEl>
+                                        <p:attrNameLst>
+                                          <p:attrName>style.visibility</p:attrName>
+                                        </p:attrNameLst>
+                                      </p:cBhvr>
+                                      <p:to>
+                                        <p:strVal val="visible"/>
+                                      </p:to>
+                                    </p:set>
+                                    <p:anim calcmode="lin" valueType="num">
+                                      <p:cBhvr>
+                                        <p:cTn id="14" dur="500" fill="hold"/>
+                                        <p:tgtEl>
+                                          <p:spTgt spid="10"/>
+                                        </p:tgtEl>
+                                        <p:attrNameLst>
+                                          <p:attrName>ppt_w</p:attrName>
+                                        </p:attrNameLst>
+                                      </p:cBhvr>
+                                      <p:tavLst>
+                                        <p:tav tm="0">
+                                          <p:val>
+                                            <p:fltVal val="0"/>
+                                          </p:val>
+                                        </p:tav>
+                                        <p:tav tm="100000">
+                                          <p:val>
+                                            <p:strVal val="#ppt_w"/>
+                                          </p:val>
+                                        </p:tav>
+                                      </p:tavLst>
+                                    </p:anim>
+                                    <p:anim calcmode="lin" valueType="num">
+                                      <p:cBhvr>
+                                        <p:cTn id="15" dur="500" fill="hold"/>
+                                        <p:tgtEl>
+                                          <p:spTgt spid="10"/>
+                                        </p:tgtEl>
+                                        <p:attrNameLst>
+                                          <p:attrName>ppt_h</p:attrName>
+                                        </p:attrNameLst>
+                                      </p:cBhvr>
+                                      <p:tavLst>
+                                        <p:tav tm="0">
+                                          <p:val>
+                                            <p:fltVal val="0"/>
+                                          </p:val>
+                                        </p:tav>
+                                        <p:tav tm="100000">
+                                          <p:val>
+                                            <p:strVal val="#ppt_h"/>
+                                          </p:val>
+                                        </p:tav>
+                                      </p:tavLst>
+                                    </p:anim>
+                                    <p:animEffect transition="in" filter="fade">
+                                      <p:cBhvr>
+                                        <p:cTn id="16" dur="500"/>
+                                        <p:tgtEl>
+                                          <p:spTgt spid="10"/>
+                                        </p:tgtEl>
+                                      </p:cBhvr>
+                                    </p:animEffect>
+                                  </p:childTnLst>
+                                </p:cTn>
+                              </p:par>
+                              <p:par>
+                                <p:cTn id="17" presetID="53" presetClass="entr" presetSubtype="16" fill="hold" nodeType="withEffect">
+                                  <p:stCondLst>
+                                    <p:cond delay="0"/>
+                                  </p:stCondLst>
+                                  <p:childTnLst>
+                                    <p:set>
+                                      <p:cBhvr>
+                                        <p:cTn id="18" dur="1" fill="hold">
+                                          <p:stCondLst>
+                                            <p:cond delay="0"/>
+                                          </p:stCondLst>
+                                        </p:cTn>
+                                        <p:tgtEl>
+                                          <p:spTgt spid="5"/>
+                                        </p:tgtEl>
+                                        <p:attrNameLst>
+                                          <p:attrName>style.visibility</p:attrName>
+                                        </p:attrNameLst>
+                                      </p:cBhvr>
+                                      <p:to>
+                                        <p:strVal val="visible"/>
+                                      </p:to>
+                                    </p:set>
+                                    <p:anim calcmode="lin" valueType="num">
+                                      <p:cBhvr>
+                                        <p:cTn id="19" dur="500" fill="hold"/>
+                                        <p:tgtEl>
+                                          <p:spTgt spid="5"/>
+                                        </p:tgtEl>
+                                        <p:attrNameLst>
+                                          <p:attrName>ppt_w</p:attrName>
+                                        </p:attrNameLst>
+                                      </p:cBhvr>
+                                      <p:tavLst>
+                                        <p:tav tm="0">
+                                          <p:val>
+                                            <p:fltVal val="0"/>
+                                          </p:val>
+                                        </p:tav>
+                                        <p:tav tm="100000">
+                                          <p:val>
+                                            <p:strVal val="#ppt_w"/>
+                                          </p:val>
+                                        </p:tav>
+                                      </p:tavLst>
+                                    </p:anim>
+                                    <p:anim calcmode="lin" valueType="num">
+                                      <p:cBhvr>
+                                        <p:cTn id="20" dur="500" fill="hold"/>
+                                        <p:tgtEl>
+                                          <p:spTgt spid="5"/>
+                                        </p:tgtEl>
+                                        <p:attrNameLst>
+                                          <p:attrName>ppt_h</p:attrName>
+                                        </p:attrNameLst>
+                                      </p:cBhvr>
+                                      <p:tavLst>
+                                        <p:tav tm="0">
+                                          <p:val>
+                                            <p:fltVal val="0"/>
+                                          </p:val>
+                                        </p:tav>
+                                        <p:tav tm="100000">
+                                          <p:val>
+                                            <p:strVal val="#ppt_h"/>
+                                          </p:val>
+                                        </p:tav>
+                                      </p:tavLst>
+                                    </p:anim>
+                                    <p:animEffect transition="in" filter="fade">
+                                      <p:cBhvr>
+                                        <p:cTn id="21" dur="500"/>
+                                        <p:tgtEl>
+                                          <p:spTgt spid="5"/>
+                                        </p:tgtEl>
+                                      </p:cBhvr>
+                                    </p:animEffect>
+                                  </p:childTnLst>
+                                </p:cTn>
+                              </p:par>
+                            </p:childTnLst>
+                          </p:cTn>
+                        </p:par>
+                      </p:childTnLst>
+                    </p:cTn>
+                  </p:par>
+                  <p:par>
+                    <p:cTn id="22" fill="hold">
+                      <p:stCondLst>
+                        <p:cond delay="indefinite"/>
+                      </p:stCondLst>
+                      <p:childTnLst>
+                        <p:par>
+                          <p:cTn id="23" fill="hold">
+                            <p:stCondLst>
+                              <p:cond delay="0"/>
+                            </p:stCondLst>
+                            <p:childTnLst>
+                              <p:par>
+                                <p:cTn id="24" presetID="53" presetClass="entr" presetSubtype="16" fill="hold" nodeType="clickEffect">
+                                  <p:stCondLst>
+                                    <p:cond delay="0"/>
+                                  </p:stCondLst>
+                                  <p:childTnLst>
+                                    <p:set>
+                                      <p:cBhvr>
+                                        <p:cTn id="25" dur="1" fill="hold">
+                                          <p:stCondLst>
+                                            <p:cond delay="0"/>
+                                          </p:stCondLst>
+                                        </p:cTn>
+                                        <p:tgtEl>
+                                          <p:spTgt spid="6"/>
+                                        </p:tgtEl>
+                                        <p:attrNameLst>
+                                          <p:attrName>style.visibility</p:attrName>
+                                        </p:attrNameLst>
+                                      </p:cBhvr>
+                                      <p:to>
+                                        <p:strVal val="visible"/>
+                                      </p:to>
+                                    </p:set>
+                                    <p:anim calcmode="lin" valueType="num">
+                                      <p:cBhvr>
+                                        <p:cTn id="26" dur="500" fill="hold"/>
+                                        <p:tgtEl>
+                                          <p:spTgt spid="6"/>
+                                        </p:tgtEl>
+                                        <p:attrNameLst>
+                                          <p:attrName>ppt_w</p:attrName>
+                                        </p:attrNameLst>
+                                      </p:cBhvr>
+                                      <p:tavLst>
+                                        <p:tav tm="0">
+                                          <p:val>
+                                            <p:fltVal val="0"/>
+                                          </p:val>
+                                        </p:tav>
+                                        <p:tav tm="100000">
+                                          <p:val>
+                                            <p:strVal val="#ppt_w"/>
+                                          </p:val>
+                                        </p:tav>
+                                      </p:tavLst>
+                                    </p:anim>
+                                    <p:anim calcmode="lin" valueType="num">
+                                      <p:cBhvr>
+                                        <p:cTn id="27" dur="500" fill="hold"/>
+                                        <p:tgtEl>
+                                          <p:spTgt spid="6"/>
+                                        </p:tgtEl>
+                                        <p:attrNameLst>
+                                          <p:attrName>ppt_h</p:attrName>
+                                        </p:attrNameLst>
+                                      </p:cBhvr>
+                                      <p:tavLst>
+                                        <p:tav tm="0">
+                                          <p:val>
+                                            <p:fltVal val="0"/>
+                                          </p:val>
+                                        </p:tav>
+                                        <p:tav tm="100000">
+                                          <p:val>
+                                            <p:strVal val="#ppt_h"/>
+                                          </p:val>
+                                        </p:tav>
+                                      </p:tavLst>
+                                    </p:anim>
+                                    <p:animEffect transition="in" filter="fade">
+                                      <p:cBhvr>
+                                        <p:cTn id="28" dur="500"/>
+                                        <p:tgtEl>
+                                          <p:spTgt spid="6"/>
+                                        </p:tgtEl>
+                                      </p:cBhvr>
+                                    </p:animEffect>
+                                  </p:childTnLst>
+                                </p:cTn>
+                              </p:par>
+                              <p:par>
+                                <p:cTn id="29" presetID="53" presetClass="entr" presetSubtype="16" fill="hold" nodeType="withEffect">
+                                  <p:stCondLst>
+                                    <p:cond delay="0"/>
+                                  </p:stCondLst>
+                                  <p:childTnLst>
+                                    <p:set>
+                                      <p:cBhvr>
+                                        <p:cTn id="30" dur="1" fill="hold">
+                                          <p:stCondLst>
+                                            <p:cond delay="0"/>
+                                          </p:stCondLst>
+                                        </p:cTn>
+                                        <p:tgtEl>
+                                          <p:spTgt spid="12"/>
+                                        </p:tgtEl>
+                                        <p:attrNameLst>
+                                          <p:attrName>style.visibility</p:attrName>
+                                        </p:attrNameLst>
+                                      </p:cBhvr>
+                                      <p:to>
+                                        <p:strVal val="visible"/>
+                                      </p:to>
+                                    </p:set>
+                                    <p:anim calcmode="lin" valueType="num">
+                                      <p:cBhvr>
+                                        <p:cTn id="31" dur="500" fill="hold"/>
+                                        <p:tgtEl>
+                                          <p:spTgt spid="12"/>
+                                        </p:tgtEl>
+                                        <p:attrNameLst>
+                                          <p:attrName>ppt_w</p:attrName>
+                                        </p:attrNameLst>
+                                      </p:cBhvr>
+                                      <p:tavLst>
+                                        <p:tav tm="0">
+                                          <p:val>
+                                            <p:fltVal val="0"/>
+                                          </p:val>
+                                        </p:tav>
+                                        <p:tav tm="100000">
+                                          <p:val>
+                                            <p:strVal val="#ppt_w"/>
+                                          </p:val>
+                                        </p:tav>
+                                      </p:tavLst>
+                                    </p:anim>
+                                    <p:anim calcmode="lin" valueType="num">
+                                      <p:cBhvr>
+                                        <p:cTn id="32" dur="500" fill="hold"/>
+                                        <p:tgtEl>
+                                          <p:spTgt spid="12"/>
+                                        </p:tgtEl>
+                                        <p:attrNameLst>
+                                          <p:attrName>ppt_h</p:attrName>
+                                        </p:attrNameLst>
+                                      </p:cBhvr>
+                                      <p:tavLst>
+                                        <p:tav tm="0">
+                                          <p:val>
+                                            <p:fltVal val="0"/>
+                                          </p:val>
+                                        </p:tav>
+                                        <p:tav tm="100000">
+                                          <p:val>
+                                            <p:strVal val="#ppt_h"/>
+                                          </p:val>
+                                        </p:tav>
+                                      </p:tavLst>
+                                    </p:anim>
+                                    <p:animEffect transition="in" filter="fade">
+                                      <p:cBhvr>
+                                        <p:cTn id="33" dur="500"/>
+                                        <p:tgtEl>
+                                          <p:spTgt spid="12"/>
+                                        </p:tgtEl>
+                                      </p:cBhvr>
+                                    </p:animEffect>
+                                  </p:childTnLst>
+                                </p:cTn>
+                              </p:par>
+                            </p:childTnLst>
+                          </p:cTn>
+                        </p:par>
+                      </p:childTnLst>
+                    </p:cTn>
+                  </p:par>
+                </p:childTnLst>
+              </p:cTn>
+              <p:prevCondLst>
+                <p:cond evt="onPrev" delay="0">
+                  <p:tgtEl>
+                    <p:sldTgt/>
+                  </p:tgtEl>
+                </p:cond>
+              </p:prevCondLst>
+              <p:nextCondLst>
+                <p:cond evt="onNext" delay="0">
+                  <p:tgtEl>
+                    <p:sldTgt/>
+                  </p:tgtEl>
+                </p:cond>
+              </p:nextCondLst>
+            </p:seq>
+          </p:childTnLst>
+        </p:cTn>
+      </p:par>
+    </p:tnLst>
+  </p:timing>
+</p:sld>
+</file>
+
+<file path=ppt/slides/slide15.xml><?xml version="1.0" encoding="utf-8"?>
+<p:sld xmlns:a="http://schemas.openxmlformats.org/drawingml/2006/main" xmlns:r="http://schemas.openxmlformats.org/officeDocument/2006/relationships" xmlns:p="http://schemas.openxmlformats.org/presentationml/2006/main" showMasterSp="0">
+  <p:cSld>
+    <p:spTree>
+      <p:nvGrpSpPr>
+        <p:cNvPr id="1" name=""/>
+        <p:cNvGrpSpPr/>
+        <p:nvPr/>
+      </p:nvGrpSpPr>
+      <p:grpSpPr>
+        <a:xfrm>
+          <a:off x="0" y="0"/>
+          <a:ext cx="0" cy="0"/>
+          <a:chOff x="0" y="0"/>
+          <a:chExt cx="0" cy="0"/>
+        </a:xfrm>
+      </p:grpSpPr>
+      <p:pic>
+        <p:nvPicPr>
+          <p:cNvPr id="4" name="Picture 2" descr="C:\Users\QuangTV\Desktop\server.jpg"/>
+          <p:cNvPicPr>
+            <a:picLocks noChangeAspect="1" noChangeArrowheads="1"/>
+          </p:cNvPicPr>
+          <p:nvPr/>
+        </p:nvPicPr>
+        <p:blipFill>
+          <a:blip r:embed="rId2">
+            <a:extLst>
+              <a:ext uri="{28A0092B-C50C-407E-A947-70E740481C1C}">
+                <a14:useLocalDpi xmlns:a14="http://schemas.microsoft.com/office/drawing/2010/main" val="0"/>
+              </a:ext>
+            </a:extLst>
+          </a:blip>
+          <a:srcRect/>
+          <a:stretch>
+            <a:fillRect/>
+          </a:stretch>
+        </p:blipFill>
+        <p:spPr bwMode="auto">
+          <a:xfrm>
+            <a:off x="457200" y="2605241"/>
+            <a:ext cx="2057400" cy="1991032"/>
+          </a:xfrm>
+          <a:prstGeom prst="rect">
+            <a:avLst/>
+          </a:prstGeom>
+          <a:noFill/>
+          <a:extLst>
+            <a:ext uri="{909E8E84-426E-40DD-AFC4-6F175D3DCCD1}">
+              <a14:hiddenFill xmlns:a14="http://schemas.microsoft.com/office/drawing/2010/main">
+                <a:solidFill>
+                  <a:srgbClr val="FFFFFF"/>
+                </a:solidFill>
+              </a14:hiddenFill>
+            </a:ext>
+          </a:extLst>
+        </p:spPr>
+      </p:pic>
+      <p:pic>
+        <p:nvPicPr>
+          <p:cNvPr id="5" name="Picture 5" descr="C:\Users\QuangTV\Desktop\analyze.png"/>
+          <p:cNvPicPr>
+            <a:picLocks noChangeAspect="1" noChangeArrowheads="1"/>
+          </p:cNvPicPr>
+          <p:nvPr/>
+        </p:nvPicPr>
+        <p:blipFill>
+          <a:blip r:embed="rId3">
+            <a:extLst>
+              <a:ext uri="{28A0092B-C50C-407E-A947-70E740481C1C}">
+                <a14:useLocalDpi xmlns:a14="http://schemas.microsoft.com/office/drawing/2010/main" val="0"/>
+              </a:ext>
+            </a:extLst>
+          </a:blip>
+          <a:srcRect/>
+          <a:stretch>
+            <a:fillRect/>
+          </a:stretch>
+        </p:blipFill>
+        <p:spPr bwMode="auto">
+          <a:xfrm>
+            <a:off x="5638800" y="304800"/>
+            <a:ext cx="2300441" cy="2300441"/>
+          </a:xfrm>
+          <a:prstGeom prst="rect">
+            <a:avLst/>
+          </a:prstGeom>
+          <a:noFill/>
+          <a:extLst>
+            <a:ext uri="{909E8E84-426E-40DD-AFC4-6F175D3DCCD1}">
+              <a14:hiddenFill xmlns:a14="http://schemas.microsoft.com/office/drawing/2010/main">
+                <a:solidFill>
+                  <a:srgbClr val="FFFFFF"/>
+                </a:solidFill>
+              </a14:hiddenFill>
+            </a:ext>
+          </a:extLst>
+        </p:spPr>
+      </p:pic>
+      <p:sp>
+        <p:nvSpPr>
+          <p:cNvPr id="7" name="TextBox 6"/>
+          <p:cNvSpPr txBox="1"/>
+          <p:nvPr/>
+        </p:nvSpPr>
+        <p:spPr>
+          <a:xfrm>
+            <a:off x="152400" y="260290"/>
+            <a:ext cx="2296975" cy="400110"/>
+          </a:xfrm>
+          <a:prstGeom prst="rect">
+            <a:avLst/>
+          </a:prstGeom>
+          <a:noFill/>
+        </p:spPr>
+        <p:txBody>
+          <a:bodyPr wrap="none" rtlCol="0">
+            <a:spAutoFit/>
+          </a:bodyPr>
+          <a:lstStyle/>
+          <a:p>
+            <a:r>
+              <a:rPr lang="en-US" sz="2000" b="1" dirty="0" smtClean="0">
+                <a:latin typeface="Cambria" pitchFamily="18" charset="0"/>
+              </a:rPr>
+              <a:t>At 07:00 everyday</a:t>
+            </a:r>
+            <a:endParaRPr lang="en-US" sz="2000" b="1" dirty="0">
+              <a:latin typeface="Cambria" pitchFamily="18" charset="0"/>
+            </a:endParaRPr>
+          </a:p>
+        </p:txBody>
+      </p:sp>
+      <p:cxnSp>
+        <p:nvCxnSpPr>
+          <p:cNvPr id="8" name="Straight Arrow Connector 7"/>
+          <p:cNvCxnSpPr>
+            <a:stCxn id="4" idx="3"/>
+            <a:endCxn id="5" idx="1"/>
+          </p:cNvCxnSpPr>
+          <p:nvPr/>
+        </p:nvCxnSpPr>
+        <p:spPr>
+          <a:xfrm flipV="1">
+            <a:off x="2514600" y="1455021"/>
+            <a:ext cx="3124200" cy="2145736"/>
+          </a:xfrm>
+          <a:prstGeom prst="straightConnector1">
+            <a:avLst/>
+          </a:prstGeom>
+          <a:ln>
+            <a:tailEnd type="arrow"/>
+          </a:ln>
+        </p:spPr>
+        <p:style>
+          <a:lnRef idx="1">
+            <a:schemeClr val="accent1"/>
+          </a:lnRef>
+          <a:fillRef idx="0">
+            <a:schemeClr val="accent1"/>
+          </a:fillRef>
+          <a:effectRef idx="0">
+            <a:schemeClr val="accent1"/>
+          </a:effectRef>
+          <a:fontRef idx="minor">
+            <a:schemeClr val="tx1"/>
+          </a:fontRef>
+        </p:style>
+      </p:cxnSp>
+      <p:cxnSp>
+        <p:nvCxnSpPr>
+          <p:cNvPr id="9" name="Straight Arrow Connector 8"/>
+          <p:cNvCxnSpPr>
+            <a:stCxn id="4" idx="3"/>
+          </p:cNvCxnSpPr>
+          <p:nvPr/>
+        </p:nvCxnSpPr>
+        <p:spPr>
+          <a:xfrm>
+            <a:off x="2514600" y="3600757"/>
+            <a:ext cx="3353299" cy="1466543"/>
+          </a:xfrm>
+          <a:prstGeom prst="straightConnector1">
+            <a:avLst/>
+          </a:prstGeom>
+          <a:ln>
+            <a:tailEnd type="arrow"/>
+          </a:ln>
+        </p:spPr>
+        <p:style>
+          <a:lnRef idx="1">
+            <a:schemeClr val="accent1"/>
+          </a:lnRef>
+          <a:fillRef idx="0">
+            <a:schemeClr val="accent1"/>
+          </a:fillRef>
+          <a:effectRef idx="0">
+            <a:schemeClr val="accent1"/>
+          </a:effectRef>
+          <a:fontRef idx="minor">
+            <a:schemeClr val="tx1"/>
+          </a:fontRef>
+        </p:style>
+      </p:cxnSp>
+      <p:pic>
+        <p:nvPicPr>
+          <p:cNvPr id="10" name="Picture 9" descr="C:\Users\QuangTV\Desktop\office.png"/>
+          <p:cNvPicPr>
+            <a:picLocks noChangeAspect="1" noChangeArrowheads="1"/>
+          </p:cNvPicPr>
+          <p:nvPr/>
+        </p:nvPicPr>
+        <p:blipFill>
+          <a:blip r:embed="rId4">
+            <a:extLst>
+              <a:ext uri="{28A0092B-C50C-407E-A947-70E740481C1C}">
+                <a14:useLocalDpi xmlns:a14="http://schemas.microsoft.com/office/drawing/2010/main" val="0"/>
+              </a:ext>
+            </a:extLst>
+          </a:blip>
+          <a:srcRect/>
+          <a:stretch>
+            <a:fillRect/>
+          </a:stretch>
+        </p:blipFill>
+        <p:spPr bwMode="auto">
+          <a:xfrm>
+            <a:off x="5881841" y="4346728"/>
+            <a:ext cx="2057400" cy="2027850"/>
+          </a:xfrm>
+          <a:prstGeom prst="rect">
+            <a:avLst/>
+          </a:prstGeom>
+          <a:noFill/>
+          <a:extLst>
+            <a:ext uri="{909E8E84-426E-40DD-AFC4-6F175D3DCCD1}">
+              <a14:hiddenFill xmlns:a14="http://schemas.microsoft.com/office/drawing/2010/main">
+                <a:solidFill>
+                  <a:srgbClr val="FFFFFF"/>
+                </a:solidFill>
+              </a14:hiddenFill>
+            </a:ext>
+          </a:extLst>
+        </p:spPr>
+      </p:pic>
+    </p:spTree>
+    <p:extLst>
+      <p:ext uri="{BB962C8B-B14F-4D97-AF65-F5344CB8AC3E}">
+        <p14:creationId xmlns:p14="http://schemas.microsoft.com/office/powerpoint/2010/main" val="1670048203"/>
+      </p:ext>
+    </p:extLst>
+  </p:cSld>
+  <p:clrMapOvr>
+    <a:masterClrMapping/>
+  </p:clrMapOvr>
+  <p:timing>
+    <p:tnLst>
+      <p:par>
+        <p:cTn id="1" dur="indefinite" restart="never" nodeType="tmRoot">
+          <p:childTnLst>
+            <p:seq concurrent="1" nextAc="seek">
+              <p:cTn id="2" dur="indefinite" nodeType="mainSeq">
+                <p:childTnLst>
+                  <p:par>
+                    <p:cTn id="3" fill="hold">
+                      <p:stCondLst>
+                        <p:cond delay="indefinite"/>
+                      </p:stCondLst>
+                      <p:childTnLst>
+                        <p:par>
+                          <p:cTn id="4" fill="hold">
+                            <p:stCondLst>
+                              <p:cond delay="0"/>
+                            </p:stCondLst>
+                            <p:childTnLst>
+                              <p:par>
+                                <p:cTn id="5" presetID="53" presetClass="entr" presetSubtype="16" fill="hold" nodeType="clickEffect">
+                                  <p:stCondLst>
+                                    <p:cond delay="0"/>
+                                  </p:stCondLst>
+                                  <p:childTnLst>
+                                    <p:set>
+                                      <p:cBhvr>
+                                        <p:cTn id="6" dur="1" fill="hold">
+                                          <p:stCondLst>
+                                            <p:cond delay="0"/>
+                                          </p:stCondLst>
+                                        </p:cTn>
+                                        <p:tgtEl>
+                                          <p:spTgt spid="4"/>
+                                        </p:tgtEl>
+                                        <p:attrNameLst>
+                                          <p:attrName>style.visibility</p:attrName>
+                                        </p:attrNameLst>
+                                      </p:cBhvr>
+                                      <p:to>
+                                        <p:strVal val="visible"/>
+                                      </p:to>
+                                    </p:set>
+                                    <p:anim calcmode="lin" valueType="num">
+                                      <p:cBhvr>
+                                        <p:cTn id="7" dur="500" fill="hold"/>
+                                        <p:tgtEl>
+                                          <p:spTgt spid="4"/>
+                                        </p:tgtEl>
+                                        <p:attrNameLst>
+                                          <p:attrName>ppt_w</p:attrName>
+                                        </p:attrNameLst>
+                                      </p:cBhvr>
+                                      <p:tavLst>
+                                        <p:tav tm="0">
+                                          <p:val>
+                                            <p:fltVal val="0"/>
+                                          </p:val>
+                                        </p:tav>
+                                        <p:tav tm="100000">
+                                          <p:val>
+                                            <p:strVal val="#ppt_w"/>
+                                          </p:val>
+                                        </p:tav>
+                                      </p:tavLst>
+                                    </p:anim>
+                                    <p:anim calcmode="lin" valueType="num">
+                                      <p:cBhvr>
+                                        <p:cTn id="8" dur="500" fill="hold"/>
+                                        <p:tgtEl>
+                                          <p:spTgt spid="4"/>
+                                        </p:tgtEl>
+                                        <p:attrNameLst>
+                                          <p:attrName>ppt_h</p:attrName>
+                                        </p:attrNameLst>
+                                      </p:cBhvr>
+                                      <p:tavLst>
+                                        <p:tav tm="0">
+                                          <p:val>
+                                            <p:fltVal val="0"/>
+                                          </p:val>
+                                        </p:tav>
+                                        <p:tav tm="100000">
+                                          <p:val>
+                                            <p:strVal val="#ppt_h"/>
+                                          </p:val>
+                                        </p:tav>
+                                      </p:tavLst>
+                                    </p:anim>
+                                    <p:animEffect transition="in" filter="fade">
+                                      <p:cBhvr>
+                                        <p:cTn id="9" dur="500"/>
+                                        <p:tgtEl>
+                                          <p:spTgt spid="4"/>
+                                        </p:tgtEl>
+                                      </p:cBhvr>
+                                    </p:animEffect>
+                                  </p:childTnLst>
+                                </p:cTn>
+                              </p:par>
+                            </p:childTnLst>
+                          </p:cTn>
+                        </p:par>
+                      </p:childTnLst>
+                    </p:cTn>
+                  </p:par>
+                  <p:par>
+                    <p:cTn id="10" fill="hold">
+                      <p:stCondLst>
+                        <p:cond delay="indefinite"/>
+                      </p:stCondLst>
+                      <p:childTnLst>
+                        <p:par>
+                          <p:cTn id="11" fill="hold">
+                            <p:stCondLst>
+                              <p:cond delay="0"/>
+                            </p:stCondLst>
+                            <p:childTnLst>
+                              <p:par>
+                                <p:cTn id="12" presetID="53" presetClass="entr" presetSubtype="16" fill="hold" nodeType="clickEffect">
+                                  <p:stCondLst>
+                                    <p:cond delay="0"/>
+                                  </p:stCondLst>
+                                  <p:childTnLst>
+                                    <p:set>
+                                      <p:cBhvr>
+                                        <p:cTn id="13" dur="1" fill="hold">
+                                          <p:stCondLst>
+                                            <p:cond delay="0"/>
+                                          </p:stCondLst>
+                                        </p:cTn>
+                                        <p:tgtEl>
+                                          <p:spTgt spid="8"/>
+                                        </p:tgtEl>
+                                        <p:attrNameLst>
+                                          <p:attrName>style.visibility</p:attrName>
+                                        </p:attrNameLst>
+                                      </p:cBhvr>
+                                      <p:to>
+                                        <p:strVal val="visible"/>
+                                      </p:to>
+                                    </p:set>
+                                    <p:anim calcmode="lin" valueType="num">
+                                      <p:cBhvr>
+                                        <p:cTn id="14" dur="500" fill="hold"/>
+                                        <p:tgtEl>
+                                          <p:spTgt spid="8"/>
+                                        </p:tgtEl>
+                                        <p:attrNameLst>
+                                          <p:attrName>ppt_w</p:attrName>
+                                        </p:attrNameLst>
+                                      </p:cBhvr>
+                                      <p:tavLst>
+                                        <p:tav tm="0">
+                                          <p:val>
+                                            <p:fltVal val="0"/>
+                                          </p:val>
+                                        </p:tav>
+                                        <p:tav tm="100000">
+                                          <p:val>
+                                            <p:strVal val="#ppt_w"/>
+                                          </p:val>
+                                        </p:tav>
+                                      </p:tavLst>
+                                    </p:anim>
+                                    <p:anim calcmode="lin" valueType="num">
+                                      <p:cBhvr>
+                                        <p:cTn id="15" dur="500" fill="hold"/>
+                                        <p:tgtEl>
+                                          <p:spTgt spid="8"/>
+                                        </p:tgtEl>
+                                        <p:attrNameLst>
+                                          <p:attrName>ppt_h</p:attrName>
+                                        </p:attrNameLst>
+                                      </p:cBhvr>
+                                      <p:tavLst>
+                                        <p:tav tm="0">
+                                          <p:val>
+                                            <p:fltVal val="0"/>
+                                          </p:val>
+                                        </p:tav>
+                                        <p:tav tm="100000">
+                                          <p:val>
+                                            <p:strVal val="#ppt_h"/>
+                                          </p:val>
+                                        </p:tav>
+                                      </p:tavLst>
+                                    </p:anim>
+                                    <p:animEffect transition="in" filter="fade">
+                                      <p:cBhvr>
+                                        <p:cTn id="16" dur="500"/>
+                                        <p:tgtEl>
+                                          <p:spTgt spid="8"/>
+                                        </p:tgtEl>
+                                      </p:cBhvr>
+                                    </p:animEffect>
+                                  </p:childTnLst>
+                                </p:cTn>
+                              </p:par>
+                              <p:par>
+                                <p:cTn id="17" presetID="53" presetClass="entr" presetSubtype="16" fill="hold" nodeType="withEffect">
+                                  <p:stCondLst>
+                                    <p:cond delay="0"/>
+                                  </p:stCondLst>
+                                  <p:childTnLst>
+                                    <p:set>
+                                      <p:cBhvr>
+                                        <p:cTn id="18" dur="1" fill="hold">
+                                          <p:stCondLst>
+                                            <p:cond delay="0"/>
+                                          </p:stCondLst>
+                                        </p:cTn>
+                                        <p:tgtEl>
+                                          <p:spTgt spid="5"/>
+                                        </p:tgtEl>
+                                        <p:attrNameLst>
+                                          <p:attrName>style.visibility</p:attrName>
+                                        </p:attrNameLst>
+                                      </p:cBhvr>
+                                      <p:to>
+                                        <p:strVal val="visible"/>
+                                      </p:to>
+                                    </p:set>
+                                    <p:anim calcmode="lin" valueType="num">
+                                      <p:cBhvr>
+                                        <p:cTn id="19" dur="500" fill="hold"/>
+                                        <p:tgtEl>
+                                          <p:spTgt spid="5"/>
+                                        </p:tgtEl>
+                                        <p:attrNameLst>
+                                          <p:attrName>ppt_w</p:attrName>
+                                        </p:attrNameLst>
+                                      </p:cBhvr>
+                                      <p:tavLst>
+                                        <p:tav tm="0">
+                                          <p:val>
+                                            <p:fltVal val="0"/>
+                                          </p:val>
+                                        </p:tav>
+                                        <p:tav tm="100000">
+                                          <p:val>
+                                            <p:strVal val="#ppt_w"/>
+                                          </p:val>
+                                        </p:tav>
+                                      </p:tavLst>
+                                    </p:anim>
+                                    <p:anim calcmode="lin" valueType="num">
+                                      <p:cBhvr>
+                                        <p:cTn id="20" dur="500" fill="hold"/>
+                                        <p:tgtEl>
+                                          <p:spTgt spid="5"/>
+                                        </p:tgtEl>
+                                        <p:attrNameLst>
+                                          <p:attrName>ppt_h</p:attrName>
+                                        </p:attrNameLst>
+                                      </p:cBhvr>
+                                      <p:tavLst>
+                                        <p:tav tm="0">
+                                          <p:val>
+                                            <p:fltVal val="0"/>
+                                          </p:val>
+                                        </p:tav>
+                                        <p:tav tm="100000">
+                                          <p:val>
+                                            <p:strVal val="#ppt_h"/>
+                                          </p:val>
+                                        </p:tav>
+                                      </p:tavLst>
+                                    </p:anim>
+                                    <p:animEffect transition="in" filter="fade">
+                                      <p:cBhvr>
+                                        <p:cTn id="21" dur="500"/>
+                                        <p:tgtEl>
+                                          <p:spTgt spid="5"/>
+                                        </p:tgtEl>
+                                      </p:cBhvr>
+                                    </p:animEffect>
+                                  </p:childTnLst>
+                                </p:cTn>
+                              </p:par>
+                            </p:childTnLst>
+                          </p:cTn>
+                        </p:par>
+                      </p:childTnLst>
+                    </p:cTn>
+                  </p:par>
+                  <p:par>
+                    <p:cTn id="22" fill="hold">
+                      <p:stCondLst>
+                        <p:cond delay="indefinite"/>
+                      </p:stCondLst>
+                      <p:childTnLst>
+                        <p:par>
+                          <p:cTn id="23" fill="hold">
+                            <p:stCondLst>
+                              <p:cond delay="0"/>
+                            </p:stCondLst>
+                            <p:childTnLst>
+                              <p:par>
+                                <p:cTn id="24" presetID="53" presetClass="entr" presetSubtype="16" fill="hold" nodeType="clickEffect">
+                                  <p:stCondLst>
+                                    <p:cond delay="0"/>
+                                  </p:stCondLst>
+                                  <p:childTnLst>
+                                    <p:set>
+                                      <p:cBhvr>
+                                        <p:cTn id="25" dur="1" fill="hold">
+                                          <p:stCondLst>
+                                            <p:cond delay="0"/>
+                                          </p:stCondLst>
+                                        </p:cTn>
+                                        <p:tgtEl>
+                                          <p:spTgt spid="9"/>
+                                        </p:tgtEl>
+                                        <p:attrNameLst>
+                                          <p:attrName>style.visibility</p:attrName>
+                                        </p:attrNameLst>
+                                      </p:cBhvr>
+                                      <p:to>
+                                        <p:strVal val="visible"/>
+                                      </p:to>
+                                    </p:set>
+                                    <p:anim calcmode="lin" valueType="num">
+                                      <p:cBhvr>
+                                        <p:cTn id="26" dur="500" fill="hold"/>
+                                        <p:tgtEl>
+                                          <p:spTgt spid="9"/>
+                                        </p:tgtEl>
+                                        <p:attrNameLst>
+                                          <p:attrName>ppt_w</p:attrName>
+                                        </p:attrNameLst>
+                                      </p:cBhvr>
+                                      <p:tavLst>
+                                        <p:tav tm="0">
+                                          <p:val>
+                                            <p:fltVal val="0"/>
+                                          </p:val>
+                                        </p:tav>
+                                        <p:tav tm="100000">
+                                          <p:val>
+                                            <p:strVal val="#ppt_w"/>
+                                          </p:val>
+                                        </p:tav>
+                                      </p:tavLst>
+                                    </p:anim>
+                                    <p:anim calcmode="lin" valueType="num">
+                                      <p:cBhvr>
+                                        <p:cTn id="27" dur="500" fill="hold"/>
+                                        <p:tgtEl>
+                                          <p:spTgt spid="9"/>
+                                        </p:tgtEl>
+                                        <p:attrNameLst>
+                                          <p:attrName>ppt_h</p:attrName>
+                                        </p:attrNameLst>
+                                      </p:cBhvr>
+                                      <p:tavLst>
+                                        <p:tav tm="0">
+                                          <p:val>
+                                            <p:fltVal val="0"/>
+                                          </p:val>
+                                        </p:tav>
+                                        <p:tav tm="100000">
+                                          <p:val>
+                                            <p:strVal val="#ppt_h"/>
+                                          </p:val>
+                                        </p:tav>
+                                      </p:tavLst>
+                                    </p:anim>
+                                    <p:animEffect transition="in" filter="fade">
+                                      <p:cBhvr>
+                                        <p:cTn id="28" dur="500"/>
+                                        <p:tgtEl>
+                                          <p:spTgt spid="9"/>
+                                        </p:tgtEl>
+                                      </p:cBhvr>
+                                    </p:animEffect>
+                                  </p:childTnLst>
+                                </p:cTn>
+                              </p:par>
+                              <p:par>
+                                <p:cTn id="29" presetID="53" presetClass="entr" presetSubtype="16" fill="hold" nodeType="withEffect">
+                                  <p:stCondLst>
+                                    <p:cond delay="0"/>
+                                  </p:stCondLst>
+                                  <p:childTnLst>
+                                    <p:set>
+                                      <p:cBhvr>
+                                        <p:cTn id="30" dur="1" fill="hold">
+                                          <p:stCondLst>
+                                            <p:cond delay="0"/>
+                                          </p:stCondLst>
+                                        </p:cTn>
+                                        <p:tgtEl>
+                                          <p:spTgt spid="10"/>
+                                        </p:tgtEl>
+                                        <p:attrNameLst>
+                                          <p:attrName>style.visibility</p:attrName>
+                                        </p:attrNameLst>
+                                      </p:cBhvr>
+                                      <p:to>
+                                        <p:strVal val="visible"/>
+                                      </p:to>
+                                    </p:set>
+                                    <p:anim calcmode="lin" valueType="num">
+                                      <p:cBhvr>
+                                        <p:cTn id="31" dur="500" fill="hold"/>
+                                        <p:tgtEl>
+                                          <p:spTgt spid="10"/>
+                                        </p:tgtEl>
+                                        <p:attrNameLst>
+                                          <p:attrName>ppt_w</p:attrName>
+                                        </p:attrNameLst>
+                                      </p:cBhvr>
+                                      <p:tavLst>
+                                        <p:tav tm="0">
+                                          <p:val>
+                                            <p:fltVal val="0"/>
+                                          </p:val>
+                                        </p:tav>
+                                        <p:tav tm="100000">
+                                          <p:val>
+                                            <p:strVal val="#ppt_w"/>
+                                          </p:val>
+                                        </p:tav>
+                                      </p:tavLst>
+                                    </p:anim>
+                                    <p:anim calcmode="lin" valueType="num">
+                                      <p:cBhvr>
+                                        <p:cTn id="32" dur="500" fill="hold"/>
+                                        <p:tgtEl>
+                                          <p:spTgt spid="10"/>
+                                        </p:tgtEl>
+                                        <p:attrNameLst>
+                                          <p:attrName>ppt_h</p:attrName>
+                                        </p:attrNameLst>
+                                      </p:cBhvr>
+                                      <p:tavLst>
+                                        <p:tav tm="0">
+                                          <p:val>
+                                            <p:fltVal val="0"/>
+                                          </p:val>
+                                        </p:tav>
+                                        <p:tav tm="100000">
+                                          <p:val>
+                                            <p:strVal val="#ppt_h"/>
+                                          </p:val>
+                                        </p:tav>
+                                      </p:tavLst>
+                                    </p:anim>
+                                    <p:animEffect transition="in" filter="fade">
+                                      <p:cBhvr>
+                                        <p:cTn id="33" dur="500"/>
+                                        <p:tgtEl>
+                                          <p:spTgt spid="10"/>
+                                        </p:tgtEl>
+                                      </p:cBhvr>
+                                    </p:animEffect>
+                                  </p:childTnLst>
+                                </p:cTn>
+                              </p:par>
+                            </p:childTnLst>
+                          </p:cTn>
+                        </p:par>
+                      </p:childTnLst>
+                    </p:cTn>
+                  </p:par>
+                </p:childTnLst>
+              </p:cTn>
+              <p:prevCondLst>
+                <p:cond evt="onPrev" delay="0">
+                  <p:tgtEl>
+                    <p:sldTgt/>
+                  </p:tgtEl>
+                </p:cond>
+              </p:prevCondLst>
+              <p:nextCondLst>
+                <p:cond evt="onNext" delay="0">
+                  <p:tgtEl>
+                    <p:sldTgt/>
+                  </p:tgtEl>
+                </p:cond>
+              </p:nextCondLst>
+            </p:seq>
+          </p:childTnLst>
+        </p:cTn>
+      </p:par>
+    </p:tnLst>
+  </p:timing>
+</p:sld>
+</file>
+
+<file path=ppt/slides/slide16.xml><?xml version="1.0" encoding="utf-8"?>
 <p:sld xmlns:a="http://schemas.openxmlformats.org/drawingml/2006/main" xmlns:r="http://schemas.openxmlformats.org/officeDocument/2006/relationships" xmlns:p="http://schemas.openxmlformats.org/presentationml/2006/main" showMasterSp="0">
   <p:cSld>
     <p:spTree>
@@ -15853,7 +20084,7 @@
 </p:sld>
 </file>
 
-<file path=ppt/slides/slide11.xml><?xml version="1.0" encoding="utf-8"?>
+<file path=ppt/slides/slide17.xml><?xml version="1.0" encoding="utf-8"?>
 <p:sld xmlns:a="http://schemas.openxmlformats.org/drawingml/2006/main" xmlns:r="http://schemas.openxmlformats.org/officeDocument/2006/relationships" xmlns:p="http://schemas.openxmlformats.org/presentationml/2006/main" showMasterSp="0">
   <p:cSld>
     <p:spTree>
@@ -17080,47 +21311,6 @@
           </a:extLst>
         </p:spPr>
       </p:pic>
-      <p:pic>
-        <p:nvPicPr>
-          <p:cNvPr id="2056" name="Picture 8" descr="C:\Users\QuangTV\Desktop\icon-dommage-de-feu.png"/>
-          <p:cNvPicPr>
-            <a:picLocks noChangeAspect="1" noChangeArrowheads="1"/>
-          </p:cNvPicPr>
-          <p:nvPr/>
-        </p:nvPicPr>
-        <p:blipFill>
-          <a:blip r:embed="rId7">
-            <a:extLst>
-              <a:ext uri="{28A0092B-C50C-407E-A947-70E740481C1C}">
-                <a14:useLocalDpi xmlns:a14="http://schemas.microsoft.com/office/drawing/2010/main" val="0"/>
-              </a:ext>
-            </a:extLst>
-          </a:blip>
-          <a:srcRect/>
-          <a:stretch>
-            <a:fillRect/>
-          </a:stretch>
-        </p:blipFill>
-        <p:spPr bwMode="auto">
-          <a:xfrm>
-            <a:off x="12700" y="0"/>
-            <a:ext cx="1841500" cy="1841500"/>
-          </a:xfrm>
-          <a:prstGeom prst="rect">
-            <a:avLst/>
-          </a:prstGeom>
-          <a:noFill/>
-          <a:extLst>
-            <a:ext uri="{909E8E84-426E-40DD-AFC4-6F175D3DCCD1}">
-              <a14:hiddenFill xmlns:a14="http://schemas.microsoft.com/office/drawing/2010/main">
-                <a:solidFill>
-                  <a:srgbClr val="FFFFFF"/>
-                </a:solidFill>
-              </a14:hiddenFill>
-            </a:ext>
-          </a:extLst>
-        </p:spPr>
-      </p:pic>
       <p:cxnSp>
         <p:nvCxnSpPr>
           <p:cNvPr id="26" name="Straight Arrow Connector 25"/>
@@ -17156,6 +21346,36 @@
           </a:fontRef>
         </p:style>
       </p:cxnSp>
+      <p:pic>
+        <p:nvPicPr>
+          <p:cNvPr id="2" name="Picture 1"/>
+          <p:cNvPicPr>
+            <a:picLocks noChangeAspect="1"/>
+          </p:cNvPicPr>
+          <p:nvPr/>
+        </p:nvPicPr>
+        <p:blipFill>
+          <a:blip r:embed="rId7">
+            <a:extLst>
+              <a:ext uri="{28A0092B-C50C-407E-A947-70E740481C1C}">
+                <a14:useLocalDpi xmlns:a14="http://schemas.microsoft.com/office/drawing/2010/main" val="0"/>
+              </a:ext>
+            </a:extLst>
+          </a:blip>
+          <a:stretch>
+            <a:fillRect/>
+          </a:stretch>
+        </p:blipFill>
+        <p:spPr>
+          <a:xfrm>
+            <a:off x="0" y="160139"/>
+            <a:ext cx="1688114" cy="1681361"/>
+          </a:xfrm>
+          <a:prstGeom prst="rect">
+            <a:avLst/>
+          </a:prstGeom>
+        </p:spPr>
+      </p:pic>
     </p:spTree>
     <p:extLst>
       <p:ext uri="{BB962C8B-B14F-4D97-AF65-F5344CB8AC3E}">
@@ -17518,87 +21738,6 @@
                                   </p:childTnLst>
                                 </p:cTn>
                               </p:par>
-                              <p:par>
-                                <p:cTn id="29" presetID="53" presetClass="entr" presetSubtype="16" fill="hold" nodeType="withEffect">
-                                  <p:stCondLst>
-                                    <p:cond delay="0"/>
-                                  </p:stCondLst>
-                                  <p:childTnLst>
-                                    <p:set>
-                                      <p:cBhvr>
-                                        <p:cTn id="30" dur="1" fill="hold">
-                                          <p:stCondLst>
-                                            <p:cond delay="0"/>
-                                          </p:stCondLst>
-                                        </p:cTn>
-                                        <p:tgtEl>
-                                          <p:spTgt spid="2056"/>
-                                        </p:tgtEl>
-                                        <p:attrNameLst>
-                                          <p:attrName>style.visibility</p:attrName>
-                                        </p:attrNameLst>
-                                      </p:cBhvr>
-                                      <p:to>
-                                        <p:strVal val="visible"/>
-                                      </p:to>
-                                    </p:set>
-                                    <p:anim calcmode="lin" valueType="num">
-                                      <p:cBhvr>
-                                        <p:cTn id="31" dur="500" fill="hold"/>
-                                        <p:tgtEl>
-                                          <p:spTgt spid="2056"/>
-                                        </p:tgtEl>
-                                        <p:attrNameLst>
-                                          <p:attrName>ppt_w</p:attrName>
-                                        </p:attrNameLst>
-                                      </p:cBhvr>
-                                      <p:tavLst>
-                                        <p:tav tm="0">
-                                          <p:val>
-                                            <p:fltVal val="0"/>
-                                          </p:val>
-                                        </p:tav>
-                                        <p:tav tm="100000">
-                                          <p:val>
-                                            <p:strVal val="#ppt_w"/>
-                                          </p:val>
-                                        </p:tav>
-                                      </p:tavLst>
-                                    </p:anim>
-                                    <p:anim calcmode="lin" valueType="num">
-                                      <p:cBhvr>
-                                        <p:cTn id="32" dur="500" fill="hold"/>
-                                        <p:tgtEl>
-                                          <p:spTgt spid="2056"/>
-                                        </p:tgtEl>
-                                        <p:attrNameLst>
-                                          <p:attrName>ppt_h</p:attrName>
-                                        </p:attrNameLst>
-                                      </p:cBhvr>
-                                      <p:tavLst>
-                                        <p:tav tm="0">
-                                          <p:val>
-                                            <p:fltVal val="0"/>
-                                          </p:val>
-                                        </p:tav>
-                                        <p:tav tm="100000">
-                                          <p:val>
-                                            <p:strVal val="#ppt_h"/>
-                                          </p:val>
-                                        </p:tav>
-                                      </p:tavLst>
-                                    </p:anim>
-                                    <p:animEffect transition="in" filter="fade">
-                                      <p:cBhvr>
-                                        <p:cTn id="33" dur="500"/>
-                                        <p:tgtEl>
-                                          <p:spTgt spid="2056"/>
-                                        </p:tgtEl>
-                                      </p:cBhvr>
-                                    </p:animEffect>
-                                  </p:childTnLst>
-                                </p:cTn>
-                              </p:par>
                             </p:childTnLst>
                           </p:cTn>
                         </p:par>
@@ -17606,26 +21745,26 @@
                     </p:cTn>
                   </p:par>
                   <p:par>
-                    <p:cTn id="34" fill="hold">
+                    <p:cTn id="29" fill="hold">
                       <p:stCondLst>
                         <p:cond delay="indefinite"/>
                       </p:stCondLst>
                       <p:childTnLst>
                         <p:par>
-                          <p:cTn id="35" fill="hold">
+                          <p:cTn id="30" fill="hold">
                             <p:stCondLst>
                               <p:cond delay="0"/>
                             </p:stCondLst>
                             <p:childTnLst>
                               <p:par>
-                                <p:cTn id="36" presetID="53" presetClass="entr" presetSubtype="16" fill="hold" nodeType="clickEffect">
+                                <p:cTn id="31" presetID="53" presetClass="entr" presetSubtype="16" fill="hold" nodeType="clickEffect">
                                   <p:stCondLst>
                                     <p:cond delay="0"/>
                                   </p:stCondLst>
                                   <p:childTnLst>
                                     <p:set>
                                       <p:cBhvr>
-                                        <p:cTn id="37" dur="1" fill="hold">
+                                        <p:cTn id="32" dur="1" fill="hold">
                                           <p:stCondLst>
                                             <p:cond delay="0"/>
                                           </p:stCondLst>
@@ -17643,7 +21782,7 @@
                                     </p:set>
                                     <p:anim calcmode="lin" valueType="num">
                                       <p:cBhvr>
-                                        <p:cTn id="38" dur="500" fill="hold"/>
+                                        <p:cTn id="33" dur="500" fill="hold"/>
                                         <p:tgtEl>
                                           <p:spTgt spid="2055"/>
                                         </p:tgtEl>
@@ -17666,7 +21805,7 @@
                                     </p:anim>
                                     <p:anim calcmode="lin" valueType="num">
                                       <p:cBhvr>
-                                        <p:cTn id="39" dur="500" fill="hold"/>
+                                        <p:cTn id="34" dur="500" fill="hold"/>
                                         <p:tgtEl>
                                           <p:spTgt spid="2055"/>
                                         </p:tgtEl>
@@ -17689,7 +21828,7 @@
                                     </p:anim>
                                     <p:animEffect transition="in" filter="fade">
                                       <p:cBhvr>
-                                        <p:cTn id="40" dur="500"/>
+                                        <p:cTn id="35" dur="500"/>
                                         <p:tgtEl>
                                           <p:spTgt spid="2055"/>
                                         </p:tgtEl>
@@ -17705,26 +21844,26 @@
                     </p:cTn>
                   </p:par>
                   <p:par>
-                    <p:cTn id="41" fill="hold">
+                    <p:cTn id="36" fill="hold">
                       <p:stCondLst>
                         <p:cond delay="indefinite"/>
                       </p:stCondLst>
                       <p:childTnLst>
                         <p:par>
-                          <p:cTn id="42" fill="hold">
+                          <p:cTn id="37" fill="hold">
                             <p:stCondLst>
                               <p:cond delay="0"/>
                             </p:stCondLst>
                             <p:childTnLst>
                               <p:par>
-                                <p:cTn id="43" presetID="53" presetClass="entr" presetSubtype="16" fill="hold" nodeType="clickEffect">
+                                <p:cTn id="38" presetID="53" presetClass="entr" presetSubtype="16" fill="hold" nodeType="clickEffect">
                                   <p:stCondLst>
                                     <p:cond delay="0"/>
                                   </p:stCondLst>
                                   <p:childTnLst>
                                     <p:set>
                                       <p:cBhvr>
-                                        <p:cTn id="44" dur="1" fill="hold">
+                                        <p:cTn id="39" dur="1" fill="hold">
                                           <p:stCondLst>
                                             <p:cond delay="0"/>
                                           </p:stCondLst>
@@ -17742,7 +21881,7 @@
                                     </p:set>
                                     <p:anim calcmode="lin" valueType="num">
                                       <p:cBhvr>
-                                        <p:cTn id="45" dur="500" fill="hold"/>
+                                        <p:cTn id="40" dur="500" fill="hold"/>
                                         <p:tgtEl>
                                           <p:spTgt spid="9"/>
                                         </p:tgtEl>
@@ -17765,7 +21904,7 @@
                                     </p:anim>
                                     <p:anim calcmode="lin" valueType="num">
                                       <p:cBhvr>
-                                        <p:cTn id="46" dur="500" fill="hold"/>
+                                        <p:cTn id="41" dur="500" fill="hold"/>
                                         <p:tgtEl>
                                           <p:spTgt spid="9"/>
                                         </p:tgtEl>
@@ -17788,7 +21927,7 @@
                                     </p:anim>
                                     <p:animEffect transition="in" filter="fade">
                                       <p:cBhvr>
-                                        <p:cTn id="47" dur="500"/>
+                                        <p:cTn id="42" dur="500"/>
                                         <p:tgtEl>
                                           <p:spTgt spid="9"/>
                                         </p:tgtEl>
@@ -17804,26 +21943,26 @@
                     </p:cTn>
                   </p:par>
                   <p:par>
-                    <p:cTn id="48" fill="hold">
+                    <p:cTn id="43" fill="hold">
                       <p:stCondLst>
                         <p:cond delay="indefinite"/>
                       </p:stCondLst>
                       <p:childTnLst>
                         <p:par>
-                          <p:cTn id="49" fill="hold">
+                          <p:cTn id="44" fill="hold">
                             <p:stCondLst>
                               <p:cond delay="0"/>
                             </p:stCondLst>
                             <p:childTnLst>
                               <p:par>
-                                <p:cTn id="50" presetID="10" presetClass="exit" presetSubtype="0" fill="hold" nodeType="clickEffect">
+                                <p:cTn id="45" presetID="10" presetClass="exit" presetSubtype="0" fill="hold" nodeType="clickEffect">
                                   <p:stCondLst>
                                     <p:cond delay="0"/>
                                   </p:stCondLst>
                                   <p:childTnLst>
                                     <p:animEffect transition="out" filter="fade">
                                       <p:cBhvr>
-                                        <p:cTn id="51" dur="500"/>
+                                        <p:cTn id="46" dur="500"/>
                                         <p:tgtEl>
                                           <p:spTgt spid="2055"/>
                                         </p:tgtEl>
@@ -17831,7 +21970,7 @@
                                     </p:animEffect>
                                     <p:set>
                                       <p:cBhvr>
-                                        <p:cTn id="52" dur="1" fill="hold">
+                                        <p:cTn id="47" dur="1" fill="hold">
                                           <p:stCondLst>
                                             <p:cond delay="499"/>
                                           </p:stCondLst>
@@ -17851,14 +21990,14 @@
                                 </p:cTn>
                               </p:par>
                               <p:par>
-                                <p:cTn id="53" presetID="53" presetClass="entr" presetSubtype="16" fill="hold" nodeType="withEffect">
+                                <p:cTn id="48" presetID="53" presetClass="entr" presetSubtype="16" fill="hold" nodeType="withEffect">
                                   <p:stCondLst>
                                     <p:cond delay="0"/>
                                   </p:stCondLst>
                                   <p:childTnLst>
                                     <p:set>
                                       <p:cBhvr>
-                                        <p:cTn id="54" dur="1" fill="hold">
+                                        <p:cTn id="49" dur="1" fill="hold">
                                           <p:stCondLst>
                                             <p:cond delay="0"/>
                                           </p:stCondLst>
@@ -17876,7 +22015,7 @@
                                     </p:set>
                                     <p:anim calcmode="lin" valueType="num">
                                       <p:cBhvr>
-                                        <p:cTn id="55" dur="500" fill="hold"/>
+                                        <p:cTn id="50" dur="500" fill="hold"/>
                                         <p:tgtEl>
                                           <p:spTgt spid="2052"/>
                                         </p:tgtEl>
@@ -17899,7 +22038,7 @@
                                     </p:anim>
                                     <p:anim calcmode="lin" valueType="num">
                                       <p:cBhvr>
-                                        <p:cTn id="56" dur="500" fill="hold"/>
+                                        <p:cTn id="51" dur="500" fill="hold"/>
                                         <p:tgtEl>
                                           <p:spTgt spid="2052"/>
                                         </p:tgtEl>
@@ -17922,7 +22061,7 @@
                                     </p:anim>
                                     <p:animEffect transition="in" filter="fade">
                                       <p:cBhvr>
-                                        <p:cTn id="57" dur="500"/>
+                                        <p:cTn id="52" dur="500"/>
                                         <p:tgtEl>
                                           <p:spTgt spid="2052"/>
                                         </p:tgtEl>
@@ -17938,26 +22077,26 @@
                     </p:cTn>
                   </p:par>
                   <p:par>
-                    <p:cTn id="58" fill="hold">
+                    <p:cTn id="53" fill="hold">
                       <p:stCondLst>
                         <p:cond delay="indefinite"/>
                       </p:stCondLst>
                       <p:childTnLst>
                         <p:par>
-                          <p:cTn id="59" fill="hold">
+                          <p:cTn id="54" fill="hold">
                             <p:stCondLst>
                               <p:cond delay="0"/>
                             </p:stCondLst>
                             <p:childTnLst>
                               <p:par>
-                                <p:cTn id="60" presetID="53" presetClass="entr" presetSubtype="16" fill="hold" nodeType="clickEffect">
+                                <p:cTn id="55" presetID="53" presetClass="entr" presetSubtype="16" fill="hold" nodeType="clickEffect">
                                   <p:stCondLst>
                                     <p:cond delay="0"/>
                                   </p:stCondLst>
                                   <p:childTnLst>
                                     <p:set>
                                       <p:cBhvr>
-                                        <p:cTn id="61" dur="1" fill="hold">
+                                        <p:cTn id="56" dur="1" fill="hold">
                                           <p:stCondLst>
                                             <p:cond delay="0"/>
                                           </p:stCondLst>
@@ -17975,7 +22114,7 @@
                                     </p:set>
                                     <p:anim calcmode="lin" valueType="num">
                                       <p:cBhvr>
-                                        <p:cTn id="62" dur="500" fill="hold"/>
+                                        <p:cTn id="57" dur="500" fill="hold"/>
                                         <p:tgtEl>
                                           <p:spTgt spid="2053"/>
                                         </p:tgtEl>
@@ -17998,7 +22137,7 @@
                                     </p:anim>
                                     <p:anim calcmode="lin" valueType="num">
                                       <p:cBhvr>
-                                        <p:cTn id="63" dur="500" fill="hold"/>
+                                        <p:cTn id="58" dur="500" fill="hold"/>
                                         <p:tgtEl>
                                           <p:spTgt spid="2053"/>
                                         </p:tgtEl>
@@ -18021,7 +22160,7 @@
                                     </p:anim>
                                     <p:animEffect transition="in" filter="fade">
                                       <p:cBhvr>
-                                        <p:cTn id="64" dur="500"/>
+                                        <p:cTn id="59" dur="500"/>
                                         <p:tgtEl>
                                           <p:spTgt spid="2053"/>
                                         </p:tgtEl>
@@ -18031,14 +22170,14 @@
                                 </p:cTn>
                               </p:par>
                               <p:par>
-                                <p:cTn id="65" presetID="53" presetClass="entr" presetSubtype="16" fill="hold" nodeType="withEffect">
+                                <p:cTn id="60" presetID="53" presetClass="entr" presetSubtype="16" fill="hold" nodeType="withEffect">
                                   <p:stCondLst>
                                     <p:cond delay="0"/>
                                   </p:stCondLst>
                                   <p:childTnLst>
                                     <p:set>
                                       <p:cBhvr>
-                                        <p:cTn id="66" dur="1" fill="hold">
+                                        <p:cTn id="61" dur="1" fill="hold">
                                           <p:stCondLst>
                                             <p:cond delay="0"/>
                                           </p:stCondLst>
@@ -18056,7 +22195,7 @@
                                     </p:set>
                                     <p:anim calcmode="lin" valueType="num">
                                       <p:cBhvr>
-                                        <p:cTn id="67" dur="500" fill="hold"/>
+                                        <p:cTn id="62" dur="500" fill="hold"/>
                                         <p:tgtEl>
                                           <p:spTgt spid="14"/>
                                         </p:tgtEl>
@@ -18079,7 +22218,7 @@
                                     </p:anim>
                                     <p:anim calcmode="lin" valueType="num">
                                       <p:cBhvr>
-                                        <p:cTn id="68" dur="500" fill="hold"/>
+                                        <p:cTn id="63" dur="500" fill="hold"/>
                                         <p:tgtEl>
                                           <p:spTgt spid="14"/>
                                         </p:tgtEl>
@@ -18102,7 +22241,7 @@
                                     </p:anim>
                                     <p:animEffect transition="in" filter="fade">
                                       <p:cBhvr>
-                                        <p:cTn id="69" dur="500"/>
+                                        <p:cTn id="64" dur="500"/>
                                         <p:tgtEl>
                                           <p:spTgt spid="14"/>
                                         </p:tgtEl>
@@ -18118,26 +22257,26 @@
                     </p:cTn>
                   </p:par>
                   <p:par>
-                    <p:cTn id="70" fill="hold">
+                    <p:cTn id="65" fill="hold">
                       <p:stCondLst>
                         <p:cond delay="indefinite"/>
                       </p:stCondLst>
                       <p:childTnLst>
                         <p:par>
-                          <p:cTn id="71" fill="hold">
+                          <p:cTn id="66" fill="hold">
                             <p:stCondLst>
                               <p:cond delay="0"/>
                             </p:stCondLst>
                             <p:childTnLst>
                               <p:par>
-                                <p:cTn id="72" presetID="53" presetClass="entr" presetSubtype="16" fill="hold" nodeType="clickEffect">
+                                <p:cTn id="67" presetID="53" presetClass="entr" presetSubtype="16" fill="hold" nodeType="clickEffect">
                                   <p:stCondLst>
                                     <p:cond delay="0"/>
                                   </p:stCondLst>
                                   <p:childTnLst>
                                     <p:set>
                                       <p:cBhvr>
-                                        <p:cTn id="73" dur="1" fill="hold">
+                                        <p:cTn id="68" dur="1" fill="hold">
                                           <p:stCondLst>
                                             <p:cond delay="0"/>
                                           </p:stCondLst>
@@ -18155,7 +22294,7 @@
                                     </p:set>
                                     <p:anim calcmode="lin" valueType="num">
                                       <p:cBhvr>
-                                        <p:cTn id="74" dur="500" fill="hold"/>
+                                        <p:cTn id="69" dur="500" fill="hold"/>
                                         <p:tgtEl>
                                           <p:spTgt spid="24"/>
                                         </p:tgtEl>
@@ -18178,7 +22317,7 @@
                                     </p:anim>
                                     <p:anim calcmode="lin" valueType="num">
                                       <p:cBhvr>
-                                        <p:cTn id="75" dur="500" fill="hold"/>
+                                        <p:cTn id="70" dur="500" fill="hold"/>
                                         <p:tgtEl>
                                           <p:spTgt spid="24"/>
                                         </p:tgtEl>
@@ -18201,7 +22340,7 @@
                                     </p:anim>
                                     <p:animEffect transition="in" filter="fade">
                                       <p:cBhvr>
-                                        <p:cTn id="76" dur="500"/>
+                                        <p:cTn id="71" dur="500"/>
                                         <p:tgtEl>
                                           <p:spTgt spid="24"/>
                                         </p:tgtEl>
@@ -18217,26 +22356,26 @@
                     </p:cTn>
                   </p:par>
                   <p:par>
-                    <p:cTn id="77" fill="hold">
+                    <p:cTn id="72" fill="hold">
                       <p:stCondLst>
                         <p:cond delay="indefinite"/>
                       </p:stCondLst>
                       <p:childTnLst>
                         <p:par>
-                          <p:cTn id="78" fill="hold">
+                          <p:cTn id="73" fill="hold">
                             <p:stCondLst>
                               <p:cond delay="0"/>
                             </p:stCondLst>
                             <p:childTnLst>
                               <p:par>
-                                <p:cTn id="79" presetID="53" presetClass="entr" presetSubtype="16" fill="hold" nodeType="clickEffect">
+                                <p:cTn id="74" presetID="53" presetClass="entr" presetSubtype="16" fill="hold" nodeType="clickEffect">
                                   <p:stCondLst>
                                     <p:cond delay="0"/>
                                   </p:stCondLst>
                                   <p:childTnLst>
                                     <p:set>
                                       <p:cBhvr>
-                                        <p:cTn id="80" dur="1" fill="hold">
+                                        <p:cTn id="75" dur="1" fill="hold">
                                           <p:stCondLst>
                                             <p:cond delay="0"/>
                                           </p:stCondLst>
@@ -18254,7 +22393,7 @@
                                     </p:set>
                                     <p:anim calcmode="lin" valueType="num">
                                       <p:cBhvr>
-                                        <p:cTn id="81" dur="500" fill="hold"/>
+                                        <p:cTn id="76" dur="500" fill="hold"/>
                                         <p:tgtEl>
                                           <p:spTgt spid="18"/>
                                         </p:tgtEl>
@@ -18277,7 +22416,7 @@
                                     </p:anim>
                                     <p:anim calcmode="lin" valueType="num">
                                       <p:cBhvr>
-                                        <p:cTn id="82" dur="500" fill="hold"/>
+                                        <p:cTn id="77" dur="500" fill="hold"/>
                                         <p:tgtEl>
                                           <p:spTgt spid="18"/>
                                         </p:tgtEl>
@@ -18300,7 +22439,7 @@
                                     </p:anim>
                                     <p:animEffect transition="in" filter="fade">
                                       <p:cBhvr>
-                                        <p:cTn id="83" dur="500"/>
+                                        <p:cTn id="78" dur="500"/>
                                         <p:tgtEl>
                                           <p:spTgt spid="18"/>
                                         </p:tgtEl>
@@ -22049,7 +26188,7 @@
       </p:grpSpPr>
       <p:pic>
         <p:nvPicPr>
-          <p:cNvPr id="4" name="Picture 2" descr="C:\Users\QuangTV\Desktop\server.jpg"/>
+          <p:cNvPr id="4" name="Picture 5" descr="C:\Users\QuangTV\Desktop\analyze.png"/>
           <p:cNvPicPr>
             <a:picLocks noChangeAspect="1" noChangeArrowheads="1"/>
           </p:cNvPicPr>
@@ -22070,90 +26209,8 @@
         </p:blipFill>
         <p:spPr bwMode="auto">
           <a:xfrm>
-            <a:off x="457200" y="2605241"/>
-            <a:ext cx="2057400" cy="1991032"/>
-          </a:xfrm>
-          <a:prstGeom prst="rect">
-            <a:avLst/>
-          </a:prstGeom>
-          <a:noFill/>
-          <a:extLst>
-            <a:ext uri="{909E8E84-426E-40DD-AFC4-6F175D3DCCD1}">
-              <a14:hiddenFill xmlns:a14="http://schemas.microsoft.com/office/drawing/2010/main">
-                <a:solidFill>
-                  <a:srgbClr val="FFFFFF"/>
-                </a:solidFill>
-              </a14:hiddenFill>
-            </a:ext>
-          </a:extLst>
-        </p:spPr>
-      </p:pic>
-      <p:pic>
-        <p:nvPicPr>
-          <p:cNvPr id="5" name="Picture 5" descr="C:\Users\QuangTV\Desktop\analyze.png"/>
-          <p:cNvPicPr>
-            <a:picLocks noChangeAspect="1" noChangeArrowheads="1"/>
-          </p:cNvPicPr>
-          <p:nvPr/>
-        </p:nvPicPr>
-        <p:blipFill>
-          <a:blip r:embed="rId3">
-            <a:extLst>
-              <a:ext uri="{28A0092B-C50C-407E-A947-70E740481C1C}">
-                <a14:useLocalDpi xmlns:a14="http://schemas.microsoft.com/office/drawing/2010/main" val="0"/>
-              </a:ext>
-            </a:extLst>
-          </a:blip>
-          <a:srcRect/>
-          <a:stretch>
-            <a:fillRect/>
-          </a:stretch>
-        </p:blipFill>
-        <p:spPr bwMode="auto">
-          <a:xfrm>
-            <a:off x="5797672" y="304800"/>
+            <a:off x="3276600" y="2057400"/>
             <a:ext cx="2300441" cy="2300441"/>
-          </a:xfrm>
-          <a:prstGeom prst="rect">
-            <a:avLst/>
-          </a:prstGeom>
-          <a:noFill/>
-          <a:extLst>
-            <a:ext uri="{909E8E84-426E-40DD-AFC4-6F175D3DCCD1}">
-              <a14:hiddenFill xmlns:a14="http://schemas.microsoft.com/office/drawing/2010/main">
-                <a:solidFill>
-                  <a:srgbClr val="FFFFFF"/>
-                </a:solidFill>
-              </a14:hiddenFill>
-            </a:ext>
-          </a:extLst>
-        </p:spPr>
-      </p:pic>
-      <p:pic>
-        <p:nvPicPr>
-          <p:cNvPr id="6" name="Picture 3" descr="C:\Users\QuangTV\Desktop\notify.png"/>
-          <p:cNvPicPr>
-            <a:picLocks noChangeAspect="1" noChangeArrowheads="1"/>
-          </p:cNvPicPr>
-          <p:nvPr/>
-        </p:nvPicPr>
-        <p:blipFill>
-          <a:blip r:embed="rId4" cstate="print">
-            <a:extLst>
-              <a:ext uri="{28A0092B-C50C-407E-A947-70E740481C1C}">
-                <a14:useLocalDpi xmlns:a14="http://schemas.microsoft.com/office/drawing/2010/main" val="0"/>
-              </a:ext>
-            </a:extLst>
-          </a:blip>
-          <a:srcRect/>
-          <a:stretch>
-            <a:fillRect/>
-          </a:stretch>
-        </p:blipFill>
-        <p:spPr bwMode="auto">
-          <a:xfrm>
-            <a:off x="6019800" y="4269401"/>
-            <a:ext cx="2071342" cy="2057400"/>
           </a:xfrm>
           <a:prstGeom prst="rect">
             <a:avLst/>
@@ -22172,14 +26229,14 @@
       </p:pic>
       <p:sp>
         <p:nvSpPr>
-          <p:cNvPr id="7" name="TextBox 6"/>
+          <p:cNvPr id="5" name="TextBox 4"/>
           <p:cNvSpPr txBox="1"/>
           <p:nvPr/>
         </p:nvSpPr>
         <p:spPr>
           <a:xfrm>
-            <a:off x="152400" y="260290"/>
-            <a:ext cx="3537700" cy="400110"/>
+            <a:off x="2079350" y="4495800"/>
+            <a:ext cx="4694940" cy="461665"/>
           </a:xfrm>
           <a:prstGeom prst="rect">
             <a:avLst/>
@@ -22193,93 +26250,21 @@
           <a:lstStyle/>
           <a:p>
             <a:r>
-              <a:rPr lang="en-US" sz="2000" b="1" dirty="0" smtClean="0">
+              <a:rPr lang="en-US" sz="2400" b="1" dirty="0" smtClean="0">
                 <a:latin typeface="Cambria" pitchFamily="18" charset="0"/>
               </a:rPr>
-              <a:t>At 06:00 and 12:15 everyday</a:t>
+              <a:t>Analyze data and make decision</a:t>
             </a:r>
-            <a:endParaRPr lang="en-US" sz="2000" b="1" dirty="0">
+            <a:endParaRPr lang="en-US" sz="2400" b="1" dirty="0">
               <a:latin typeface="Cambria" pitchFamily="18" charset="0"/>
             </a:endParaRPr>
           </a:p>
         </p:txBody>
       </p:sp>
-      <p:cxnSp>
-        <p:nvCxnSpPr>
-          <p:cNvPr id="10" name="Straight Arrow Connector 9"/>
-          <p:cNvCxnSpPr>
-            <a:stCxn id="4" idx="3"/>
-            <a:endCxn id="5" idx="1"/>
-          </p:cNvCxnSpPr>
-          <p:nvPr/>
-        </p:nvCxnSpPr>
-        <p:spPr>
-          <a:xfrm flipV="1">
-            <a:off x="2514600" y="1455021"/>
-            <a:ext cx="3283072" cy="2145736"/>
-          </a:xfrm>
-          <a:prstGeom prst="straightConnector1">
-            <a:avLst/>
-          </a:prstGeom>
-          <a:ln>
-            <a:tailEnd type="arrow"/>
-          </a:ln>
-        </p:spPr>
-        <p:style>
-          <a:lnRef idx="1">
-            <a:schemeClr val="accent1"/>
-          </a:lnRef>
-          <a:fillRef idx="0">
-            <a:schemeClr val="accent1"/>
-          </a:fillRef>
-          <a:effectRef idx="0">
-            <a:schemeClr val="accent1"/>
-          </a:effectRef>
-          <a:fontRef idx="minor">
-            <a:schemeClr val="tx1"/>
-          </a:fontRef>
-        </p:style>
-      </p:cxnSp>
-      <p:cxnSp>
-        <p:nvCxnSpPr>
-          <p:cNvPr id="12" name="Straight Arrow Connector 11"/>
-          <p:cNvCxnSpPr>
-            <a:stCxn id="4" idx="3"/>
-            <a:endCxn id="6" idx="1"/>
-          </p:cNvCxnSpPr>
-          <p:nvPr/>
-        </p:nvCxnSpPr>
-        <p:spPr>
-          <a:xfrm>
-            <a:off x="2514600" y="3600757"/>
-            <a:ext cx="3505200" cy="1697344"/>
-          </a:xfrm>
-          <a:prstGeom prst="straightConnector1">
-            <a:avLst/>
-          </a:prstGeom>
-          <a:ln>
-            <a:tailEnd type="arrow"/>
-          </a:ln>
-        </p:spPr>
-        <p:style>
-          <a:lnRef idx="1">
-            <a:schemeClr val="accent1"/>
-          </a:lnRef>
-          <a:fillRef idx="0">
-            <a:schemeClr val="accent1"/>
-          </a:fillRef>
-          <a:effectRef idx="0">
-            <a:schemeClr val="accent1"/>
-          </a:effectRef>
-          <a:fontRef idx="minor">
-            <a:schemeClr val="tx1"/>
-          </a:fontRef>
-        </p:style>
-      </p:cxnSp>
     </p:spTree>
     <p:extLst>
       <p:ext uri="{BB962C8B-B14F-4D97-AF65-F5344CB8AC3E}">
-        <p14:creationId xmlns:p14="http://schemas.microsoft.com/office/powerpoint/2010/main" val="1193628264"/>
+        <p14:creationId xmlns:p14="http://schemas.microsoft.com/office/powerpoint/2010/main" val="206236281"/>
       </p:ext>
     </p:extLst>
   </p:cSld>
@@ -22298,6 +26283,9 @@
                     <p:cTn id="3" fill="hold">
                       <p:stCondLst>
                         <p:cond delay="indefinite"/>
+                        <p:cond evt="onBegin" delay="0">
+                          <p:tn val="2"/>
+                        </p:cond>
                       </p:stCondLst>
                       <p:childTnLst>
                         <p:par>
@@ -22307,7 +26295,7 @@
                             </p:stCondLst>
                             <p:childTnLst>
                               <p:par>
-                                <p:cTn id="5" presetID="53" presetClass="entr" presetSubtype="16" fill="hold" nodeType="clickEffect">
+                                <p:cTn id="5" presetID="53" presetClass="entr" presetSubtype="16" fill="hold" nodeType="withEffect">
                                   <p:stCondLst>
                                     <p:cond delay="0"/>
                                   </p:stCondLst>
@@ -22393,366 +26381,6 @@
                       </p:childTnLst>
                     </p:cTn>
                   </p:par>
-                  <p:par>
-                    <p:cTn id="10" fill="hold">
-                      <p:stCondLst>
-                        <p:cond delay="indefinite"/>
-                      </p:stCondLst>
-                      <p:childTnLst>
-                        <p:par>
-                          <p:cTn id="11" fill="hold">
-                            <p:stCondLst>
-                              <p:cond delay="0"/>
-                            </p:stCondLst>
-                            <p:childTnLst>
-                              <p:par>
-                                <p:cTn id="12" presetID="53" presetClass="entr" presetSubtype="16" fill="hold" nodeType="clickEffect">
-                                  <p:stCondLst>
-                                    <p:cond delay="0"/>
-                                  </p:stCondLst>
-                                  <p:childTnLst>
-                                    <p:set>
-                                      <p:cBhvr>
-                                        <p:cTn id="13" dur="1" fill="hold">
-                                          <p:stCondLst>
-                                            <p:cond delay="0"/>
-                                          </p:stCondLst>
-                                        </p:cTn>
-                                        <p:tgtEl>
-                                          <p:spTgt spid="10"/>
-                                        </p:tgtEl>
-                                        <p:attrNameLst>
-                                          <p:attrName>style.visibility</p:attrName>
-                                        </p:attrNameLst>
-                                      </p:cBhvr>
-                                      <p:to>
-                                        <p:strVal val="visible"/>
-                                      </p:to>
-                                    </p:set>
-                                    <p:anim calcmode="lin" valueType="num">
-                                      <p:cBhvr>
-                                        <p:cTn id="14" dur="500" fill="hold"/>
-                                        <p:tgtEl>
-                                          <p:spTgt spid="10"/>
-                                        </p:tgtEl>
-                                        <p:attrNameLst>
-                                          <p:attrName>ppt_w</p:attrName>
-                                        </p:attrNameLst>
-                                      </p:cBhvr>
-                                      <p:tavLst>
-                                        <p:tav tm="0">
-                                          <p:val>
-                                            <p:fltVal val="0"/>
-                                          </p:val>
-                                        </p:tav>
-                                        <p:tav tm="100000">
-                                          <p:val>
-                                            <p:strVal val="#ppt_w"/>
-                                          </p:val>
-                                        </p:tav>
-                                      </p:tavLst>
-                                    </p:anim>
-                                    <p:anim calcmode="lin" valueType="num">
-                                      <p:cBhvr>
-                                        <p:cTn id="15" dur="500" fill="hold"/>
-                                        <p:tgtEl>
-                                          <p:spTgt spid="10"/>
-                                        </p:tgtEl>
-                                        <p:attrNameLst>
-                                          <p:attrName>ppt_h</p:attrName>
-                                        </p:attrNameLst>
-                                      </p:cBhvr>
-                                      <p:tavLst>
-                                        <p:tav tm="0">
-                                          <p:val>
-                                            <p:fltVal val="0"/>
-                                          </p:val>
-                                        </p:tav>
-                                        <p:tav tm="100000">
-                                          <p:val>
-                                            <p:strVal val="#ppt_h"/>
-                                          </p:val>
-                                        </p:tav>
-                                      </p:tavLst>
-                                    </p:anim>
-                                    <p:animEffect transition="in" filter="fade">
-                                      <p:cBhvr>
-                                        <p:cTn id="16" dur="500"/>
-                                        <p:tgtEl>
-                                          <p:spTgt spid="10"/>
-                                        </p:tgtEl>
-                                      </p:cBhvr>
-                                    </p:animEffect>
-                                  </p:childTnLst>
-                                </p:cTn>
-                              </p:par>
-                              <p:par>
-                                <p:cTn id="17" presetID="53" presetClass="entr" presetSubtype="16" fill="hold" nodeType="withEffect">
-                                  <p:stCondLst>
-                                    <p:cond delay="0"/>
-                                  </p:stCondLst>
-                                  <p:childTnLst>
-                                    <p:set>
-                                      <p:cBhvr>
-                                        <p:cTn id="18" dur="1" fill="hold">
-                                          <p:stCondLst>
-                                            <p:cond delay="0"/>
-                                          </p:stCondLst>
-                                        </p:cTn>
-                                        <p:tgtEl>
-                                          <p:spTgt spid="5"/>
-                                        </p:tgtEl>
-                                        <p:attrNameLst>
-                                          <p:attrName>style.visibility</p:attrName>
-                                        </p:attrNameLst>
-                                      </p:cBhvr>
-                                      <p:to>
-                                        <p:strVal val="visible"/>
-                                      </p:to>
-                                    </p:set>
-                                    <p:anim calcmode="lin" valueType="num">
-                                      <p:cBhvr>
-                                        <p:cTn id="19" dur="500" fill="hold"/>
-                                        <p:tgtEl>
-                                          <p:spTgt spid="5"/>
-                                        </p:tgtEl>
-                                        <p:attrNameLst>
-                                          <p:attrName>ppt_w</p:attrName>
-                                        </p:attrNameLst>
-                                      </p:cBhvr>
-                                      <p:tavLst>
-                                        <p:tav tm="0">
-                                          <p:val>
-                                            <p:fltVal val="0"/>
-                                          </p:val>
-                                        </p:tav>
-                                        <p:tav tm="100000">
-                                          <p:val>
-                                            <p:strVal val="#ppt_w"/>
-                                          </p:val>
-                                        </p:tav>
-                                      </p:tavLst>
-                                    </p:anim>
-                                    <p:anim calcmode="lin" valueType="num">
-                                      <p:cBhvr>
-                                        <p:cTn id="20" dur="500" fill="hold"/>
-                                        <p:tgtEl>
-                                          <p:spTgt spid="5"/>
-                                        </p:tgtEl>
-                                        <p:attrNameLst>
-                                          <p:attrName>ppt_h</p:attrName>
-                                        </p:attrNameLst>
-                                      </p:cBhvr>
-                                      <p:tavLst>
-                                        <p:tav tm="0">
-                                          <p:val>
-                                            <p:fltVal val="0"/>
-                                          </p:val>
-                                        </p:tav>
-                                        <p:tav tm="100000">
-                                          <p:val>
-                                            <p:strVal val="#ppt_h"/>
-                                          </p:val>
-                                        </p:tav>
-                                      </p:tavLst>
-                                    </p:anim>
-                                    <p:animEffect transition="in" filter="fade">
-                                      <p:cBhvr>
-                                        <p:cTn id="21" dur="500"/>
-                                        <p:tgtEl>
-                                          <p:spTgt spid="5"/>
-                                        </p:tgtEl>
-                                      </p:cBhvr>
-                                    </p:animEffect>
-                                  </p:childTnLst>
-                                </p:cTn>
-                              </p:par>
-                            </p:childTnLst>
-                          </p:cTn>
-                        </p:par>
-                      </p:childTnLst>
-                    </p:cTn>
-                  </p:par>
-                  <p:par>
-                    <p:cTn id="22" fill="hold">
-                      <p:stCondLst>
-                        <p:cond delay="indefinite"/>
-                      </p:stCondLst>
-                      <p:childTnLst>
-                        <p:par>
-                          <p:cTn id="23" fill="hold">
-                            <p:stCondLst>
-                              <p:cond delay="0"/>
-                            </p:stCondLst>
-                            <p:childTnLst>
-                              <p:par>
-                                <p:cTn id="24" presetID="53" presetClass="entr" presetSubtype="16" fill="hold" nodeType="clickEffect">
-                                  <p:stCondLst>
-                                    <p:cond delay="0"/>
-                                  </p:stCondLst>
-                                  <p:childTnLst>
-                                    <p:set>
-                                      <p:cBhvr>
-                                        <p:cTn id="25" dur="1" fill="hold">
-                                          <p:stCondLst>
-                                            <p:cond delay="0"/>
-                                          </p:stCondLst>
-                                        </p:cTn>
-                                        <p:tgtEl>
-                                          <p:spTgt spid="6"/>
-                                        </p:tgtEl>
-                                        <p:attrNameLst>
-                                          <p:attrName>style.visibility</p:attrName>
-                                        </p:attrNameLst>
-                                      </p:cBhvr>
-                                      <p:to>
-                                        <p:strVal val="visible"/>
-                                      </p:to>
-                                    </p:set>
-                                    <p:anim calcmode="lin" valueType="num">
-                                      <p:cBhvr>
-                                        <p:cTn id="26" dur="500" fill="hold"/>
-                                        <p:tgtEl>
-                                          <p:spTgt spid="6"/>
-                                        </p:tgtEl>
-                                        <p:attrNameLst>
-                                          <p:attrName>ppt_w</p:attrName>
-                                        </p:attrNameLst>
-                                      </p:cBhvr>
-                                      <p:tavLst>
-                                        <p:tav tm="0">
-                                          <p:val>
-                                            <p:fltVal val="0"/>
-                                          </p:val>
-                                        </p:tav>
-                                        <p:tav tm="100000">
-                                          <p:val>
-                                            <p:strVal val="#ppt_w"/>
-                                          </p:val>
-                                        </p:tav>
-                                      </p:tavLst>
-                                    </p:anim>
-                                    <p:anim calcmode="lin" valueType="num">
-                                      <p:cBhvr>
-                                        <p:cTn id="27" dur="500" fill="hold"/>
-                                        <p:tgtEl>
-                                          <p:spTgt spid="6"/>
-                                        </p:tgtEl>
-                                        <p:attrNameLst>
-                                          <p:attrName>ppt_h</p:attrName>
-                                        </p:attrNameLst>
-                                      </p:cBhvr>
-                                      <p:tavLst>
-                                        <p:tav tm="0">
-                                          <p:val>
-                                            <p:fltVal val="0"/>
-                                          </p:val>
-                                        </p:tav>
-                                        <p:tav tm="100000">
-                                          <p:val>
-                                            <p:strVal val="#ppt_h"/>
-                                          </p:val>
-                                        </p:tav>
-                                      </p:tavLst>
-                                    </p:anim>
-                                    <p:animEffect transition="in" filter="fade">
-                                      <p:cBhvr>
-                                        <p:cTn id="28" dur="500"/>
-                                        <p:tgtEl>
-                                          <p:spTgt spid="6"/>
-                                        </p:tgtEl>
-                                      </p:cBhvr>
-                                    </p:animEffect>
-                                  </p:childTnLst>
-                                </p:cTn>
-                              </p:par>
-                              <p:par>
-                                <p:cTn id="29" presetID="53" presetClass="entr" presetSubtype="16" fill="hold" nodeType="withEffect">
-                                  <p:stCondLst>
-                                    <p:cond delay="0"/>
-                                  </p:stCondLst>
-                                  <p:childTnLst>
-                                    <p:set>
-                                      <p:cBhvr>
-                                        <p:cTn id="30" dur="1" fill="hold">
-                                          <p:stCondLst>
-                                            <p:cond delay="0"/>
-                                          </p:stCondLst>
-                                        </p:cTn>
-                                        <p:tgtEl>
-                                          <p:spTgt spid="12"/>
-                                        </p:tgtEl>
-                                        <p:attrNameLst>
-                                          <p:attrName>style.visibility</p:attrName>
-                                        </p:attrNameLst>
-                                      </p:cBhvr>
-                                      <p:to>
-                                        <p:strVal val="visible"/>
-                                      </p:to>
-                                    </p:set>
-                                    <p:anim calcmode="lin" valueType="num">
-                                      <p:cBhvr>
-                                        <p:cTn id="31" dur="500" fill="hold"/>
-                                        <p:tgtEl>
-                                          <p:spTgt spid="12"/>
-                                        </p:tgtEl>
-                                        <p:attrNameLst>
-                                          <p:attrName>ppt_w</p:attrName>
-                                        </p:attrNameLst>
-                                      </p:cBhvr>
-                                      <p:tavLst>
-                                        <p:tav tm="0">
-                                          <p:val>
-                                            <p:fltVal val="0"/>
-                                          </p:val>
-                                        </p:tav>
-                                        <p:tav tm="100000">
-                                          <p:val>
-                                            <p:strVal val="#ppt_w"/>
-                                          </p:val>
-                                        </p:tav>
-                                      </p:tavLst>
-                                    </p:anim>
-                                    <p:anim calcmode="lin" valueType="num">
-                                      <p:cBhvr>
-                                        <p:cTn id="32" dur="500" fill="hold"/>
-                                        <p:tgtEl>
-                                          <p:spTgt spid="12"/>
-                                        </p:tgtEl>
-                                        <p:attrNameLst>
-                                          <p:attrName>ppt_h</p:attrName>
-                                        </p:attrNameLst>
-                                      </p:cBhvr>
-                                      <p:tavLst>
-                                        <p:tav tm="0">
-                                          <p:val>
-                                            <p:fltVal val="0"/>
-                                          </p:val>
-                                        </p:tav>
-                                        <p:tav tm="100000">
-                                          <p:val>
-                                            <p:strVal val="#ppt_h"/>
-                                          </p:val>
-                                        </p:tav>
-                                      </p:tavLst>
-                                    </p:anim>
-                                    <p:animEffect transition="in" filter="fade">
-                                      <p:cBhvr>
-                                        <p:cTn id="33" dur="500"/>
-                                        <p:tgtEl>
-                                          <p:spTgt spid="12"/>
-                                        </p:tgtEl>
-                                      </p:cBhvr>
-                                    </p:animEffect>
-                                  </p:childTnLst>
-                                </p:cTn>
-                              </p:par>
-                            </p:childTnLst>
-                          </p:cTn>
-                        </p:par>
-                      </p:childTnLst>
-                    </p:cTn>
-                  </p:par>
                 </p:childTnLst>
               </p:cTn>
               <p:prevCondLst>
@@ -22797,14 +26425,14 @@
       </p:grpSpPr>
       <p:pic>
         <p:nvPicPr>
-          <p:cNvPr id="4" name="Picture 2" descr="C:\Users\QuangTV\Desktop\server.jpg"/>
+          <p:cNvPr id="4" name="Picture 4" descr="C:\Users\QuangTV\Desktop\report-icon.gif"/>
           <p:cNvPicPr>
             <a:picLocks noChangeAspect="1" noChangeArrowheads="1"/>
           </p:cNvPicPr>
           <p:nvPr/>
         </p:nvPicPr>
         <p:blipFill>
-          <a:blip r:embed="rId2">
+          <a:blip r:embed="rId2" cstate="print">
             <a:extLst>
               <a:ext uri="{28A0092B-C50C-407E-A947-70E740481C1C}">
                 <a14:useLocalDpi xmlns:a14="http://schemas.microsoft.com/office/drawing/2010/main" val="0"/>
@@ -22818,49 +26446,8 @@
         </p:blipFill>
         <p:spPr bwMode="auto">
           <a:xfrm>
-            <a:off x="457200" y="2605241"/>
-            <a:ext cx="2057400" cy="1991032"/>
-          </a:xfrm>
-          <a:prstGeom prst="rect">
-            <a:avLst/>
-          </a:prstGeom>
-          <a:noFill/>
-          <a:extLst>
-            <a:ext uri="{909E8E84-426E-40DD-AFC4-6F175D3DCCD1}">
-              <a14:hiddenFill xmlns:a14="http://schemas.microsoft.com/office/drawing/2010/main">
-                <a:solidFill>
-                  <a:srgbClr val="FFFFFF"/>
-                </a:solidFill>
-              </a14:hiddenFill>
-            </a:ext>
-          </a:extLst>
-        </p:spPr>
-      </p:pic>
-      <p:pic>
-        <p:nvPicPr>
-          <p:cNvPr id="5" name="Picture 5" descr="C:\Users\QuangTV\Desktop\analyze.png"/>
-          <p:cNvPicPr>
-            <a:picLocks noChangeAspect="1" noChangeArrowheads="1"/>
-          </p:cNvPicPr>
-          <p:nvPr/>
-        </p:nvPicPr>
-        <p:blipFill>
-          <a:blip r:embed="rId3">
-            <a:extLst>
-              <a:ext uri="{28A0092B-C50C-407E-A947-70E740481C1C}">
-                <a14:useLocalDpi xmlns:a14="http://schemas.microsoft.com/office/drawing/2010/main" val="0"/>
-              </a:ext>
-            </a:extLst>
-          </a:blip>
-          <a:srcRect/>
-          <a:stretch>
-            <a:fillRect/>
-          </a:stretch>
-        </p:blipFill>
-        <p:spPr bwMode="auto">
-          <a:xfrm>
-            <a:off x="5638800" y="304800"/>
-            <a:ext cx="2300441" cy="2300441"/>
+            <a:off x="3962400" y="2286000"/>
+            <a:ext cx="801001" cy="895350"/>
           </a:xfrm>
           <a:prstGeom prst="rect">
             <a:avLst/>
@@ -22885,8 +26472,8 @@
         </p:nvSpPr>
         <p:spPr>
           <a:xfrm>
-            <a:off x="152400" y="260290"/>
-            <a:ext cx="2296975" cy="400110"/>
+            <a:off x="304800" y="304800"/>
+            <a:ext cx="3023841" cy="400110"/>
           </a:xfrm>
           <a:prstGeom prst="rect">
             <a:avLst/>
@@ -22903,7 +26490,7 @@
               <a:rPr lang="en-US" sz="2000" b="1" dirty="0" smtClean="0">
                 <a:latin typeface="Cambria" pitchFamily="18" charset="0"/>
               </a:rPr>
-              <a:t>At 07:00 everyday</a:t>
+              <a:t>1. Get all newest reports</a:t>
             </a:r>
             <a:endParaRPr lang="en-US" sz="2000" b="1" dirty="0">
               <a:latin typeface="Cambria" pitchFamily="18" charset="0"/>
@@ -22911,122 +26498,100 @@
           </a:p>
         </p:txBody>
       </p:sp>
-      <p:cxnSp>
-        <p:nvCxnSpPr>
-          <p:cNvPr id="8" name="Straight Arrow Connector 7"/>
-          <p:cNvCxnSpPr>
-            <a:stCxn id="4" idx="3"/>
-            <a:endCxn id="5" idx="1"/>
-          </p:cNvCxnSpPr>
-          <p:nvPr/>
-        </p:nvCxnSpPr>
-        <p:spPr>
-          <a:xfrm flipV="1">
-            <a:off x="2514600" y="1455021"/>
-            <a:ext cx="3124200" cy="2145736"/>
-          </a:xfrm>
-          <a:prstGeom prst="straightConnector1">
-            <a:avLst/>
-          </a:prstGeom>
-          <a:ln>
-            <a:tailEnd type="arrow"/>
-          </a:ln>
-        </p:spPr>
-        <p:style>
-          <a:lnRef idx="1">
-            <a:schemeClr val="accent1"/>
-          </a:lnRef>
-          <a:fillRef idx="0">
-            <a:schemeClr val="accent1"/>
-          </a:fillRef>
-          <a:effectRef idx="0">
-            <a:schemeClr val="accent1"/>
-          </a:effectRef>
-          <a:fontRef idx="minor">
-            <a:schemeClr val="tx1"/>
-          </a:fontRef>
-        </p:style>
-      </p:cxnSp>
-      <p:cxnSp>
-        <p:nvCxnSpPr>
-          <p:cNvPr id="9" name="Straight Arrow Connector 8"/>
-          <p:cNvCxnSpPr>
-            <a:stCxn id="4" idx="3"/>
-          </p:cNvCxnSpPr>
-          <p:nvPr/>
-        </p:nvCxnSpPr>
-        <p:spPr>
-          <a:xfrm>
-            <a:off x="2514600" y="3600757"/>
-            <a:ext cx="3353299" cy="1466543"/>
-          </a:xfrm>
-          <a:prstGeom prst="straightConnector1">
-            <a:avLst/>
-          </a:prstGeom>
-          <a:ln>
-            <a:tailEnd type="arrow"/>
-          </a:ln>
-        </p:spPr>
-        <p:style>
-          <a:lnRef idx="1">
-            <a:schemeClr val="accent1"/>
-          </a:lnRef>
-          <a:fillRef idx="0">
-            <a:schemeClr val="accent1"/>
-          </a:fillRef>
-          <a:effectRef idx="0">
-            <a:schemeClr val="accent1"/>
-          </a:effectRef>
-          <a:fontRef idx="minor">
-            <a:schemeClr val="tx1"/>
-          </a:fontRef>
-        </p:style>
-      </p:cxnSp>
-      <p:pic>
-        <p:nvPicPr>
-          <p:cNvPr id="10" name="Picture 9" descr="C:\Users\QuangTV\Desktop\office.png"/>
-          <p:cNvPicPr>
-            <a:picLocks noChangeAspect="1" noChangeArrowheads="1"/>
-          </p:cNvPicPr>
-          <p:nvPr/>
-        </p:nvPicPr>
-        <p:blipFill>
-          <a:blip r:embed="rId4">
-            <a:extLst>
-              <a:ext uri="{28A0092B-C50C-407E-A947-70E740481C1C}">
-                <a14:useLocalDpi xmlns:a14="http://schemas.microsoft.com/office/drawing/2010/main" val="0"/>
-              </a:ext>
-            </a:extLst>
-          </a:blip>
-          <a:srcRect/>
-          <a:stretch>
-            <a:fillRect/>
-          </a:stretch>
-        </p:blipFill>
-        <p:spPr bwMode="auto">
-          <a:xfrm>
-            <a:off x="5881841" y="4346728"/>
-            <a:ext cx="2057400" cy="2027850"/>
-          </a:xfrm>
-          <a:prstGeom prst="rect">
-            <a:avLst/>
-          </a:prstGeom>
-          <a:noFill/>
-          <a:extLst>
-            <a:ext uri="{909E8E84-426E-40DD-AFC4-6F175D3DCCD1}">
-              <a14:hiddenFill xmlns:a14="http://schemas.microsoft.com/office/drawing/2010/main">
-                <a:solidFill>
-                  <a:srgbClr val="FFFFFF"/>
-                </a:solidFill>
-              </a14:hiddenFill>
-            </a:ext>
-          </a:extLst>
-        </p:spPr>
-      </p:pic>
+      <p:graphicFrame>
+        <p:nvGraphicFramePr>
+          <p:cNvPr id="11" name="Table 10"/>
+          <p:cNvGraphicFramePr>
+            <a:graphicFrameLocks noGrp="1"/>
+          </p:cNvGraphicFramePr>
+          <p:nvPr>
+            <p:extLst>
+              <p:ext uri="{D42A27DB-BD31-4B8C-83A1-F6EECF244321}">
+                <p14:modId xmlns:p14="http://schemas.microsoft.com/office/powerpoint/2010/main" val="1470923678"/>
+              </p:ext>
+            </p:extLst>
+          </p:nvPr>
+        </p:nvGraphicFramePr>
+        <p:xfrm>
+          <a:off x="1371600" y="3429000"/>
+          <a:ext cx="6096000" cy="1112520"/>
+        </p:xfrm>
+        <a:graphic>
+          <a:graphicData uri="http://schemas.openxmlformats.org/drawingml/2006/table">
+            <a:tbl>
+              <a:tblPr firstRow="1" bandRow="1">
+                <a:tableStyleId>{5940675A-B579-460E-94D1-54222C63F5DA}</a:tableStyleId>
+              </a:tblPr>
+              <a:tblGrid>
+                <a:gridCol w="6096000"/>
+              </a:tblGrid>
+              <a:tr h="370840">
+                <a:tc>
+                  <a:txBody>
+                    <a:bodyPr/>
+                    <a:lstStyle/>
+                    <a:p>
+                      <a:pPr algn="ctr"/>
+                      <a:r>
+                        <a:rPr lang="en-US" dirty="0" smtClean="0"/>
+                        <a:t>Classroom</a:t>
+                      </a:r>
+                      <a:r>
+                        <a:rPr lang="en-US" baseline="0" dirty="0" smtClean="0"/>
+                        <a:t> name</a:t>
+                      </a:r>
+                      <a:endParaRPr lang="en-US" dirty="0"/>
+                    </a:p>
+                  </a:txBody>
+                  <a:tcPr/>
+                </a:tc>
+              </a:tr>
+              <a:tr h="370840">
+                <a:tc>
+                  <a:txBody>
+                    <a:bodyPr/>
+                    <a:lstStyle/>
+                    <a:p>
+                      <a:pPr algn="ctr"/>
+                      <a:r>
+                        <a:rPr lang="en-US" dirty="0" smtClean="0"/>
+                        <a:t>List of equipment and evaluation</a:t>
+                      </a:r>
+                      <a:r>
+                        <a:rPr lang="en-US" baseline="0" dirty="0" smtClean="0"/>
+                        <a:t> of each</a:t>
+                      </a:r>
+                      <a:endParaRPr lang="en-US" dirty="0"/>
+                    </a:p>
+                  </a:txBody>
+                  <a:tcPr/>
+                </a:tc>
+              </a:tr>
+              <a:tr h="370840">
+                <a:tc>
+                  <a:txBody>
+                    <a:bodyPr/>
+                    <a:lstStyle/>
+                    <a:p>
+                      <a:pPr algn="ctr"/>
+                      <a:r>
+                        <a:rPr lang="en-US" baseline="0" dirty="0" smtClean="0"/>
+                        <a:t>Evaluation of teacher about classroom</a:t>
+                      </a:r>
+                      <a:endParaRPr lang="en-US" dirty="0"/>
+                    </a:p>
+                  </a:txBody>
+                  <a:tcPr/>
+                </a:tc>
+              </a:tr>
+            </a:tbl>
+          </a:graphicData>
+        </a:graphic>
+      </p:graphicFrame>
     </p:spTree>
     <p:extLst>
       <p:ext uri="{BB962C8B-B14F-4D97-AF65-F5344CB8AC3E}">
-        <p14:creationId xmlns:p14="http://schemas.microsoft.com/office/powerpoint/2010/main" val="1670048203"/>
+        <p14:creationId xmlns:p14="http://schemas.microsoft.com/office/powerpoint/2010/main" val="2802294519"/>
       </p:ext>
     </p:extLst>
   </p:cSld>
@@ -23054,7 +26619,7 @@
                             </p:stCondLst>
                             <p:childTnLst>
                               <p:par>
-                                <p:cTn id="5" presetID="53" presetClass="entr" presetSubtype="16" fill="hold" nodeType="clickEffect">
+                                <p:cTn id="5" presetID="6" presetClass="entr" presetSubtype="16" fill="hold" nodeType="clickEffect">
                                   <p:stCondLst>
                                     <p:cond delay="0"/>
                                   </p:stCondLst>
@@ -23077,55 +26642,9 @@
                                         <p:strVal val="visible"/>
                                       </p:to>
                                     </p:set>
-                                    <p:anim calcmode="lin" valueType="num">
+                                    <p:animEffect transition="in" filter="circle(in)">
                                       <p:cBhvr>
-                                        <p:cTn id="7" dur="500" fill="hold"/>
-                                        <p:tgtEl>
-                                          <p:spTgt spid="4"/>
-                                        </p:tgtEl>
-                                        <p:attrNameLst>
-                                          <p:attrName>ppt_w</p:attrName>
-                                        </p:attrNameLst>
-                                      </p:cBhvr>
-                                      <p:tavLst>
-                                        <p:tav tm="0">
-                                          <p:val>
-                                            <p:fltVal val="0"/>
-                                          </p:val>
-                                        </p:tav>
-                                        <p:tav tm="100000">
-                                          <p:val>
-                                            <p:strVal val="#ppt_w"/>
-                                          </p:val>
-                                        </p:tav>
-                                      </p:tavLst>
-                                    </p:anim>
-                                    <p:anim calcmode="lin" valueType="num">
-                                      <p:cBhvr>
-                                        <p:cTn id="8" dur="500" fill="hold"/>
-                                        <p:tgtEl>
-                                          <p:spTgt spid="4"/>
-                                        </p:tgtEl>
-                                        <p:attrNameLst>
-                                          <p:attrName>ppt_h</p:attrName>
-                                        </p:attrNameLst>
-                                      </p:cBhvr>
-                                      <p:tavLst>
-                                        <p:tav tm="0">
-                                          <p:val>
-                                            <p:fltVal val="0"/>
-                                          </p:val>
-                                        </p:tav>
-                                        <p:tav tm="100000">
-                                          <p:val>
-                                            <p:strVal val="#ppt_h"/>
-                                          </p:val>
-                                        </p:tav>
-                                      </p:tavLst>
-                                    </p:anim>
-                                    <p:animEffect transition="in" filter="fade">
-                                      <p:cBhvr>
-                                        <p:cTn id="9" dur="500"/>
+                                        <p:cTn id="7" dur="2000"/>
                                         <p:tgtEl>
                                           <p:spTgt spid="4"/>
                                         </p:tgtEl>
@@ -23141,356 +26660,36 @@
                     </p:cTn>
                   </p:par>
                   <p:par>
-                    <p:cTn id="10" fill="hold">
+                    <p:cTn id="8" fill="hold">
                       <p:stCondLst>
                         <p:cond delay="indefinite"/>
                       </p:stCondLst>
                       <p:childTnLst>
                         <p:par>
-                          <p:cTn id="11" fill="hold">
+                          <p:cTn id="9" fill="hold">
                             <p:stCondLst>
                               <p:cond delay="0"/>
                             </p:stCondLst>
                             <p:childTnLst>
                               <p:par>
-                                <p:cTn id="12" presetID="53" presetClass="entr" presetSubtype="16" fill="hold" nodeType="clickEffect">
+                                <p:cTn id="10" presetID="63" presetClass="path" presetSubtype="0" accel="50000" decel="50000" fill="hold" nodeType="clickEffect">
                                   <p:stCondLst>
                                     <p:cond delay="0"/>
                                   </p:stCondLst>
                                   <p:childTnLst>
-                                    <p:set>
+                                    <p:animMotion origin="layout" path="M 4.44444E-6 0 L 0.12361 -0.00139 " pathEditMode="relative" rAng="0" ptsTypes="AA">
                                       <p:cBhvr>
-                                        <p:cTn id="13" dur="1" fill="hold">
-                                          <p:stCondLst>
-                                            <p:cond delay="0"/>
-                                          </p:stCondLst>
-                                        </p:cTn>
+                                        <p:cTn id="11" dur="1300" fill="hold"/>
                                         <p:tgtEl>
-                                          <p:spTgt spid="8"/>
+                                          <p:spTgt spid="4"/>
                                         </p:tgtEl>
                                         <p:attrNameLst>
-                                          <p:attrName>style.visibility</p:attrName>
+                                          <p:attrName>ppt_x</p:attrName>
+                                          <p:attrName>ppt_y</p:attrName>
                                         </p:attrNameLst>
                                       </p:cBhvr>
-                                      <p:to>
-                                        <p:strVal val="visible"/>
-                                      </p:to>
-                                    </p:set>
-                                    <p:anim calcmode="lin" valueType="num">
-                                      <p:cBhvr>
-                                        <p:cTn id="14" dur="500" fill="hold"/>
-                                        <p:tgtEl>
-                                          <p:spTgt spid="8"/>
-                                        </p:tgtEl>
-                                        <p:attrNameLst>
-                                          <p:attrName>ppt_w</p:attrName>
-                                        </p:attrNameLst>
-                                      </p:cBhvr>
-                                      <p:tavLst>
-                                        <p:tav tm="0">
-                                          <p:val>
-                                            <p:fltVal val="0"/>
-                                          </p:val>
-                                        </p:tav>
-                                        <p:tav tm="100000">
-                                          <p:val>
-                                            <p:strVal val="#ppt_w"/>
-                                          </p:val>
-                                        </p:tav>
-                                      </p:tavLst>
-                                    </p:anim>
-                                    <p:anim calcmode="lin" valueType="num">
-                                      <p:cBhvr>
-                                        <p:cTn id="15" dur="500" fill="hold"/>
-                                        <p:tgtEl>
-                                          <p:spTgt spid="8"/>
-                                        </p:tgtEl>
-                                        <p:attrNameLst>
-                                          <p:attrName>ppt_h</p:attrName>
-                                        </p:attrNameLst>
-                                      </p:cBhvr>
-                                      <p:tavLst>
-                                        <p:tav tm="0">
-                                          <p:val>
-                                            <p:fltVal val="0"/>
-                                          </p:val>
-                                        </p:tav>
-                                        <p:tav tm="100000">
-                                          <p:val>
-                                            <p:strVal val="#ppt_h"/>
-                                          </p:val>
-                                        </p:tav>
-                                      </p:tavLst>
-                                    </p:anim>
-                                    <p:animEffect transition="in" filter="fade">
-                                      <p:cBhvr>
-                                        <p:cTn id="16" dur="500"/>
-                                        <p:tgtEl>
-                                          <p:spTgt spid="8"/>
-                                        </p:tgtEl>
-                                      </p:cBhvr>
-                                    </p:animEffect>
-                                  </p:childTnLst>
-                                </p:cTn>
-                              </p:par>
-                              <p:par>
-                                <p:cTn id="17" presetID="53" presetClass="entr" presetSubtype="16" fill="hold" nodeType="withEffect">
-                                  <p:stCondLst>
-                                    <p:cond delay="0"/>
-                                  </p:stCondLst>
-                                  <p:childTnLst>
-                                    <p:set>
-                                      <p:cBhvr>
-                                        <p:cTn id="18" dur="1" fill="hold">
-                                          <p:stCondLst>
-                                            <p:cond delay="0"/>
-                                          </p:stCondLst>
-                                        </p:cTn>
-                                        <p:tgtEl>
-                                          <p:spTgt spid="5"/>
-                                        </p:tgtEl>
-                                        <p:attrNameLst>
-                                          <p:attrName>style.visibility</p:attrName>
-                                        </p:attrNameLst>
-                                      </p:cBhvr>
-                                      <p:to>
-                                        <p:strVal val="visible"/>
-                                      </p:to>
-                                    </p:set>
-                                    <p:anim calcmode="lin" valueType="num">
-                                      <p:cBhvr>
-                                        <p:cTn id="19" dur="500" fill="hold"/>
-                                        <p:tgtEl>
-                                          <p:spTgt spid="5"/>
-                                        </p:tgtEl>
-                                        <p:attrNameLst>
-                                          <p:attrName>ppt_w</p:attrName>
-                                        </p:attrNameLst>
-                                      </p:cBhvr>
-                                      <p:tavLst>
-                                        <p:tav tm="0">
-                                          <p:val>
-                                            <p:fltVal val="0"/>
-                                          </p:val>
-                                        </p:tav>
-                                        <p:tav tm="100000">
-                                          <p:val>
-                                            <p:strVal val="#ppt_w"/>
-                                          </p:val>
-                                        </p:tav>
-                                      </p:tavLst>
-                                    </p:anim>
-                                    <p:anim calcmode="lin" valueType="num">
-                                      <p:cBhvr>
-                                        <p:cTn id="20" dur="500" fill="hold"/>
-                                        <p:tgtEl>
-                                          <p:spTgt spid="5"/>
-                                        </p:tgtEl>
-                                        <p:attrNameLst>
-                                          <p:attrName>ppt_h</p:attrName>
-                                        </p:attrNameLst>
-                                      </p:cBhvr>
-                                      <p:tavLst>
-                                        <p:tav tm="0">
-                                          <p:val>
-                                            <p:fltVal val="0"/>
-                                          </p:val>
-                                        </p:tav>
-                                        <p:tav tm="100000">
-                                          <p:val>
-                                            <p:strVal val="#ppt_h"/>
-                                          </p:val>
-                                        </p:tav>
-                                      </p:tavLst>
-                                    </p:anim>
-                                    <p:animEffect transition="in" filter="fade">
-                                      <p:cBhvr>
-                                        <p:cTn id="21" dur="500"/>
-                                        <p:tgtEl>
-                                          <p:spTgt spid="5"/>
-                                        </p:tgtEl>
-                                      </p:cBhvr>
-                                    </p:animEffect>
-                                  </p:childTnLst>
-                                </p:cTn>
-                              </p:par>
-                            </p:childTnLst>
-                          </p:cTn>
-                        </p:par>
-                      </p:childTnLst>
-                    </p:cTn>
-                  </p:par>
-                  <p:par>
-                    <p:cTn id="22" fill="hold">
-                      <p:stCondLst>
-                        <p:cond delay="indefinite"/>
-                      </p:stCondLst>
-                      <p:childTnLst>
-                        <p:par>
-                          <p:cTn id="23" fill="hold">
-                            <p:stCondLst>
-                              <p:cond delay="0"/>
-                            </p:stCondLst>
-                            <p:childTnLst>
-                              <p:par>
-                                <p:cTn id="24" presetID="53" presetClass="entr" presetSubtype="16" fill="hold" nodeType="clickEffect">
-                                  <p:stCondLst>
-                                    <p:cond delay="0"/>
-                                  </p:stCondLst>
-                                  <p:childTnLst>
-                                    <p:set>
-                                      <p:cBhvr>
-                                        <p:cTn id="25" dur="1" fill="hold">
-                                          <p:stCondLst>
-                                            <p:cond delay="0"/>
-                                          </p:stCondLst>
-                                        </p:cTn>
-                                        <p:tgtEl>
-                                          <p:spTgt spid="9"/>
-                                        </p:tgtEl>
-                                        <p:attrNameLst>
-                                          <p:attrName>style.visibility</p:attrName>
-                                        </p:attrNameLst>
-                                      </p:cBhvr>
-                                      <p:to>
-                                        <p:strVal val="visible"/>
-                                      </p:to>
-                                    </p:set>
-                                    <p:anim calcmode="lin" valueType="num">
-                                      <p:cBhvr>
-                                        <p:cTn id="26" dur="500" fill="hold"/>
-                                        <p:tgtEl>
-                                          <p:spTgt spid="9"/>
-                                        </p:tgtEl>
-                                        <p:attrNameLst>
-                                          <p:attrName>ppt_w</p:attrName>
-                                        </p:attrNameLst>
-                                      </p:cBhvr>
-                                      <p:tavLst>
-                                        <p:tav tm="0">
-                                          <p:val>
-                                            <p:fltVal val="0"/>
-                                          </p:val>
-                                        </p:tav>
-                                        <p:tav tm="100000">
-                                          <p:val>
-                                            <p:strVal val="#ppt_w"/>
-                                          </p:val>
-                                        </p:tav>
-                                      </p:tavLst>
-                                    </p:anim>
-                                    <p:anim calcmode="lin" valueType="num">
-                                      <p:cBhvr>
-                                        <p:cTn id="27" dur="500" fill="hold"/>
-                                        <p:tgtEl>
-                                          <p:spTgt spid="9"/>
-                                        </p:tgtEl>
-                                        <p:attrNameLst>
-                                          <p:attrName>ppt_h</p:attrName>
-                                        </p:attrNameLst>
-                                      </p:cBhvr>
-                                      <p:tavLst>
-                                        <p:tav tm="0">
-                                          <p:val>
-                                            <p:fltVal val="0"/>
-                                          </p:val>
-                                        </p:tav>
-                                        <p:tav tm="100000">
-                                          <p:val>
-                                            <p:strVal val="#ppt_h"/>
-                                          </p:val>
-                                        </p:tav>
-                                      </p:tavLst>
-                                    </p:anim>
-                                    <p:animEffect transition="in" filter="fade">
-                                      <p:cBhvr>
-                                        <p:cTn id="28" dur="500"/>
-                                        <p:tgtEl>
-                                          <p:spTgt spid="9"/>
-                                        </p:tgtEl>
-                                      </p:cBhvr>
-                                    </p:animEffect>
-                                  </p:childTnLst>
-                                </p:cTn>
-                              </p:par>
-                              <p:par>
-                                <p:cTn id="29" presetID="53" presetClass="entr" presetSubtype="16" fill="hold" nodeType="withEffect">
-                                  <p:stCondLst>
-                                    <p:cond delay="0"/>
-                                  </p:stCondLst>
-                                  <p:childTnLst>
-                                    <p:set>
-                                      <p:cBhvr>
-                                        <p:cTn id="30" dur="1" fill="hold">
-                                          <p:stCondLst>
-                                            <p:cond delay="0"/>
-                                          </p:stCondLst>
-                                        </p:cTn>
-                                        <p:tgtEl>
-                                          <p:spTgt spid="10"/>
-                                        </p:tgtEl>
-                                        <p:attrNameLst>
-                                          <p:attrName>style.visibility</p:attrName>
-                                        </p:attrNameLst>
-                                      </p:cBhvr>
-                                      <p:to>
-                                        <p:strVal val="visible"/>
-                                      </p:to>
-                                    </p:set>
-                                    <p:anim calcmode="lin" valueType="num">
-                                      <p:cBhvr>
-                                        <p:cTn id="31" dur="500" fill="hold"/>
-                                        <p:tgtEl>
-                                          <p:spTgt spid="10"/>
-                                        </p:tgtEl>
-                                        <p:attrNameLst>
-                                          <p:attrName>ppt_w</p:attrName>
-                                        </p:attrNameLst>
-                                      </p:cBhvr>
-                                      <p:tavLst>
-                                        <p:tav tm="0">
-                                          <p:val>
-                                            <p:fltVal val="0"/>
-                                          </p:val>
-                                        </p:tav>
-                                        <p:tav tm="100000">
-                                          <p:val>
-                                            <p:strVal val="#ppt_w"/>
-                                          </p:val>
-                                        </p:tav>
-                                      </p:tavLst>
-                                    </p:anim>
-                                    <p:anim calcmode="lin" valueType="num">
-                                      <p:cBhvr>
-                                        <p:cTn id="32" dur="500" fill="hold"/>
-                                        <p:tgtEl>
-                                          <p:spTgt spid="10"/>
-                                        </p:tgtEl>
-                                        <p:attrNameLst>
-                                          <p:attrName>ppt_h</p:attrName>
-                                        </p:attrNameLst>
-                                      </p:cBhvr>
-                                      <p:tavLst>
-                                        <p:tav tm="0">
-                                          <p:val>
-                                            <p:fltVal val="0"/>
-                                          </p:val>
-                                        </p:tav>
-                                        <p:tav tm="100000">
-                                          <p:val>
-                                            <p:strVal val="#ppt_h"/>
-                                          </p:val>
-                                        </p:tav>
-                                      </p:tavLst>
-                                    </p:anim>
-                                    <p:animEffect transition="in" filter="fade">
-                                      <p:cBhvr>
-                                        <p:cTn id="33" dur="500"/>
-                                        <p:tgtEl>
-                                          <p:spTgt spid="10"/>
-                                        </p:tgtEl>
-                                      </p:cBhvr>
-                                    </p:animEffect>
+                                      <p:rCtr x="6181" y="-69"/>
+                                    </p:animMotion>
                                   </p:childTnLst>
                                 </p:cTn>
                               </p:par>
